--- a/[实验报告] SemEval2019 task3.pptx
+++ b/[实验报告] SemEval2019 task3.pptx
@@ -4,6 +4,9 @@
   <p:sldMasterIdLst>
     <p:sldMasterId id="2147483660" r:id="rId1"/>
   </p:sldMasterIdLst>
+  <p:notesMasterIdLst>
+    <p:notesMasterId r:id="rId11"/>
+  </p:notesMasterIdLst>
   <p:sldIdLst>
     <p:sldId id="256" r:id="rId2"/>
     <p:sldId id="257" r:id="rId3"/>
@@ -12,6 +15,8 @@
     <p:sldId id="260" r:id="rId6"/>
     <p:sldId id="262" r:id="rId7"/>
     <p:sldId id="263" r:id="rId8"/>
+    <p:sldId id="264" r:id="rId9"/>
+    <p:sldId id="265" r:id="rId10"/>
   </p:sldIdLst>
   <p:sldSz cx="12192000" cy="6858000"/>
   <p:notesSz cx="6858000" cy="9144000"/>
@@ -116,6 +121,356 @@
     </p:ext>
   </p:extLst>
 </p:presentation>
+</file>
+
+<file path=ppt/notesMasters/notesMaster1.xml><?xml version="1.0" encoding="utf-8"?>
+<p:notesMaster xmlns:a="http://schemas.openxmlformats.org/drawingml/2006/main" xmlns:r="http://schemas.openxmlformats.org/officeDocument/2006/relationships" xmlns:p="http://schemas.openxmlformats.org/presentationml/2006/main">
+  <p:cSld>
+    <p:bg>
+      <p:bgRef idx="1001">
+        <a:schemeClr val="bg1"/>
+      </p:bgRef>
+    </p:bg>
+    <p:spTree>
+      <p:nvGrpSpPr>
+        <p:cNvPr id="1" name=""/>
+        <p:cNvGrpSpPr/>
+        <p:nvPr/>
+      </p:nvGrpSpPr>
+      <p:grpSpPr>
+        <a:xfrm>
+          <a:off x="0" y="0"/>
+          <a:ext cx="0" cy="0"/>
+          <a:chOff x="0" y="0"/>
+          <a:chExt cx="0" cy="0"/>
+        </a:xfrm>
+      </p:grpSpPr>
+      <p:sp>
+        <p:nvSpPr>
+          <p:cNvPr id="2" name="页眉占位符 1"/>
+          <p:cNvSpPr>
+            <a:spLocks noGrp="1"/>
+          </p:cNvSpPr>
+          <p:nvPr>
+            <p:ph type="hdr" sz="quarter"/>
+          </p:nvPr>
+        </p:nvSpPr>
+        <p:spPr>
+          <a:xfrm>
+            <a:off x="0" y="0"/>
+            <a:ext cx="2971800" cy="458788"/>
+          </a:xfrm>
+          <a:prstGeom prst="rect">
+            <a:avLst/>
+          </a:prstGeom>
+        </p:spPr>
+        <p:txBody>
+          <a:bodyPr vert="horz" lIns="91440" tIns="45720" rIns="91440" bIns="45720" rtlCol="0"/>
+          <a:lstStyle>
+            <a:lvl1pPr algn="l">
+              <a:defRPr sz="1200"/>
+            </a:lvl1pPr>
+          </a:lstStyle>
+          <a:p>
+            <a:endParaRPr kumimoji="1" lang="zh-CN" altLang="en-US"/>
+          </a:p>
+        </p:txBody>
+      </p:sp>
+      <p:sp>
+        <p:nvSpPr>
+          <p:cNvPr id="3" name="日期占位符 2"/>
+          <p:cNvSpPr>
+            <a:spLocks noGrp="1"/>
+          </p:cNvSpPr>
+          <p:nvPr>
+            <p:ph type="dt" idx="1"/>
+          </p:nvPr>
+        </p:nvSpPr>
+        <p:spPr>
+          <a:xfrm>
+            <a:off x="3884613" y="0"/>
+            <a:ext cx="2971800" cy="458788"/>
+          </a:xfrm>
+          <a:prstGeom prst="rect">
+            <a:avLst/>
+          </a:prstGeom>
+        </p:spPr>
+        <p:txBody>
+          <a:bodyPr vert="horz" lIns="91440" tIns="45720" rIns="91440" bIns="45720" rtlCol="0"/>
+          <a:lstStyle>
+            <a:lvl1pPr algn="r">
+              <a:defRPr sz="1200"/>
+            </a:lvl1pPr>
+          </a:lstStyle>
+          <a:p>
+            <a:fld id="{5A4EA5B9-F482-5148-8232-7EAED2A2C3A5}" type="datetimeFigureOut">
+              <a:rPr kumimoji="1" lang="zh-CN" altLang="en-US" smtClean="0"/>
+              <a:t>2018/12/24</a:t>
+            </a:fld>
+            <a:endParaRPr kumimoji="1" lang="zh-CN" altLang="en-US"/>
+          </a:p>
+        </p:txBody>
+      </p:sp>
+      <p:sp>
+        <p:nvSpPr>
+          <p:cNvPr id="4" name="幻灯片图像占位符 3"/>
+          <p:cNvSpPr>
+            <a:spLocks noGrp="1" noRot="1" noChangeAspect="1"/>
+          </p:cNvSpPr>
+          <p:nvPr>
+            <p:ph type="sldImg" idx="2"/>
+          </p:nvPr>
+        </p:nvSpPr>
+        <p:spPr>
+          <a:xfrm>
+            <a:off x="685800" y="1143000"/>
+            <a:ext cx="5486400" cy="3086100"/>
+          </a:xfrm>
+          <a:prstGeom prst="rect">
+            <a:avLst/>
+          </a:prstGeom>
+          <a:noFill/>
+          <a:ln w="12700">
+            <a:solidFill>
+              <a:prstClr val="black"/>
+            </a:solidFill>
+          </a:ln>
+        </p:spPr>
+        <p:txBody>
+          <a:bodyPr vert="horz" lIns="91440" tIns="45720" rIns="91440" bIns="45720" rtlCol="0" anchor="ctr"/>
+          <a:lstStyle/>
+          <a:p>
+            <a:endParaRPr lang="zh-CN" altLang="en-US"/>
+          </a:p>
+        </p:txBody>
+      </p:sp>
+      <p:sp>
+        <p:nvSpPr>
+          <p:cNvPr id="5" name="备注占位符 4"/>
+          <p:cNvSpPr>
+            <a:spLocks noGrp="1"/>
+          </p:cNvSpPr>
+          <p:nvPr>
+            <p:ph type="body" sz="quarter" idx="3"/>
+          </p:nvPr>
+        </p:nvSpPr>
+        <p:spPr>
+          <a:xfrm>
+            <a:off x="685800" y="4400550"/>
+            <a:ext cx="5486400" cy="3600450"/>
+          </a:xfrm>
+          <a:prstGeom prst="rect">
+            <a:avLst/>
+          </a:prstGeom>
+        </p:spPr>
+        <p:txBody>
+          <a:bodyPr vert="horz" lIns="91440" tIns="45720" rIns="91440" bIns="45720" rtlCol="0"/>
+          <a:lstStyle/>
+          <a:p>
+            <a:pPr lvl="0"/>
+            <a:r>
+              <a:rPr kumimoji="1" lang="zh-CN" altLang="en-US" smtClean="0"/>
+              <a:t>单击此处编辑母版文本样式</a:t>
+            </a:r>
+          </a:p>
+          <a:p>
+            <a:pPr lvl="1"/>
+            <a:r>
+              <a:rPr kumimoji="1" lang="zh-CN" altLang="en-US" smtClean="0"/>
+              <a:t>二级</a:t>
+            </a:r>
+          </a:p>
+          <a:p>
+            <a:pPr lvl="2"/>
+            <a:r>
+              <a:rPr kumimoji="1" lang="zh-CN" altLang="en-US" smtClean="0"/>
+              <a:t>三级</a:t>
+            </a:r>
+          </a:p>
+          <a:p>
+            <a:pPr lvl="3"/>
+            <a:r>
+              <a:rPr kumimoji="1" lang="zh-CN" altLang="en-US" smtClean="0"/>
+              <a:t>四级</a:t>
+            </a:r>
+          </a:p>
+          <a:p>
+            <a:pPr lvl="4"/>
+            <a:r>
+              <a:rPr kumimoji="1" lang="zh-CN" altLang="en-US" smtClean="0"/>
+              <a:t>五级</a:t>
+            </a:r>
+            <a:endParaRPr kumimoji="1" lang="zh-CN" altLang="en-US"/>
+          </a:p>
+        </p:txBody>
+      </p:sp>
+      <p:sp>
+        <p:nvSpPr>
+          <p:cNvPr id="6" name="页脚占位符 5"/>
+          <p:cNvSpPr>
+            <a:spLocks noGrp="1"/>
+          </p:cNvSpPr>
+          <p:nvPr>
+            <p:ph type="ftr" sz="quarter" idx="4"/>
+          </p:nvPr>
+        </p:nvSpPr>
+        <p:spPr>
+          <a:xfrm>
+            <a:off x="0" y="8685213"/>
+            <a:ext cx="2971800" cy="458787"/>
+          </a:xfrm>
+          <a:prstGeom prst="rect">
+            <a:avLst/>
+          </a:prstGeom>
+        </p:spPr>
+        <p:txBody>
+          <a:bodyPr vert="horz" lIns="91440" tIns="45720" rIns="91440" bIns="45720" rtlCol="0" anchor="b"/>
+          <a:lstStyle>
+            <a:lvl1pPr algn="l">
+              <a:defRPr sz="1200"/>
+            </a:lvl1pPr>
+          </a:lstStyle>
+          <a:p>
+            <a:endParaRPr kumimoji="1" lang="zh-CN" altLang="en-US"/>
+          </a:p>
+        </p:txBody>
+      </p:sp>
+      <p:sp>
+        <p:nvSpPr>
+          <p:cNvPr id="7" name="幻灯片编号占位符 6"/>
+          <p:cNvSpPr>
+            <a:spLocks noGrp="1"/>
+          </p:cNvSpPr>
+          <p:nvPr>
+            <p:ph type="sldNum" sz="quarter" idx="5"/>
+          </p:nvPr>
+        </p:nvSpPr>
+        <p:spPr>
+          <a:xfrm>
+            <a:off x="3884613" y="8685213"/>
+            <a:ext cx="2971800" cy="458787"/>
+          </a:xfrm>
+          <a:prstGeom prst="rect">
+            <a:avLst/>
+          </a:prstGeom>
+        </p:spPr>
+        <p:txBody>
+          <a:bodyPr vert="horz" lIns="91440" tIns="45720" rIns="91440" bIns="45720" rtlCol="0" anchor="b"/>
+          <a:lstStyle>
+            <a:lvl1pPr algn="r">
+              <a:defRPr sz="1200"/>
+            </a:lvl1pPr>
+          </a:lstStyle>
+          <a:p>
+            <a:fld id="{6F74E97B-5D6B-B540-BE5D-173B3D24ACB6}" type="slidenum">
+              <a:rPr kumimoji="1" lang="zh-CN" altLang="en-US" smtClean="0"/>
+              <a:t>‹#›</a:t>
+            </a:fld>
+            <a:endParaRPr kumimoji="1" lang="zh-CN" altLang="en-US"/>
+          </a:p>
+        </p:txBody>
+      </p:sp>
+    </p:spTree>
+    <p:extLst>
+      <p:ext uri="{BB962C8B-B14F-4D97-AF65-F5344CB8AC3E}">
+        <p14:creationId xmlns:p14="http://schemas.microsoft.com/office/powerpoint/2010/main" val="1197515269"/>
+      </p:ext>
+    </p:extLst>
+  </p:cSld>
+  <p:clrMap bg1="lt1" tx1="dk1" bg2="lt2" tx2="dk2" accent1="accent1" accent2="accent2" accent3="accent3" accent4="accent4" accent5="accent5" accent6="accent6" hlink="hlink" folHlink="folHlink"/>
+  <p:notesStyle>
+    <a:lvl1pPr marL="0" algn="l" defTabSz="914400" rtl="0" eaLnBrk="1" latinLnBrk="0" hangingPunct="1">
+      <a:defRPr sz="1200" kern="1200">
+        <a:solidFill>
+          <a:schemeClr val="tx1"/>
+        </a:solidFill>
+        <a:latin typeface="+mn-lt"/>
+        <a:ea typeface="+mn-ea"/>
+        <a:cs typeface="+mn-cs"/>
+      </a:defRPr>
+    </a:lvl1pPr>
+    <a:lvl2pPr marL="457200" algn="l" defTabSz="914400" rtl="0" eaLnBrk="1" latinLnBrk="0" hangingPunct="1">
+      <a:defRPr sz="1200" kern="1200">
+        <a:solidFill>
+          <a:schemeClr val="tx1"/>
+        </a:solidFill>
+        <a:latin typeface="+mn-lt"/>
+        <a:ea typeface="+mn-ea"/>
+        <a:cs typeface="+mn-cs"/>
+      </a:defRPr>
+    </a:lvl2pPr>
+    <a:lvl3pPr marL="914400" algn="l" defTabSz="914400" rtl="0" eaLnBrk="1" latinLnBrk="0" hangingPunct="1">
+      <a:defRPr sz="1200" kern="1200">
+        <a:solidFill>
+          <a:schemeClr val="tx1"/>
+        </a:solidFill>
+        <a:latin typeface="+mn-lt"/>
+        <a:ea typeface="+mn-ea"/>
+        <a:cs typeface="+mn-cs"/>
+      </a:defRPr>
+    </a:lvl3pPr>
+    <a:lvl4pPr marL="1371600" algn="l" defTabSz="914400" rtl="0" eaLnBrk="1" latinLnBrk="0" hangingPunct="1">
+      <a:defRPr sz="1200" kern="1200">
+        <a:solidFill>
+          <a:schemeClr val="tx1"/>
+        </a:solidFill>
+        <a:latin typeface="+mn-lt"/>
+        <a:ea typeface="+mn-ea"/>
+        <a:cs typeface="+mn-cs"/>
+      </a:defRPr>
+    </a:lvl4pPr>
+    <a:lvl5pPr marL="1828800" algn="l" defTabSz="914400" rtl="0" eaLnBrk="1" latinLnBrk="0" hangingPunct="1">
+      <a:defRPr sz="1200" kern="1200">
+        <a:solidFill>
+          <a:schemeClr val="tx1"/>
+        </a:solidFill>
+        <a:latin typeface="+mn-lt"/>
+        <a:ea typeface="+mn-ea"/>
+        <a:cs typeface="+mn-cs"/>
+      </a:defRPr>
+    </a:lvl5pPr>
+    <a:lvl6pPr marL="2286000" algn="l" defTabSz="914400" rtl="0" eaLnBrk="1" latinLnBrk="0" hangingPunct="1">
+      <a:defRPr sz="1200" kern="1200">
+        <a:solidFill>
+          <a:schemeClr val="tx1"/>
+        </a:solidFill>
+        <a:latin typeface="+mn-lt"/>
+        <a:ea typeface="+mn-ea"/>
+        <a:cs typeface="+mn-cs"/>
+      </a:defRPr>
+    </a:lvl6pPr>
+    <a:lvl7pPr marL="2743200" algn="l" defTabSz="914400" rtl="0" eaLnBrk="1" latinLnBrk="0" hangingPunct="1">
+      <a:defRPr sz="1200" kern="1200">
+        <a:solidFill>
+          <a:schemeClr val="tx1"/>
+        </a:solidFill>
+        <a:latin typeface="+mn-lt"/>
+        <a:ea typeface="+mn-ea"/>
+        <a:cs typeface="+mn-cs"/>
+      </a:defRPr>
+    </a:lvl7pPr>
+    <a:lvl8pPr marL="3200400" algn="l" defTabSz="914400" rtl="0" eaLnBrk="1" latinLnBrk="0" hangingPunct="1">
+      <a:defRPr sz="1200" kern="1200">
+        <a:solidFill>
+          <a:schemeClr val="tx1"/>
+        </a:solidFill>
+        <a:latin typeface="+mn-lt"/>
+        <a:ea typeface="+mn-ea"/>
+        <a:cs typeface="+mn-cs"/>
+      </a:defRPr>
+    </a:lvl8pPr>
+    <a:lvl9pPr marL="3657600" algn="l" defTabSz="914400" rtl="0" eaLnBrk="1" latinLnBrk="0" hangingPunct="1">
+      <a:defRPr sz="1200" kern="1200">
+        <a:solidFill>
+          <a:schemeClr val="tx1"/>
+        </a:solidFill>
+        <a:latin typeface="+mn-lt"/>
+        <a:ea typeface="+mn-ea"/>
+        <a:cs typeface="+mn-cs"/>
+      </a:defRPr>
+    </a:lvl9pPr>
+  </p:notesStyle>
+</p:notesMaster>
 </file>
 
 <file path=ppt/slideLayouts/slideLayout1.xml><?xml version="1.0" encoding="utf-8"?>
@@ -344,7 +699,7 @@
           <a:p>
             <a:fld id="{2FBDEC44-E0AE-F949-9990-0FD65C4C527A}" type="datetimeFigureOut">
               <a:rPr kumimoji="1" lang="zh-CN" altLang="en-US" smtClean="0"/>
-              <a:t>2018/12/1</a:t>
+              <a:t>2018/12/24</a:t>
             </a:fld>
             <a:endParaRPr kumimoji="1" lang="zh-CN" altLang="en-US"/>
           </a:p>
@@ -552,7 +907,7 @@
           <a:p>
             <a:fld id="{2FBDEC44-E0AE-F949-9990-0FD65C4C527A}" type="datetimeFigureOut">
               <a:rPr kumimoji="1" lang="zh-CN" altLang="en-US" smtClean="0"/>
-              <a:t>2018/12/1</a:t>
+              <a:t>2018/12/24</a:t>
             </a:fld>
             <a:endParaRPr kumimoji="1" lang="zh-CN" altLang="en-US"/>
           </a:p>
@@ -808,7 +1163,7 @@
           <a:p>
             <a:fld id="{2FBDEC44-E0AE-F949-9990-0FD65C4C527A}" type="datetimeFigureOut">
               <a:rPr kumimoji="1" lang="zh-CN" altLang="en-US" smtClean="0"/>
-              <a:t>2018/12/1</a:t>
+              <a:t>2018/12/24</a:t>
             </a:fld>
             <a:endParaRPr kumimoji="1" lang="zh-CN" altLang="en-US"/>
           </a:p>
@@ -982,7 +1337,7 @@
           <a:p>
             <a:fld id="{2FBDEC44-E0AE-F949-9990-0FD65C4C527A}" type="datetimeFigureOut">
               <a:rPr kumimoji="1" lang="zh-CN" altLang="en-US" smtClean="0"/>
-              <a:t>2018/12/1</a:t>
+              <a:t>2018/12/24</a:t>
             </a:fld>
             <a:endParaRPr kumimoji="1" lang="zh-CN" altLang="en-US"/>
           </a:p>
@@ -1325,7 +1680,7 @@
           <a:p>
             <a:fld id="{2FBDEC44-E0AE-F949-9990-0FD65C4C527A}" type="datetimeFigureOut">
               <a:rPr kumimoji="1" lang="zh-CN" altLang="en-US" smtClean="0"/>
-              <a:t>2018/12/1</a:t>
+              <a:t>2018/12/24</a:t>
             </a:fld>
             <a:endParaRPr kumimoji="1" lang="zh-CN" altLang="en-US"/>
           </a:p>
@@ -1600,7 +1955,7 @@
           <a:p>
             <a:fld id="{2FBDEC44-E0AE-F949-9990-0FD65C4C527A}" type="datetimeFigureOut">
               <a:rPr kumimoji="1" lang="zh-CN" altLang="en-US" smtClean="0"/>
-              <a:t>2018/12/1</a:t>
+              <a:t>2018/12/24</a:t>
             </a:fld>
             <a:endParaRPr kumimoji="1" lang="zh-CN" altLang="en-US"/>
           </a:p>
@@ -1979,7 +2334,7 @@
           <a:p>
             <a:fld id="{2FBDEC44-E0AE-F949-9990-0FD65C4C527A}" type="datetimeFigureOut">
               <a:rPr kumimoji="1" lang="zh-CN" altLang="en-US" smtClean="0"/>
-              <a:t>2018/12/1</a:t>
+              <a:t>2018/12/24</a:t>
             </a:fld>
             <a:endParaRPr kumimoji="1" lang="zh-CN" altLang="en-US"/>
           </a:p>
@@ -2097,7 +2452,7 @@
           <a:p>
             <a:fld id="{2FBDEC44-E0AE-F949-9990-0FD65C4C527A}" type="datetimeFigureOut">
               <a:rPr kumimoji="1" lang="zh-CN" altLang="en-US" smtClean="0"/>
-              <a:t>2018/12/1</a:t>
+              <a:t>2018/12/24</a:t>
             </a:fld>
             <a:endParaRPr kumimoji="1" lang="zh-CN" altLang="en-US"/>
           </a:p>
@@ -2268,7 +2623,7 @@
           <a:p>
             <a:fld id="{2FBDEC44-E0AE-F949-9990-0FD65C4C527A}" type="datetimeFigureOut">
               <a:rPr kumimoji="1" lang="zh-CN" altLang="en-US" smtClean="0"/>
-              <a:t>2018/12/1</a:t>
+              <a:t>2018/12/24</a:t>
             </a:fld>
             <a:endParaRPr kumimoji="1" lang="zh-CN" altLang="en-US"/>
           </a:p>
@@ -2622,7 +2977,7 @@
           <a:p>
             <a:fld id="{2FBDEC44-E0AE-F949-9990-0FD65C4C527A}" type="datetimeFigureOut">
               <a:rPr kumimoji="1" lang="zh-CN" altLang="en-US" smtClean="0"/>
-              <a:t>2018/12/1</a:t>
+              <a:t>2018/12/24</a:t>
             </a:fld>
             <a:endParaRPr kumimoji="1" lang="zh-CN" altLang="en-US"/>
           </a:p>
@@ -3004,7 +3359,7 @@
           <a:p>
             <a:fld id="{2FBDEC44-E0AE-F949-9990-0FD65C4C527A}" type="datetimeFigureOut">
               <a:rPr kumimoji="1" lang="zh-CN" altLang="en-US" smtClean="0"/>
-              <a:t>2018/12/1</a:t>
+              <a:t>2018/12/24</a:t>
             </a:fld>
             <a:endParaRPr kumimoji="1" lang="zh-CN" altLang="en-US"/>
           </a:p>
@@ -3291,7 +3646,7 @@
           <a:p>
             <a:fld id="{2FBDEC44-E0AE-F949-9990-0FD65C4C527A}" type="datetimeFigureOut">
               <a:rPr kumimoji="1" lang="zh-CN" altLang="en-US" smtClean="0"/>
-              <a:t>2018/12/1</a:t>
+              <a:t>2018/12/24</a:t>
             </a:fld>
             <a:endParaRPr kumimoji="1" lang="zh-CN" altLang="en-US"/>
           </a:p>
@@ -6858,6 +7213,5933 @@
 </p:sld>
 </file>
 
+<file path=ppt/slides/slide8.xml><?xml version="1.0" encoding="utf-8"?>
+<p:sld xmlns:a="http://schemas.openxmlformats.org/drawingml/2006/main" xmlns:r="http://schemas.openxmlformats.org/officeDocument/2006/relationships" xmlns:p="http://schemas.openxmlformats.org/presentationml/2006/main">
+  <p:cSld>
+    <p:spTree>
+      <p:nvGrpSpPr>
+        <p:cNvPr id="1" name=""/>
+        <p:cNvGrpSpPr/>
+        <p:nvPr/>
+      </p:nvGrpSpPr>
+      <p:grpSpPr>
+        <a:xfrm>
+          <a:off x="0" y="0"/>
+          <a:ext cx="0" cy="0"/>
+          <a:chOff x="0" y="0"/>
+          <a:chExt cx="0" cy="0"/>
+        </a:xfrm>
+      </p:grpSpPr>
+      <p:sp>
+        <p:nvSpPr>
+          <p:cNvPr id="2" name="标题 1"/>
+          <p:cNvSpPr>
+            <a:spLocks noGrp="1"/>
+          </p:cNvSpPr>
+          <p:nvPr>
+            <p:ph type="title"/>
+          </p:nvPr>
+        </p:nvSpPr>
+        <p:spPr/>
+        <p:txBody>
+          <a:bodyPr/>
+          <a:lstStyle/>
+          <a:p>
+            <a:r>
+              <a:rPr kumimoji="1" lang="en-US" altLang="zh-CN" dirty="0" smtClean="0"/>
+              <a:t>Slang Distribution</a:t>
+            </a:r>
+            <a:endParaRPr kumimoji="1" lang="zh-CN" altLang="en-US" dirty="0"/>
+          </a:p>
+        </p:txBody>
+      </p:sp>
+      <p:graphicFrame>
+        <p:nvGraphicFramePr>
+          <p:cNvPr id="4" name="表格 3"/>
+          <p:cNvGraphicFramePr>
+            <a:graphicFrameLocks noGrp="1"/>
+          </p:cNvGraphicFramePr>
+          <p:nvPr>
+            <p:extLst>
+              <p:ext uri="{D42A27DB-BD31-4B8C-83A1-F6EECF244321}">
+                <p14:modId xmlns:p14="http://schemas.microsoft.com/office/powerpoint/2010/main" val="361686529"/>
+              </p:ext>
+            </p:extLst>
+          </p:nvPr>
+        </p:nvGraphicFramePr>
+        <p:xfrm>
+          <a:off x="2955236" y="2395330"/>
+          <a:ext cx="7376765" cy="769620"/>
+        </p:xfrm>
+        <a:graphic>
+          <a:graphicData uri="http://schemas.openxmlformats.org/drawingml/2006/table">
+            <a:tbl>
+              <a:tblPr>
+                <a:tableStyleId>{5940675A-B579-460E-94D1-54222C63F5DA}</a:tableStyleId>
+              </a:tblPr>
+              <a:tblGrid>
+                <a:gridCol w="2426197"/>
+                <a:gridCol w="1290232"/>
+                <a:gridCol w="1220112"/>
+                <a:gridCol w="1220112"/>
+                <a:gridCol w="1220112"/>
+              </a:tblGrid>
+              <a:tr h="203200">
+                <a:tc rowSpan="2">
+                  <a:txBody>
+                    <a:bodyPr/>
+                    <a:lstStyle/>
+                    <a:p>
+                      <a:pPr algn="ctr" fontAlgn="b"/>
+                      <a:endParaRPr lang="zh-CN" altLang="en-US" sz="1600" b="0" i="0" u="none" strike="noStrike">
+                        <a:solidFill>
+                          <a:srgbClr val="000000"/>
+                        </a:solidFill>
+                        <a:effectLst/>
+                        <a:latin typeface="Calibri" charset="0"/>
+                        <a:ea typeface="Calibri" charset="0"/>
+                        <a:cs typeface="Calibri" charset="0"/>
+                      </a:endParaRPr>
+                    </a:p>
+                  </a:txBody>
+                  <a:tcPr marL="12700" marR="12700" marT="12700" marB="0" anchor="b"/>
+                </a:tc>
+                <a:tc gridSpan="2">
+                  <a:txBody>
+                    <a:bodyPr/>
+                    <a:lstStyle/>
+                    <a:p>
+                      <a:pPr algn="ctr" fontAlgn="b"/>
+                      <a:r>
+                        <a:rPr lang="en-US" sz="1600" u="none" strike="noStrike" dirty="0">
+                          <a:effectLst/>
+                          <a:latin typeface="Calibri" charset="0"/>
+                          <a:ea typeface="Calibri" charset="0"/>
+                          <a:cs typeface="Calibri" charset="0"/>
+                        </a:rPr>
+                        <a:t>Google</a:t>
+                      </a:r>
+                      <a:endParaRPr lang="en-US" sz="1600" b="0" i="0" u="none" strike="noStrike" dirty="0">
+                        <a:solidFill>
+                          <a:srgbClr val="000000"/>
+                        </a:solidFill>
+                        <a:effectLst/>
+                        <a:latin typeface="Calibri" charset="0"/>
+                        <a:ea typeface="Calibri" charset="0"/>
+                        <a:cs typeface="Calibri" charset="0"/>
+                      </a:endParaRPr>
+                    </a:p>
+                  </a:txBody>
+                  <a:tcPr marL="12700" marR="12700" marT="12700" marB="0" anchor="b"/>
+                </a:tc>
+                <a:tc hMerge="1">
+                  <a:txBody>
+                    <a:bodyPr/>
+                    <a:lstStyle/>
+                    <a:p>
+                      <a:endParaRPr lang="zh-CN" altLang="en-US"/>
+                    </a:p>
+                  </a:txBody>
+                  <a:tcPr/>
+                </a:tc>
+                <a:tc gridSpan="2">
+                  <a:txBody>
+                    <a:bodyPr/>
+                    <a:lstStyle/>
+                    <a:p>
+                      <a:pPr algn="ctr" fontAlgn="b"/>
+                      <a:r>
+                        <a:rPr lang="en-US" sz="1600" u="none" strike="noStrike" dirty="0">
+                          <a:effectLst/>
+                          <a:latin typeface="Calibri" charset="0"/>
+                          <a:ea typeface="Calibri" charset="0"/>
+                          <a:cs typeface="Calibri" charset="0"/>
+                        </a:rPr>
+                        <a:t>NTUA</a:t>
+                      </a:r>
+                      <a:endParaRPr lang="en-US" sz="1600" b="0" i="0" u="none" strike="noStrike" dirty="0">
+                        <a:solidFill>
+                          <a:srgbClr val="000000"/>
+                        </a:solidFill>
+                        <a:effectLst/>
+                        <a:latin typeface="Calibri" charset="0"/>
+                        <a:ea typeface="Calibri" charset="0"/>
+                        <a:cs typeface="Calibri" charset="0"/>
+                      </a:endParaRPr>
+                    </a:p>
+                  </a:txBody>
+                  <a:tcPr marL="12700" marR="12700" marT="12700" marB="0" anchor="b"/>
+                </a:tc>
+                <a:tc hMerge="1">
+                  <a:txBody>
+                    <a:bodyPr/>
+                    <a:lstStyle/>
+                    <a:p>
+                      <a:endParaRPr lang="zh-CN" altLang="en-US"/>
+                    </a:p>
+                  </a:txBody>
+                  <a:tcPr/>
+                </a:tc>
+              </a:tr>
+              <a:tr h="203200">
+                <a:tc vMerge="1">
+                  <a:txBody>
+                    <a:bodyPr/>
+                    <a:lstStyle/>
+                    <a:p>
+                      <a:pPr algn="ctr" fontAlgn="b"/>
+                      <a:endParaRPr lang="zh-CN" altLang="en-US" sz="1200" b="0" i="0" u="none" strike="noStrike">
+                        <a:solidFill>
+                          <a:srgbClr val="000000"/>
+                        </a:solidFill>
+                        <a:effectLst/>
+                        <a:latin typeface="DengXian" charset="-122"/>
+                      </a:endParaRPr>
+                    </a:p>
+                  </a:txBody>
+                  <a:tcPr marL="12700" marR="12700" marT="12700" marB="0" anchor="b"/>
+                </a:tc>
+                <a:tc>
+                  <a:txBody>
+                    <a:bodyPr/>
+                    <a:lstStyle/>
+                    <a:p>
+                      <a:pPr algn="ctr" fontAlgn="b"/>
+                      <a:r>
+                        <a:rPr lang="en-US" sz="1600" u="none" strike="noStrike">
+                          <a:effectLst/>
+                          <a:latin typeface="Calibri" charset="0"/>
+                          <a:ea typeface="Calibri" charset="0"/>
+                          <a:cs typeface="Calibri" charset="0"/>
+                        </a:rPr>
+                        <a:t>train</a:t>
+                      </a:r>
+                      <a:endParaRPr lang="en-US" sz="1600" b="0" i="0" u="none" strike="noStrike">
+                        <a:solidFill>
+                          <a:srgbClr val="000000"/>
+                        </a:solidFill>
+                        <a:effectLst/>
+                        <a:latin typeface="Calibri" charset="0"/>
+                        <a:ea typeface="Calibri" charset="0"/>
+                        <a:cs typeface="Calibri" charset="0"/>
+                      </a:endParaRPr>
+                    </a:p>
+                  </a:txBody>
+                  <a:tcPr marL="12700" marR="12700" marT="12700" marB="0" anchor="b"/>
+                </a:tc>
+                <a:tc>
+                  <a:txBody>
+                    <a:bodyPr/>
+                    <a:lstStyle/>
+                    <a:p>
+                      <a:pPr algn="ctr" fontAlgn="b"/>
+                      <a:r>
+                        <a:rPr lang="en-US" sz="1600" u="none" strike="noStrike">
+                          <a:effectLst/>
+                          <a:latin typeface="Calibri" charset="0"/>
+                          <a:ea typeface="Calibri" charset="0"/>
+                          <a:cs typeface="Calibri" charset="0"/>
+                        </a:rPr>
+                        <a:t>dev</a:t>
+                      </a:r>
+                      <a:endParaRPr lang="en-US" sz="1600" b="0" i="0" u="none" strike="noStrike">
+                        <a:solidFill>
+                          <a:srgbClr val="000000"/>
+                        </a:solidFill>
+                        <a:effectLst/>
+                        <a:latin typeface="Calibri" charset="0"/>
+                        <a:ea typeface="Calibri" charset="0"/>
+                        <a:cs typeface="Calibri" charset="0"/>
+                      </a:endParaRPr>
+                    </a:p>
+                  </a:txBody>
+                  <a:tcPr marL="12700" marR="12700" marT="12700" marB="0" anchor="b"/>
+                </a:tc>
+                <a:tc>
+                  <a:txBody>
+                    <a:bodyPr/>
+                    <a:lstStyle/>
+                    <a:p>
+                      <a:pPr algn="ctr" fontAlgn="b"/>
+                      <a:r>
+                        <a:rPr lang="en-US" sz="1600" u="none" strike="noStrike" dirty="0">
+                          <a:effectLst/>
+                          <a:latin typeface="Calibri" charset="0"/>
+                          <a:ea typeface="Calibri" charset="0"/>
+                          <a:cs typeface="Calibri" charset="0"/>
+                        </a:rPr>
+                        <a:t>train</a:t>
+                      </a:r>
+                      <a:endParaRPr lang="en-US" sz="1600" b="0" i="0" u="none" strike="noStrike" dirty="0">
+                        <a:solidFill>
+                          <a:srgbClr val="000000"/>
+                        </a:solidFill>
+                        <a:effectLst/>
+                        <a:latin typeface="Calibri" charset="0"/>
+                        <a:ea typeface="Calibri" charset="0"/>
+                        <a:cs typeface="Calibri" charset="0"/>
+                      </a:endParaRPr>
+                    </a:p>
+                  </a:txBody>
+                  <a:tcPr marL="12700" marR="12700" marT="12700" marB="0" anchor="b"/>
+                </a:tc>
+                <a:tc>
+                  <a:txBody>
+                    <a:bodyPr/>
+                    <a:lstStyle/>
+                    <a:p>
+                      <a:pPr algn="ctr" fontAlgn="b"/>
+                      <a:r>
+                        <a:rPr lang="en-US" sz="1600" u="none" strike="noStrike">
+                          <a:effectLst/>
+                          <a:latin typeface="Calibri" charset="0"/>
+                          <a:ea typeface="Calibri" charset="0"/>
+                          <a:cs typeface="Calibri" charset="0"/>
+                        </a:rPr>
+                        <a:t>dev</a:t>
+                      </a:r>
+                      <a:endParaRPr lang="en-US" sz="1600" b="0" i="0" u="none" strike="noStrike">
+                        <a:solidFill>
+                          <a:srgbClr val="000000"/>
+                        </a:solidFill>
+                        <a:effectLst/>
+                        <a:latin typeface="Calibri" charset="0"/>
+                        <a:ea typeface="Calibri" charset="0"/>
+                        <a:cs typeface="Calibri" charset="0"/>
+                      </a:endParaRPr>
+                    </a:p>
+                  </a:txBody>
+                  <a:tcPr marL="12700" marR="12700" marT="12700" marB="0" anchor="b"/>
+                </a:tc>
+              </a:tr>
+              <a:tr h="203200">
+                <a:tc>
+                  <a:txBody>
+                    <a:bodyPr/>
+                    <a:lstStyle/>
+                    <a:p>
+                      <a:pPr algn="ctr" fontAlgn="b"/>
+                      <a:r>
+                        <a:rPr lang="en-US" sz="1600" u="none" strike="noStrike">
+                          <a:effectLst/>
+                          <a:latin typeface="Calibri" charset="0"/>
+                          <a:ea typeface="Calibri" charset="0"/>
+                          <a:cs typeface="Calibri" charset="0"/>
+                        </a:rPr>
+                        <a:t># of token out of vocab</a:t>
+                      </a:r>
+                      <a:endParaRPr lang="en-US" sz="1600" b="0" i="0" u="none" strike="noStrike">
+                        <a:solidFill>
+                          <a:srgbClr val="000000"/>
+                        </a:solidFill>
+                        <a:effectLst/>
+                        <a:latin typeface="Calibri" charset="0"/>
+                        <a:ea typeface="Calibri" charset="0"/>
+                        <a:cs typeface="Calibri" charset="0"/>
+                      </a:endParaRPr>
+                    </a:p>
+                  </a:txBody>
+                  <a:tcPr marL="12700" marR="12700" marT="12700" marB="0" anchor="b"/>
+                </a:tc>
+                <a:tc>
+                  <a:txBody>
+                    <a:bodyPr/>
+                    <a:lstStyle/>
+                    <a:p>
+                      <a:pPr algn="ctr" fontAlgn="b"/>
+                      <a:r>
+                        <a:rPr lang="is-IS" sz="1600" u="none" strike="noStrike">
+                          <a:effectLst/>
+                          <a:latin typeface="Calibri" charset="0"/>
+                          <a:ea typeface="Calibri" charset="0"/>
+                          <a:cs typeface="Calibri" charset="0"/>
+                        </a:rPr>
+                        <a:t>3048</a:t>
+                      </a:r>
+                      <a:endParaRPr lang="is-IS" sz="1600" b="0" i="0" u="none" strike="noStrike">
+                        <a:solidFill>
+                          <a:srgbClr val="000000"/>
+                        </a:solidFill>
+                        <a:effectLst/>
+                        <a:latin typeface="Calibri" charset="0"/>
+                        <a:ea typeface="Calibri" charset="0"/>
+                        <a:cs typeface="Calibri" charset="0"/>
+                      </a:endParaRPr>
+                    </a:p>
+                  </a:txBody>
+                  <a:tcPr marL="12700" marR="12700" marT="12700" marB="0" anchor="b"/>
+                </a:tc>
+                <a:tc>
+                  <a:txBody>
+                    <a:bodyPr/>
+                    <a:lstStyle/>
+                    <a:p>
+                      <a:pPr algn="ctr" fontAlgn="b"/>
+                      <a:r>
+                        <a:rPr lang="en-US" altLang="zh-CN" sz="1600" u="none" strike="noStrike">
+                          <a:effectLst/>
+                          <a:latin typeface="Calibri" charset="0"/>
+                          <a:ea typeface="Calibri" charset="0"/>
+                          <a:cs typeface="Calibri" charset="0"/>
+                        </a:rPr>
+                        <a:t>381</a:t>
+                      </a:r>
+                      <a:endParaRPr lang="en-US" altLang="zh-CN" sz="1600" b="0" i="0" u="none" strike="noStrike">
+                        <a:solidFill>
+                          <a:srgbClr val="000000"/>
+                        </a:solidFill>
+                        <a:effectLst/>
+                        <a:latin typeface="Calibri" charset="0"/>
+                        <a:ea typeface="Calibri" charset="0"/>
+                        <a:cs typeface="Calibri" charset="0"/>
+                      </a:endParaRPr>
+                    </a:p>
+                  </a:txBody>
+                  <a:tcPr marL="12700" marR="12700" marT="12700" marB="0" anchor="b"/>
+                </a:tc>
+                <a:tc>
+                  <a:txBody>
+                    <a:bodyPr/>
+                    <a:lstStyle/>
+                    <a:p>
+                      <a:pPr algn="ctr" fontAlgn="b"/>
+                      <a:r>
+                        <a:rPr lang="is-IS" sz="1600" u="none" strike="noStrike">
+                          <a:effectLst/>
+                          <a:latin typeface="Calibri" charset="0"/>
+                          <a:ea typeface="Calibri" charset="0"/>
+                          <a:cs typeface="Calibri" charset="0"/>
+                        </a:rPr>
+                        <a:t>993</a:t>
+                      </a:r>
+                      <a:endParaRPr lang="is-IS" sz="1600" b="0" i="0" u="none" strike="noStrike">
+                        <a:solidFill>
+                          <a:srgbClr val="000000"/>
+                        </a:solidFill>
+                        <a:effectLst/>
+                        <a:latin typeface="Calibri" charset="0"/>
+                        <a:ea typeface="Calibri" charset="0"/>
+                        <a:cs typeface="Calibri" charset="0"/>
+                      </a:endParaRPr>
+                    </a:p>
+                  </a:txBody>
+                  <a:tcPr marL="12700" marR="12700" marT="12700" marB="0" anchor="b"/>
+                </a:tc>
+                <a:tc>
+                  <a:txBody>
+                    <a:bodyPr/>
+                    <a:lstStyle/>
+                    <a:p>
+                      <a:pPr algn="ctr" fontAlgn="b"/>
+                      <a:r>
+                        <a:rPr lang="en-US" altLang="zh-CN" sz="1600" u="none" strike="noStrike" dirty="0">
+                          <a:effectLst/>
+                          <a:latin typeface="Calibri" charset="0"/>
+                          <a:ea typeface="Calibri" charset="0"/>
+                          <a:cs typeface="Calibri" charset="0"/>
+                        </a:rPr>
+                        <a:t>85</a:t>
+                      </a:r>
+                      <a:endParaRPr lang="en-US" altLang="zh-CN" sz="1600" b="0" i="0" u="none" strike="noStrike" dirty="0">
+                        <a:solidFill>
+                          <a:srgbClr val="000000"/>
+                        </a:solidFill>
+                        <a:effectLst/>
+                        <a:latin typeface="Calibri" charset="0"/>
+                        <a:ea typeface="Calibri" charset="0"/>
+                        <a:cs typeface="Calibri" charset="0"/>
+                      </a:endParaRPr>
+                    </a:p>
+                  </a:txBody>
+                  <a:tcPr marL="12700" marR="12700" marT="12700" marB="0" anchor="b"/>
+                </a:tc>
+              </a:tr>
+            </a:tbl>
+          </a:graphicData>
+        </a:graphic>
+      </p:graphicFrame>
+      <p:graphicFrame>
+        <p:nvGraphicFramePr>
+          <p:cNvPr id="6" name="表格 5"/>
+          <p:cNvGraphicFramePr>
+            <a:graphicFrameLocks noGrp="1"/>
+          </p:cNvGraphicFramePr>
+          <p:nvPr>
+            <p:extLst>
+              <p:ext uri="{D42A27DB-BD31-4B8C-83A1-F6EECF244321}">
+                <p14:modId xmlns:p14="http://schemas.microsoft.com/office/powerpoint/2010/main" val="765664331"/>
+              </p:ext>
+            </p:extLst>
+          </p:nvPr>
+        </p:nvGraphicFramePr>
+        <p:xfrm>
+          <a:off x="1702186" y="3552687"/>
+          <a:ext cx="8629815" cy="1795780"/>
+        </p:xfrm>
+        <a:graphic>
+          <a:graphicData uri="http://schemas.openxmlformats.org/drawingml/2006/table">
+            <a:tbl>
+              <a:tblPr>
+                <a:tableStyleId>{5940675A-B579-460E-94D1-54222C63F5DA}</a:tableStyleId>
+              </a:tblPr>
+              <a:tblGrid>
+                <a:gridCol w="1224786"/>
+                <a:gridCol w="2435495"/>
+                <a:gridCol w="1295176"/>
+                <a:gridCol w="1224786"/>
+                <a:gridCol w="1224786"/>
+                <a:gridCol w="1224786"/>
+              </a:tblGrid>
+              <a:tr h="203200">
+                <a:tc rowSpan="3">
+                  <a:txBody>
+                    <a:bodyPr/>
+                    <a:lstStyle/>
+                    <a:p>
+                      <a:pPr algn="ctr" fontAlgn="b"/>
+                      <a:endParaRPr lang="zh-CN" altLang="en-US" sz="1600" b="0" i="0" u="none" strike="noStrike" dirty="0">
+                        <a:solidFill>
+                          <a:srgbClr val="000000"/>
+                        </a:solidFill>
+                        <a:effectLst/>
+                        <a:latin typeface="Calibri" charset="0"/>
+                        <a:ea typeface="Calibri" charset="0"/>
+                        <a:cs typeface="Calibri" charset="0"/>
+                      </a:endParaRPr>
+                    </a:p>
+                  </a:txBody>
+                  <a:tcPr marL="12700" marR="12700" marT="12700" marB="0" anchor="b">
+                    <a:lnR w="12700" cmpd="sng">
+                      <a:noFill/>
+                    </a:lnR>
+                  </a:tcPr>
+                </a:tc>
+                <a:tc rowSpan="2">
+                  <a:txBody>
+                    <a:bodyPr/>
+                    <a:lstStyle/>
+                    <a:p>
+                      <a:pPr algn="ctr" fontAlgn="b"/>
+                      <a:endParaRPr lang="zh-CN" altLang="en-US" sz="1600" b="0" i="0" u="none" strike="noStrike" dirty="0">
+                        <a:solidFill>
+                          <a:srgbClr val="000000"/>
+                        </a:solidFill>
+                        <a:effectLst/>
+                        <a:latin typeface="Calibri" charset="0"/>
+                        <a:ea typeface="Calibri" charset="0"/>
+                        <a:cs typeface="Calibri" charset="0"/>
+                      </a:endParaRPr>
+                    </a:p>
+                  </a:txBody>
+                  <a:tcPr marL="12700" marR="12700" marT="12700" marB="0" anchor="b">
+                    <a:lnL w="12700" cmpd="sng">
+                      <a:noFill/>
+                    </a:lnL>
+                  </a:tcPr>
+                </a:tc>
+                <a:tc gridSpan="2">
+                  <a:txBody>
+                    <a:bodyPr/>
+                    <a:lstStyle/>
+                    <a:p>
+                      <a:pPr algn="ctr" fontAlgn="b"/>
+                      <a:r>
+                        <a:rPr lang="en-US" sz="1600" u="none" strike="noStrike">
+                          <a:effectLst/>
+                          <a:latin typeface="Calibri" charset="0"/>
+                          <a:ea typeface="Calibri" charset="0"/>
+                          <a:cs typeface="Calibri" charset="0"/>
+                        </a:rPr>
+                        <a:t>Google</a:t>
+                      </a:r>
+                      <a:endParaRPr lang="en-US" sz="1600" b="0" i="0" u="none" strike="noStrike">
+                        <a:solidFill>
+                          <a:srgbClr val="000000"/>
+                        </a:solidFill>
+                        <a:effectLst/>
+                        <a:latin typeface="Calibri" charset="0"/>
+                        <a:ea typeface="Calibri" charset="0"/>
+                        <a:cs typeface="Calibri" charset="0"/>
+                      </a:endParaRPr>
+                    </a:p>
+                  </a:txBody>
+                  <a:tcPr marL="12700" marR="12700" marT="12700" marB="0" anchor="b"/>
+                </a:tc>
+                <a:tc hMerge="1">
+                  <a:txBody>
+                    <a:bodyPr/>
+                    <a:lstStyle/>
+                    <a:p>
+                      <a:endParaRPr lang="zh-CN" altLang="en-US"/>
+                    </a:p>
+                  </a:txBody>
+                  <a:tcPr/>
+                </a:tc>
+                <a:tc gridSpan="2">
+                  <a:txBody>
+                    <a:bodyPr/>
+                    <a:lstStyle/>
+                    <a:p>
+                      <a:pPr algn="ctr" fontAlgn="b"/>
+                      <a:r>
+                        <a:rPr lang="en-US" sz="1600" u="none" strike="noStrike">
+                          <a:effectLst/>
+                          <a:latin typeface="Calibri" charset="0"/>
+                          <a:ea typeface="Calibri" charset="0"/>
+                          <a:cs typeface="Calibri" charset="0"/>
+                        </a:rPr>
+                        <a:t>NTUA</a:t>
+                      </a:r>
+                      <a:endParaRPr lang="en-US" sz="1600" b="0" i="0" u="none" strike="noStrike">
+                        <a:solidFill>
+                          <a:srgbClr val="000000"/>
+                        </a:solidFill>
+                        <a:effectLst/>
+                        <a:latin typeface="Calibri" charset="0"/>
+                        <a:ea typeface="Calibri" charset="0"/>
+                        <a:cs typeface="Calibri" charset="0"/>
+                      </a:endParaRPr>
+                    </a:p>
+                  </a:txBody>
+                  <a:tcPr marL="12700" marR="12700" marT="12700" marB="0" anchor="b"/>
+                </a:tc>
+                <a:tc hMerge="1">
+                  <a:txBody>
+                    <a:bodyPr/>
+                    <a:lstStyle/>
+                    <a:p>
+                      <a:endParaRPr lang="zh-CN" altLang="en-US"/>
+                    </a:p>
+                  </a:txBody>
+                  <a:tcPr/>
+                </a:tc>
+              </a:tr>
+              <a:tr h="203200">
+                <a:tc vMerge="1">
+                  <a:txBody>
+                    <a:bodyPr/>
+                    <a:lstStyle/>
+                    <a:p>
+                      <a:pPr algn="ctr" fontAlgn="b"/>
+                      <a:endParaRPr lang="zh-CN" altLang="en-US" sz="1200" b="0" i="0" u="none" strike="noStrike">
+                        <a:solidFill>
+                          <a:srgbClr val="000000"/>
+                        </a:solidFill>
+                        <a:effectLst/>
+                        <a:latin typeface="DengXian" charset="-122"/>
+                      </a:endParaRPr>
+                    </a:p>
+                  </a:txBody>
+                  <a:tcPr marL="12700" marR="12700" marT="12700" marB="0" anchor="b"/>
+                </a:tc>
+                <a:tc vMerge="1">
+                  <a:txBody>
+                    <a:bodyPr/>
+                    <a:lstStyle/>
+                    <a:p>
+                      <a:pPr algn="ctr" fontAlgn="b"/>
+                      <a:endParaRPr lang="zh-CN" altLang="en-US" sz="1200" b="0" i="0" u="none" strike="noStrike">
+                        <a:solidFill>
+                          <a:srgbClr val="000000"/>
+                        </a:solidFill>
+                        <a:effectLst/>
+                        <a:latin typeface="DengXian" charset="-122"/>
+                      </a:endParaRPr>
+                    </a:p>
+                  </a:txBody>
+                  <a:tcPr marL="12700" marR="12700" marT="12700" marB="0" anchor="b"/>
+                </a:tc>
+                <a:tc gridSpan="4">
+                  <a:txBody>
+                    <a:bodyPr/>
+                    <a:lstStyle/>
+                    <a:p>
+                      <a:pPr algn="ctr" fontAlgn="b"/>
+                      <a:r>
+                        <a:rPr lang="en-US" sz="1600" u="none" strike="noStrike" dirty="0" smtClean="0">
+                          <a:effectLst/>
+                          <a:latin typeface="Calibri" charset="0"/>
+                          <a:ea typeface="Calibri" charset="0"/>
+                          <a:cs typeface="Calibri" charset="0"/>
+                        </a:rPr>
+                        <a:t>Train </a:t>
+                      </a:r>
+                      <a:r>
+                        <a:rPr lang="en-US" sz="1600" u="none" strike="noStrike" dirty="0">
+                          <a:effectLst/>
+                          <a:latin typeface="Calibri" charset="0"/>
+                          <a:ea typeface="Calibri" charset="0"/>
+                          <a:cs typeface="Calibri" charset="0"/>
+                        </a:rPr>
+                        <a:t>samples with token out of vocab</a:t>
+                      </a:r>
+                      <a:endParaRPr lang="en-US" sz="1600" b="0" i="0" u="none" strike="noStrike" dirty="0">
+                        <a:solidFill>
+                          <a:srgbClr val="000000"/>
+                        </a:solidFill>
+                        <a:effectLst/>
+                        <a:latin typeface="Calibri" charset="0"/>
+                        <a:ea typeface="Calibri" charset="0"/>
+                        <a:cs typeface="Calibri" charset="0"/>
+                      </a:endParaRPr>
+                    </a:p>
+                  </a:txBody>
+                  <a:tcPr marL="12700" marR="12700" marT="12700" marB="0" anchor="b"/>
+                </a:tc>
+                <a:tc hMerge="1">
+                  <a:txBody>
+                    <a:bodyPr/>
+                    <a:lstStyle/>
+                    <a:p>
+                      <a:endParaRPr lang="zh-CN" altLang="en-US"/>
+                    </a:p>
+                  </a:txBody>
+                  <a:tcPr/>
+                </a:tc>
+                <a:tc hMerge="1">
+                  <a:txBody>
+                    <a:bodyPr/>
+                    <a:lstStyle/>
+                    <a:p>
+                      <a:endParaRPr lang="zh-CN" altLang="en-US"/>
+                    </a:p>
+                  </a:txBody>
+                  <a:tcPr/>
+                </a:tc>
+                <a:tc hMerge="1">
+                  <a:txBody>
+                    <a:bodyPr/>
+                    <a:lstStyle/>
+                    <a:p>
+                      <a:endParaRPr lang="zh-CN" altLang="en-US"/>
+                    </a:p>
+                  </a:txBody>
+                  <a:tcPr/>
+                </a:tc>
+              </a:tr>
+              <a:tr h="203200">
+                <a:tc vMerge="1">
+                  <a:txBody>
+                    <a:bodyPr/>
+                    <a:lstStyle/>
+                    <a:p>
+                      <a:pPr algn="ctr" fontAlgn="b"/>
+                      <a:endParaRPr lang="zh-CN" altLang="en-US" sz="1200" b="0" i="0" u="none" strike="noStrike">
+                        <a:solidFill>
+                          <a:srgbClr val="000000"/>
+                        </a:solidFill>
+                        <a:effectLst/>
+                        <a:latin typeface="DengXian" charset="-122"/>
+                      </a:endParaRPr>
+                    </a:p>
+                  </a:txBody>
+                  <a:tcPr marL="12700" marR="12700" marT="12700" marB="0" anchor="b"/>
+                </a:tc>
+                <a:tc>
+                  <a:txBody>
+                    <a:bodyPr/>
+                    <a:lstStyle/>
+                    <a:p>
+                      <a:pPr algn="ctr" fontAlgn="b"/>
+                      <a:r>
+                        <a:rPr lang="en-US" sz="1600" u="none" strike="noStrike" dirty="0">
+                          <a:effectLst/>
+                          <a:latin typeface="Calibri" charset="0"/>
+                          <a:ea typeface="Calibri" charset="0"/>
+                          <a:cs typeface="Calibri" charset="0"/>
+                        </a:rPr>
+                        <a:t># of </a:t>
+                      </a:r>
+                      <a:r>
+                        <a:rPr lang="en-US" sz="1600" u="none" strike="noStrike" dirty="0" smtClean="0">
+                          <a:effectLst/>
+                          <a:latin typeface="Calibri" charset="0"/>
+                          <a:ea typeface="Calibri" charset="0"/>
+                          <a:cs typeface="Calibri" charset="0"/>
+                        </a:rPr>
+                        <a:t>training</a:t>
+                      </a:r>
+                      <a:r>
+                        <a:rPr lang="en-US" sz="1600" u="none" strike="noStrike" baseline="0" dirty="0" smtClean="0">
+                          <a:effectLst/>
+                          <a:latin typeface="Calibri" charset="0"/>
+                          <a:ea typeface="Calibri" charset="0"/>
+                          <a:cs typeface="Calibri" charset="0"/>
+                        </a:rPr>
+                        <a:t> </a:t>
+                      </a:r>
+                      <a:r>
+                        <a:rPr lang="en-US" sz="1600" u="none" strike="noStrike" dirty="0" smtClean="0">
+                          <a:effectLst/>
+                          <a:latin typeface="Calibri" charset="0"/>
+                          <a:ea typeface="Calibri" charset="0"/>
+                          <a:cs typeface="Calibri" charset="0"/>
+                        </a:rPr>
+                        <a:t>samples</a:t>
+                      </a:r>
+                      <a:endParaRPr lang="en-US" sz="1600" b="0" i="0" u="none" strike="noStrike" dirty="0">
+                        <a:solidFill>
+                          <a:srgbClr val="000000"/>
+                        </a:solidFill>
+                        <a:effectLst/>
+                        <a:latin typeface="Calibri" charset="0"/>
+                        <a:ea typeface="Calibri" charset="0"/>
+                        <a:cs typeface="Calibri" charset="0"/>
+                      </a:endParaRPr>
+                    </a:p>
+                  </a:txBody>
+                  <a:tcPr marL="12700" marR="12700" marT="12700" marB="0" anchor="b"/>
+                </a:tc>
+                <a:tc>
+                  <a:txBody>
+                    <a:bodyPr/>
+                    <a:lstStyle/>
+                    <a:p>
+                      <a:pPr algn="ctr" fontAlgn="b"/>
+                      <a:r>
+                        <a:rPr lang="en-US" sz="1600" u="none" strike="noStrike">
+                          <a:effectLst/>
+                          <a:latin typeface="Calibri" charset="0"/>
+                          <a:ea typeface="Calibri" charset="0"/>
+                          <a:cs typeface="Calibri" charset="0"/>
+                        </a:rPr>
+                        <a:t>number</a:t>
+                      </a:r>
+                      <a:endParaRPr lang="en-US" sz="1600" b="0" i="0" u="none" strike="noStrike">
+                        <a:solidFill>
+                          <a:srgbClr val="000000"/>
+                        </a:solidFill>
+                        <a:effectLst/>
+                        <a:latin typeface="Calibri" charset="0"/>
+                        <a:ea typeface="Calibri" charset="0"/>
+                        <a:cs typeface="Calibri" charset="0"/>
+                      </a:endParaRPr>
+                    </a:p>
+                  </a:txBody>
+                  <a:tcPr marL="12700" marR="12700" marT="12700" marB="0" anchor="b"/>
+                </a:tc>
+                <a:tc>
+                  <a:txBody>
+                    <a:bodyPr/>
+                    <a:lstStyle/>
+                    <a:p>
+                      <a:pPr algn="ctr" fontAlgn="b"/>
+                      <a:r>
+                        <a:rPr lang="en-US" sz="1600" u="none" strike="noStrike">
+                          <a:effectLst/>
+                          <a:latin typeface="Calibri" charset="0"/>
+                          <a:ea typeface="Calibri" charset="0"/>
+                          <a:cs typeface="Calibri" charset="0"/>
+                        </a:rPr>
+                        <a:t>percent</a:t>
+                      </a:r>
+                      <a:endParaRPr lang="en-US" sz="1600" b="0" i="0" u="none" strike="noStrike">
+                        <a:solidFill>
+                          <a:srgbClr val="000000"/>
+                        </a:solidFill>
+                        <a:effectLst/>
+                        <a:latin typeface="Calibri" charset="0"/>
+                        <a:ea typeface="Calibri" charset="0"/>
+                        <a:cs typeface="Calibri" charset="0"/>
+                      </a:endParaRPr>
+                    </a:p>
+                  </a:txBody>
+                  <a:tcPr marL="12700" marR="12700" marT="12700" marB="0" anchor="b"/>
+                </a:tc>
+                <a:tc>
+                  <a:txBody>
+                    <a:bodyPr/>
+                    <a:lstStyle/>
+                    <a:p>
+                      <a:pPr algn="ctr" fontAlgn="b"/>
+                      <a:r>
+                        <a:rPr lang="en-US" sz="1600" u="none" strike="noStrike" dirty="0">
+                          <a:effectLst/>
+                          <a:latin typeface="Calibri" charset="0"/>
+                          <a:ea typeface="Calibri" charset="0"/>
+                          <a:cs typeface="Calibri" charset="0"/>
+                        </a:rPr>
+                        <a:t>number</a:t>
+                      </a:r>
+                      <a:endParaRPr lang="en-US" sz="1600" b="0" i="0" u="none" strike="noStrike" dirty="0">
+                        <a:solidFill>
+                          <a:srgbClr val="000000"/>
+                        </a:solidFill>
+                        <a:effectLst/>
+                        <a:latin typeface="Calibri" charset="0"/>
+                        <a:ea typeface="Calibri" charset="0"/>
+                        <a:cs typeface="Calibri" charset="0"/>
+                      </a:endParaRPr>
+                    </a:p>
+                  </a:txBody>
+                  <a:tcPr marL="12700" marR="12700" marT="12700" marB="0" anchor="b"/>
+                </a:tc>
+                <a:tc>
+                  <a:txBody>
+                    <a:bodyPr/>
+                    <a:lstStyle/>
+                    <a:p>
+                      <a:pPr algn="ctr" fontAlgn="b"/>
+                      <a:r>
+                        <a:rPr lang="en-US" sz="1600" u="none" strike="noStrike">
+                          <a:effectLst/>
+                          <a:latin typeface="Calibri" charset="0"/>
+                          <a:ea typeface="Calibri" charset="0"/>
+                          <a:cs typeface="Calibri" charset="0"/>
+                        </a:rPr>
+                        <a:t>percent</a:t>
+                      </a:r>
+                      <a:endParaRPr lang="en-US" sz="1600" b="0" i="0" u="none" strike="noStrike">
+                        <a:solidFill>
+                          <a:srgbClr val="000000"/>
+                        </a:solidFill>
+                        <a:effectLst/>
+                        <a:latin typeface="Calibri" charset="0"/>
+                        <a:ea typeface="Calibri" charset="0"/>
+                        <a:cs typeface="Calibri" charset="0"/>
+                      </a:endParaRPr>
+                    </a:p>
+                  </a:txBody>
+                  <a:tcPr marL="12700" marR="12700" marT="12700" marB="0" anchor="b"/>
+                </a:tc>
+              </a:tr>
+              <a:tr h="203200">
+                <a:tc>
+                  <a:txBody>
+                    <a:bodyPr/>
+                    <a:lstStyle/>
+                    <a:p>
+                      <a:pPr algn="ctr" fontAlgn="b"/>
+                      <a:r>
+                        <a:rPr lang="en-US" sz="1600" u="none" strike="noStrike">
+                          <a:effectLst/>
+                          <a:latin typeface="Calibri" charset="0"/>
+                          <a:ea typeface="Calibri" charset="0"/>
+                          <a:cs typeface="Calibri" charset="0"/>
+                        </a:rPr>
+                        <a:t>others</a:t>
+                      </a:r>
+                      <a:endParaRPr lang="en-US" sz="1600" b="0" i="0" u="none" strike="noStrike">
+                        <a:solidFill>
+                          <a:srgbClr val="000000"/>
+                        </a:solidFill>
+                        <a:effectLst/>
+                        <a:latin typeface="Calibri" charset="0"/>
+                        <a:ea typeface="Calibri" charset="0"/>
+                        <a:cs typeface="Calibri" charset="0"/>
+                      </a:endParaRPr>
+                    </a:p>
+                  </a:txBody>
+                  <a:tcPr marL="12700" marR="12700" marT="12700" marB="0" anchor="b"/>
+                </a:tc>
+                <a:tc>
+                  <a:txBody>
+                    <a:bodyPr/>
+                    <a:lstStyle/>
+                    <a:p>
+                      <a:pPr algn="ctr" fontAlgn="b"/>
+                      <a:r>
+                        <a:rPr lang="cs-CZ" sz="1600" u="none" strike="noStrike">
+                          <a:effectLst/>
+                          <a:latin typeface="Calibri" charset="0"/>
+                          <a:ea typeface="Calibri" charset="0"/>
+                          <a:cs typeface="Calibri" charset="0"/>
+                        </a:rPr>
+                        <a:t>14948</a:t>
+                      </a:r>
+                      <a:endParaRPr lang="cs-CZ" sz="1600" b="0" i="0" u="none" strike="noStrike">
+                        <a:solidFill>
+                          <a:srgbClr val="000000"/>
+                        </a:solidFill>
+                        <a:effectLst/>
+                        <a:latin typeface="Calibri" charset="0"/>
+                        <a:ea typeface="Calibri" charset="0"/>
+                        <a:cs typeface="Calibri" charset="0"/>
+                      </a:endParaRPr>
+                    </a:p>
+                  </a:txBody>
+                  <a:tcPr marL="12700" marR="12700" marT="12700" marB="0" anchor="b"/>
+                </a:tc>
+                <a:tc>
+                  <a:txBody>
+                    <a:bodyPr/>
+                    <a:lstStyle/>
+                    <a:p>
+                      <a:pPr algn="ctr" fontAlgn="b"/>
+                      <a:r>
+                        <a:rPr lang="is-IS" sz="1600" u="none" strike="noStrike">
+                          <a:effectLst/>
+                          <a:latin typeface="Calibri" charset="0"/>
+                          <a:ea typeface="Calibri" charset="0"/>
+                          <a:cs typeface="Calibri" charset="0"/>
+                        </a:rPr>
+                        <a:t>2099</a:t>
+                      </a:r>
+                      <a:endParaRPr lang="is-IS" sz="1600" b="0" i="0" u="none" strike="noStrike">
+                        <a:solidFill>
+                          <a:srgbClr val="000000"/>
+                        </a:solidFill>
+                        <a:effectLst/>
+                        <a:latin typeface="Calibri" charset="0"/>
+                        <a:ea typeface="Calibri" charset="0"/>
+                        <a:cs typeface="Calibri" charset="0"/>
+                      </a:endParaRPr>
+                    </a:p>
+                  </a:txBody>
+                  <a:tcPr marL="12700" marR="12700" marT="12700" marB="0" anchor="b"/>
+                </a:tc>
+                <a:tc>
+                  <a:txBody>
+                    <a:bodyPr/>
+                    <a:lstStyle/>
+                    <a:p>
+                      <a:pPr algn="ctr" fontAlgn="b"/>
+                      <a:r>
+                        <a:rPr lang="mr-IN" sz="1600" u="none" strike="noStrike">
+                          <a:effectLst/>
+                          <a:latin typeface="Calibri" charset="0"/>
+                          <a:ea typeface="Calibri" charset="0"/>
+                          <a:cs typeface="Calibri" charset="0"/>
+                        </a:rPr>
+                        <a:t>14.04%</a:t>
+                      </a:r>
+                      <a:endParaRPr lang="mr-IN" sz="1600" b="0" i="0" u="none" strike="noStrike">
+                        <a:solidFill>
+                          <a:srgbClr val="000000"/>
+                        </a:solidFill>
+                        <a:effectLst/>
+                        <a:latin typeface="Calibri" charset="0"/>
+                        <a:ea typeface="Calibri" charset="0"/>
+                        <a:cs typeface="Calibri" charset="0"/>
+                      </a:endParaRPr>
+                    </a:p>
+                  </a:txBody>
+                  <a:tcPr marL="12700" marR="12700" marT="12700" marB="0" anchor="b"/>
+                </a:tc>
+                <a:tc>
+                  <a:txBody>
+                    <a:bodyPr/>
+                    <a:lstStyle/>
+                    <a:p>
+                      <a:pPr algn="ctr" fontAlgn="b"/>
+                      <a:r>
+                        <a:rPr lang="en-US" altLang="zh-CN" sz="1600" u="none" strike="noStrike">
+                          <a:effectLst/>
+                          <a:latin typeface="Calibri" charset="0"/>
+                          <a:ea typeface="Calibri" charset="0"/>
+                          <a:cs typeface="Calibri" charset="0"/>
+                        </a:rPr>
+                        <a:t>555</a:t>
+                      </a:r>
+                      <a:endParaRPr lang="en-US" altLang="zh-CN" sz="1600" b="0" i="0" u="none" strike="noStrike">
+                        <a:solidFill>
+                          <a:srgbClr val="000000"/>
+                        </a:solidFill>
+                        <a:effectLst/>
+                        <a:latin typeface="Calibri" charset="0"/>
+                        <a:ea typeface="Calibri" charset="0"/>
+                        <a:cs typeface="Calibri" charset="0"/>
+                      </a:endParaRPr>
+                    </a:p>
+                  </a:txBody>
+                  <a:tcPr marL="12700" marR="12700" marT="12700" marB="0" anchor="b"/>
+                </a:tc>
+                <a:tc>
+                  <a:txBody>
+                    <a:bodyPr/>
+                    <a:lstStyle/>
+                    <a:p>
+                      <a:pPr algn="ctr" fontAlgn="b"/>
+                      <a:r>
+                        <a:rPr lang="mr-IN" sz="1600" u="none" strike="noStrike">
+                          <a:effectLst/>
+                          <a:latin typeface="Calibri" charset="0"/>
+                          <a:ea typeface="Calibri" charset="0"/>
+                          <a:cs typeface="Calibri" charset="0"/>
+                        </a:rPr>
+                        <a:t>3.71%</a:t>
+                      </a:r>
+                      <a:endParaRPr lang="mr-IN" sz="1600" b="0" i="0" u="none" strike="noStrike">
+                        <a:solidFill>
+                          <a:srgbClr val="000000"/>
+                        </a:solidFill>
+                        <a:effectLst/>
+                        <a:latin typeface="Calibri" charset="0"/>
+                        <a:ea typeface="Calibri" charset="0"/>
+                        <a:cs typeface="Calibri" charset="0"/>
+                      </a:endParaRPr>
+                    </a:p>
+                  </a:txBody>
+                  <a:tcPr marL="12700" marR="12700" marT="12700" marB="0" anchor="b"/>
+                </a:tc>
+              </a:tr>
+              <a:tr h="203200">
+                <a:tc>
+                  <a:txBody>
+                    <a:bodyPr/>
+                    <a:lstStyle/>
+                    <a:p>
+                      <a:pPr algn="ctr" fontAlgn="b"/>
+                      <a:r>
+                        <a:rPr lang="en-US" sz="1600" u="none" strike="noStrike">
+                          <a:effectLst/>
+                          <a:latin typeface="Calibri" charset="0"/>
+                          <a:ea typeface="Calibri" charset="0"/>
+                          <a:cs typeface="Calibri" charset="0"/>
+                        </a:rPr>
+                        <a:t>happy</a:t>
+                      </a:r>
+                      <a:endParaRPr lang="en-US" sz="1600" b="0" i="0" u="none" strike="noStrike">
+                        <a:solidFill>
+                          <a:srgbClr val="000000"/>
+                        </a:solidFill>
+                        <a:effectLst/>
+                        <a:latin typeface="Calibri" charset="0"/>
+                        <a:ea typeface="Calibri" charset="0"/>
+                        <a:cs typeface="Calibri" charset="0"/>
+                      </a:endParaRPr>
+                    </a:p>
+                  </a:txBody>
+                  <a:tcPr marL="12700" marR="12700" marT="12700" marB="0" anchor="b"/>
+                </a:tc>
+                <a:tc>
+                  <a:txBody>
+                    <a:bodyPr/>
+                    <a:lstStyle/>
+                    <a:p>
+                      <a:pPr algn="ctr" fontAlgn="b"/>
+                      <a:r>
+                        <a:rPr lang="is-IS" sz="1600" u="none" strike="noStrike">
+                          <a:effectLst/>
+                          <a:latin typeface="Calibri" charset="0"/>
+                          <a:ea typeface="Calibri" charset="0"/>
+                          <a:cs typeface="Calibri" charset="0"/>
+                        </a:rPr>
+                        <a:t>4243</a:t>
+                      </a:r>
+                      <a:endParaRPr lang="is-IS" sz="1600" b="0" i="0" u="none" strike="noStrike">
+                        <a:solidFill>
+                          <a:srgbClr val="000000"/>
+                        </a:solidFill>
+                        <a:effectLst/>
+                        <a:latin typeface="Calibri" charset="0"/>
+                        <a:ea typeface="Calibri" charset="0"/>
+                        <a:cs typeface="Calibri" charset="0"/>
+                      </a:endParaRPr>
+                    </a:p>
+                  </a:txBody>
+                  <a:tcPr marL="12700" marR="12700" marT="12700" marB="0" anchor="b"/>
+                </a:tc>
+                <a:tc>
+                  <a:txBody>
+                    <a:bodyPr/>
+                    <a:lstStyle/>
+                    <a:p>
+                      <a:pPr algn="ctr" fontAlgn="b"/>
+                      <a:r>
+                        <a:rPr lang="is-IS" sz="1600" u="none" strike="noStrike">
+                          <a:effectLst/>
+                          <a:latin typeface="Calibri" charset="0"/>
+                          <a:ea typeface="Calibri" charset="0"/>
+                          <a:cs typeface="Calibri" charset="0"/>
+                        </a:rPr>
+                        <a:t>601</a:t>
+                      </a:r>
+                      <a:endParaRPr lang="is-IS" sz="1600" b="0" i="0" u="none" strike="noStrike">
+                        <a:solidFill>
+                          <a:srgbClr val="000000"/>
+                        </a:solidFill>
+                        <a:effectLst/>
+                        <a:latin typeface="Calibri" charset="0"/>
+                        <a:ea typeface="Calibri" charset="0"/>
+                        <a:cs typeface="Calibri" charset="0"/>
+                      </a:endParaRPr>
+                    </a:p>
+                  </a:txBody>
+                  <a:tcPr marL="12700" marR="12700" marT="12700" marB="0" anchor="b"/>
+                </a:tc>
+                <a:tc>
+                  <a:txBody>
+                    <a:bodyPr/>
+                    <a:lstStyle/>
+                    <a:p>
+                      <a:pPr algn="ctr" fontAlgn="b"/>
+                      <a:r>
+                        <a:rPr lang="mr-IN" sz="1600" u="none" strike="noStrike" dirty="0">
+                          <a:effectLst/>
+                          <a:latin typeface="Calibri" charset="0"/>
+                          <a:ea typeface="Calibri" charset="0"/>
+                          <a:cs typeface="Calibri" charset="0"/>
+                        </a:rPr>
+                        <a:t>14.16%</a:t>
+                      </a:r>
+                      <a:endParaRPr lang="mr-IN" sz="1600" b="0" i="0" u="none" strike="noStrike" dirty="0">
+                        <a:solidFill>
+                          <a:srgbClr val="000000"/>
+                        </a:solidFill>
+                        <a:effectLst/>
+                        <a:latin typeface="Calibri" charset="0"/>
+                        <a:ea typeface="Calibri" charset="0"/>
+                        <a:cs typeface="Calibri" charset="0"/>
+                      </a:endParaRPr>
+                    </a:p>
+                  </a:txBody>
+                  <a:tcPr marL="12700" marR="12700" marT="12700" marB="0" anchor="b"/>
+                </a:tc>
+                <a:tc>
+                  <a:txBody>
+                    <a:bodyPr/>
+                    <a:lstStyle/>
+                    <a:p>
+                      <a:pPr algn="ctr" fontAlgn="b"/>
+                      <a:r>
+                        <a:rPr lang="is-IS" sz="1600" u="none" strike="noStrike">
+                          <a:effectLst/>
+                          <a:latin typeface="Calibri" charset="0"/>
+                          <a:ea typeface="Calibri" charset="0"/>
+                          <a:cs typeface="Calibri" charset="0"/>
+                        </a:rPr>
+                        <a:t>120</a:t>
+                      </a:r>
+                      <a:endParaRPr lang="is-IS" sz="1600" b="0" i="0" u="none" strike="noStrike">
+                        <a:solidFill>
+                          <a:srgbClr val="000000"/>
+                        </a:solidFill>
+                        <a:effectLst/>
+                        <a:latin typeface="Calibri" charset="0"/>
+                        <a:ea typeface="Calibri" charset="0"/>
+                        <a:cs typeface="Calibri" charset="0"/>
+                      </a:endParaRPr>
+                    </a:p>
+                  </a:txBody>
+                  <a:tcPr marL="12700" marR="12700" marT="12700" marB="0" anchor="b"/>
+                </a:tc>
+                <a:tc>
+                  <a:txBody>
+                    <a:bodyPr/>
+                    <a:lstStyle/>
+                    <a:p>
+                      <a:pPr algn="ctr" fontAlgn="b"/>
+                      <a:r>
+                        <a:rPr lang="mr-IN" sz="1600" u="none" strike="noStrike">
+                          <a:effectLst/>
+                          <a:latin typeface="Calibri" charset="0"/>
+                          <a:ea typeface="Calibri" charset="0"/>
+                          <a:cs typeface="Calibri" charset="0"/>
+                        </a:rPr>
+                        <a:t>2.83%</a:t>
+                      </a:r>
+                      <a:endParaRPr lang="mr-IN" sz="1600" b="0" i="0" u="none" strike="noStrike">
+                        <a:solidFill>
+                          <a:srgbClr val="000000"/>
+                        </a:solidFill>
+                        <a:effectLst/>
+                        <a:latin typeface="Calibri" charset="0"/>
+                        <a:ea typeface="Calibri" charset="0"/>
+                        <a:cs typeface="Calibri" charset="0"/>
+                      </a:endParaRPr>
+                    </a:p>
+                  </a:txBody>
+                  <a:tcPr marL="12700" marR="12700" marT="12700" marB="0" anchor="b"/>
+                </a:tc>
+              </a:tr>
+              <a:tr h="203200">
+                <a:tc>
+                  <a:txBody>
+                    <a:bodyPr/>
+                    <a:lstStyle/>
+                    <a:p>
+                      <a:pPr algn="ctr" fontAlgn="b"/>
+                      <a:r>
+                        <a:rPr lang="en-US" sz="1600" u="none" strike="noStrike">
+                          <a:effectLst/>
+                          <a:latin typeface="Calibri" charset="0"/>
+                          <a:ea typeface="Calibri" charset="0"/>
+                          <a:cs typeface="Calibri" charset="0"/>
+                        </a:rPr>
+                        <a:t>sad</a:t>
+                      </a:r>
+                      <a:endParaRPr lang="en-US" sz="1600" b="0" i="0" u="none" strike="noStrike">
+                        <a:solidFill>
+                          <a:srgbClr val="000000"/>
+                        </a:solidFill>
+                        <a:effectLst/>
+                        <a:latin typeface="Calibri" charset="0"/>
+                        <a:ea typeface="Calibri" charset="0"/>
+                        <a:cs typeface="Calibri" charset="0"/>
+                      </a:endParaRPr>
+                    </a:p>
+                  </a:txBody>
+                  <a:tcPr marL="12700" marR="12700" marT="12700" marB="0" anchor="b"/>
+                </a:tc>
+                <a:tc>
+                  <a:txBody>
+                    <a:bodyPr/>
+                    <a:lstStyle/>
+                    <a:p>
+                      <a:pPr algn="ctr" fontAlgn="b"/>
+                      <a:r>
+                        <a:rPr lang="is-IS" sz="1600" u="none" strike="noStrike">
+                          <a:effectLst/>
+                          <a:latin typeface="Calibri" charset="0"/>
+                          <a:ea typeface="Calibri" charset="0"/>
+                          <a:cs typeface="Calibri" charset="0"/>
+                        </a:rPr>
+                        <a:t>5463</a:t>
+                      </a:r>
+                      <a:endParaRPr lang="is-IS" sz="1600" b="0" i="0" u="none" strike="noStrike">
+                        <a:solidFill>
+                          <a:srgbClr val="000000"/>
+                        </a:solidFill>
+                        <a:effectLst/>
+                        <a:latin typeface="Calibri" charset="0"/>
+                        <a:ea typeface="Calibri" charset="0"/>
+                        <a:cs typeface="Calibri" charset="0"/>
+                      </a:endParaRPr>
+                    </a:p>
+                  </a:txBody>
+                  <a:tcPr marL="12700" marR="12700" marT="12700" marB="0" anchor="b"/>
+                </a:tc>
+                <a:tc>
+                  <a:txBody>
+                    <a:bodyPr/>
+                    <a:lstStyle/>
+                    <a:p>
+                      <a:pPr algn="ctr" fontAlgn="b"/>
+                      <a:r>
+                        <a:rPr lang="en-US" altLang="zh-CN" sz="1600" u="none" strike="noStrike">
+                          <a:effectLst/>
+                          <a:latin typeface="Calibri" charset="0"/>
+                          <a:ea typeface="Calibri" charset="0"/>
+                          <a:cs typeface="Calibri" charset="0"/>
+                        </a:rPr>
+                        <a:t>540</a:t>
+                      </a:r>
+                      <a:endParaRPr lang="en-US" altLang="zh-CN" sz="1600" b="0" i="0" u="none" strike="noStrike">
+                        <a:solidFill>
+                          <a:srgbClr val="000000"/>
+                        </a:solidFill>
+                        <a:effectLst/>
+                        <a:latin typeface="Calibri" charset="0"/>
+                        <a:ea typeface="Calibri" charset="0"/>
+                        <a:cs typeface="Calibri" charset="0"/>
+                      </a:endParaRPr>
+                    </a:p>
+                  </a:txBody>
+                  <a:tcPr marL="12700" marR="12700" marT="12700" marB="0" anchor="b"/>
+                </a:tc>
+                <a:tc>
+                  <a:txBody>
+                    <a:bodyPr/>
+                    <a:lstStyle/>
+                    <a:p>
+                      <a:pPr algn="ctr" fontAlgn="b"/>
+                      <a:r>
+                        <a:rPr lang="mr-IN" sz="1600" u="none" strike="noStrike" dirty="0">
+                          <a:effectLst/>
+                          <a:latin typeface="Calibri" charset="0"/>
+                          <a:ea typeface="Calibri" charset="0"/>
+                          <a:cs typeface="Calibri" charset="0"/>
+                        </a:rPr>
+                        <a:t>9.88%</a:t>
+                      </a:r>
+                      <a:endParaRPr lang="mr-IN" sz="1600" b="0" i="0" u="none" strike="noStrike" dirty="0">
+                        <a:solidFill>
+                          <a:srgbClr val="000000"/>
+                        </a:solidFill>
+                        <a:effectLst/>
+                        <a:latin typeface="Calibri" charset="0"/>
+                        <a:ea typeface="Calibri" charset="0"/>
+                        <a:cs typeface="Calibri" charset="0"/>
+                      </a:endParaRPr>
+                    </a:p>
+                  </a:txBody>
+                  <a:tcPr marL="12700" marR="12700" marT="12700" marB="0" anchor="b"/>
+                </a:tc>
+                <a:tc>
+                  <a:txBody>
+                    <a:bodyPr/>
+                    <a:lstStyle/>
+                    <a:p>
+                      <a:pPr algn="ctr" fontAlgn="b"/>
+                      <a:r>
+                        <a:rPr lang="cs-CZ" sz="1600" u="none" strike="noStrike">
+                          <a:effectLst/>
+                          <a:latin typeface="Calibri" charset="0"/>
+                          <a:ea typeface="Calibri" charset="0"/>
+                          <a:cs typeface="Calibri" charset="0"/>
+                        </a:rPr>
+                        <a:t>121</a:t>
+                      </a:r>
+                      <a:endParaRPr lang="cs-CZ" sz="1600" b="0" i="0" u="none" strike="noStrike">
+                        <a:solidFill>
+                          <a:srgbClr val="000000"/>
+                        </a:solidFill>
+                        <a:effectLst/>
+                        <a:latin typeface="Calibri" charset="0"/>
+                        <a:ea typeface="Calibri" charset="0"/>
+                        <a:cs typeface="Calibri" charset="0"/>
+                      </a:endParaRPr>
+                    </a:p>
+                  </a:txBody>
+                  <a:tcPr marL="12700" marR="12700" marT="12700" marB="0" anchor="b"/>
+                </a:tc>
+                <a:tc>
+                  <a:txBody>
+                    <a:bodyPr/>
+                    <a:lstStyle/>
+                    <a:p>
+                      <a:pPr algn="ctr" fontAlgn="b"/>
+                      <a:r>
+                        <a:rPr lang="mr-IN" sz="1600" u="none" strike="noStrike">
+                          <a:effectLst/>
+                          <a:latin typeface="Calibri" charset="0"/>
+                          <a:ea typeface="Calibri" charset="0"/>
+                          <a:cs typeface="Calibri" charset="0"/>
+                        </a:rPr>
+                        <a:t>2.21%</a:t>
+                      </a:r>
+                      <a:endParaRPr lang="mr-IN" sz="1600" b="0" i="0" u="none" strike="noStrike">
+                        <a:solidFill>
+                          <a:srgbClr val="000000"/>
+                        </a:solidFill>
+                        <a:effectLst/>
+                        <a:latin typeface="Calibri" charset="0"/>
+                        <a:ea typeface="Calibri" charset="0"/>
+                        <a:cs typeface="Calibri" charset="0"/>
+                      </a:endParaRPr>
+                    </a:p>
+                  </a:txBody>
+                  <a:tcPr marL="12700" marR="12700" marT="12700" marB="0" anchor="b"/>
+                </a:tc>
+              </a:tr>
+              <a:tr h="203200">
+                <a:tc>
+                  <a:txBody>
+                    <a:bodyPr/>
+                    <a:lstStyle/>
+                    <a:p>
+                      <a:pPr algn="ctr" fontAlgn="b"/>
+                      <a:r>
+                        <a:rPr lang="en-US" sz="1600" u="none" strike="noStrike">
+                          <a:effectLst/>
+                          <a:latin typeface="Calibri" charset="0"/>
+                          <a:ea typeface="Calibri" charset="0"/>
+                          <a:cs typeface="Calibri" charset="0"/>
+                        </a:rPr>
+                        <a:t>angry</a:t>
+                      </a:r>
+                      <a:endParaRPr lang="en-US" sz="1600" b="0" i="0" u="none" strike="noStrike">
+                        <a:solidFill>
+                          <a:srgbClr val="000000"/>
+                        </a:solidFill>
+                        <a:effectLst/>
+                        <a:latin typeface="Calibri" charset="0"/>
+                        <a:ea typeface="Calibri" charset="0"/>
+                        <a:cs typeface="Calibri" charset="0"/>
+                      </a:endParaRPr>
+                    </a:p>
+                  </a:txBody>
+                  <a:tcPr marL="12700" marR="12700" marT="12700" marB="0" anchor="b"/>
+                </a:tc>
+                <a:tc>
+                  <a:txBody>
+                    <a:bodyPr/>
+                    <a:lstStyle/>
+                    <a:p>
+                      <a:pPr algn="ctr" fontAlgn="b"/>
+                      <a:r>
+                        <a:rPr lang="is-IS" sz="1600" u="none" strike="noStrike">
+                          <a:effectLst/>
+                          <a:latin typeface="Calibri" charset="0"/>
+                          <a:ea typeface="Calibri" charset="0"/>
+                          <a:cs typeface="Calibri" charset="0"/>
+                        </a:rPr>
+                        <a:t>5506</a:t>
+                      </a:r>
+                      <a:endParaRPr lang="is-IS" sz="1600" b="0" i="0" u="none" strike="noStrike">
+                        <a:solidFill>
+                          <a:srgbClr val="000000"/>
+                        </a:solidFill>
+                        <a:effectLst/>
+                        <a:latin typeface="Calibri" charset="0"/>
+                        <a:ea typeface="Calibri" charset="0"/>
+                        <a:cs typeface="Calibri" charset="0"/>
+                      </a:endParaRPr>
+                    </a:p>
+                  </a:txBody>
+                  <a:tcPr marL="12700" marR="12700" marT="12700" marB="0" anchor="b"/>
+                </a:tc>
+                <a:tc>
+                  <a:txBody>
+                    <a:bodyPr/>
+                    <a:lstStyle/>
+                    <a:p>
+                      <a:pPr algn="ctr" fontAlgn="b"/>
+                      <a:r>
+                        <a:rPr lang="is-IS" sz="1600" u="none" strike="noStrike">
+                          <a:effectLst/>
+                          <a:latin typeface="Calibri" charset="0"/>
+                          <a:ea typeface="Calibri" charset="0"/>
+                          <a:cs typeface="Calibri" charset="0"/>
+                        </a:rPr>
+                        <a:t>628</a:t>
+                      </a:r>
+                      <a:endParaRPr lang="is-IS" sz="1600" b="0" i="0" u="none" strike="noStrike">
+                        <a:solidFill>
+                          <a:srgbClr val="000000"/>
+                        </a:solidFill>
+                        <a:effectLst/>
+                        <a:latin typeface="Calibri" charset="0"/>
+                        <a:ea typeface="Calibri" charset="0"/>
+                        <a:cs typeface="Calibri" charset="0"/>
+                      </a:endParaRPr>
+                    </a:p>
+                  </a:txBody>
+                  <a:tcPr marL="12700" marR="12700" marT="12700" marB="0" anchor="b"/>
+                </a:tc>
+                <a:tc>
+                  <a:txBody>
+                    <a:bodyPr/>
+                    <a:lstStyle/>
+                    <a:p>
+                      <a:pPr algn="ctr" fontAlgn="b"/>
+                      <a:r>
+                        <a:rPr lang="mr-IN" sz="1600" u="none" strike="noStrike">
+                          <a:effectLst/>
+                          <a:latin typeface="Calibri" charset="0"/>
+                          <a:ea typeface="Calibri" charset="0"/>
+                          <a:cs typeface="Calibri" charset="0"/>
+                        </a:rPr>
+                        <a:t>11.41%</a:t>
+                      </a:r>
+                      <a:endParaRPr lang="mr-IN" sz="1600" b="0" i="0" u="none" strike="noStrike">
+                        <a:solidFill>
+                          <a:srgbClr val="000000"/>
+                        </a:solidFill>
+                        <a:effectLst/>
+                        <a:latin typeface="Calibri" charset="0"/>
+                        <a:ea typeface="Calibri" charset="0"/>
+                        <a:cs typeface="Calibri" charset="0"/>
+                      </a:endParaRPr>
+                    </a:p>
+                  </a:txBody>
+                  <a:tcPr marL="12700" marR="12700" marT="12700" marB="0" anchor="b"/>
+                </a:tc>
+                <a:tc>
+                  <a:txBody>
+                    <a:bodyPr/>
+                    <a:lstStyle/>
+                    <a:p>
+                      <a:pPr algn="ctr" fontAlgn="b"/>
+                      <a:r>
+                        <a:rPr lang="en-US" altLang="zh-CN" sz="1600" u="none" strike="noStrike">
+                          <a:effectLst/>
+                          <a:latin typeface="Calibri" charset="0"/>
+                          <a:ea typeface="Calibri" charset="0"/>
+                          <a:cs typeface="Calibri" charset="0"/>
+                        </a:rPr>
+                        <a:t>155</a:t>
+                      </a:r>
+                      <a:endParaRPr lang="en-US" altLang="zh-CN" sz="1600" b="0" i="0" u="none" strike="noStrike">
+                        <a:solidFill>
+                          <a:srgbClr val="000000"/>
+                        </a:solidFill>
+                        <a:effectLst/>
+                        <a:latin typeface="Calibri" charset="0"/>
+                        <a:ea typeface="Calibri" charset="0"/>
+                        <a:cs typeface="Calibri" charset="0"/>
+                      </a:endParaRPr>
+                    </a:p>
+                  </a:txBody>
+                  <a:tcPr marL="12700" marR="12700" marT="12700" marB="0" anchor="b"/>
+                </a:tc>
+                <a:tc>
+                  <a:txBody>
+                    <a:bodyPr/>
+                    <a:lstStyle/>
+                    <a:p>
+                      <a:pPr algn="ctr" fontAlgn="b"/>
+                      <a:r>
+                        <a:rPr lang="mr-IN" sz="1600" u="none" strike="noStrike" dirty="0">
+                          <a:effectLst/>
+                          <a:latin typeface="Calibri" charset="0"/>
+                          <a:ea typeface="Calibri" charset="0"/>
+                          <a:cs typeface="Calibri" charset="0"/>
+                        </a:rPr>
+                        <a:t>2.82%</a:t>
+                      </a:r>
+                      <a:endParaRPr lang="mr-IN" sz="1600" b="0" i="0" u="none" strike="noStrike" dirty="0">
+                        <a:solidFill>
+                          <a:srgbClr val="000000"/>
+                        </a:solidFill>
+                        <a:effectLst/>
+                        <a:latin typeface="Calibri" charset="0"/>
+                        <a:ea typeface="Calibri" charset="0"/>
+                        <a:cs typeface="Calibri" charset="0"/>
+                      </a:endParaRPr>
+                    </a:p>
+                  </a:txBody>
+                  <a:tcPr marL="12700" marR="12700" marT="12700" marB="0" anchor="b"/>
+                </a:tc>
+              </a:tr>
+            </a:tbl>
+          </a:graphicData>
+        </a:graphic>
+      </p:graphicFrame>
+    </p:spTree>
+    <p:extLst>
+      <p:ext uri="{BB962C8B-B14F-4D97-AF65-F5344CB8AC3E}">
+        <p14:creationId xmlns:p14="http://schemas.microsoft.com/office/powerpoint/2010/main" val="1438477537"/>
+      </p:ext>
+    </p:extLst>
+  </p:cSld>
+  <p:clrMapOvr>
+    <a:masterClrMapping/>
+  </p:clrMapOvr>
+</p:sld>
+</file>
+
+<file path=ppt/slides/slide9.xml><?xml version="1.0" encoding="utf-8"?>
+<p:sld xmlns:a="http://schemas.openxmlformats.org/drawingml/2006/main" xmlns:r="http://schemas.openxmlformats.org/officeDocument/2006/relationships" xmlns:p="http://schemas.openxmlformats.org/presentationml/2006/main">
+  <p:cSld>
+    <p:spTree>
+      <p:nvGrpSpPr>
+        <p:cNvPr id="1" name=""/>
+        <p:cNvGrpSpPr/>
+        <p:nvPr/>
+      </p:nvGrpSpPr>
+      <p:grpSpPr>
+        <a:xfrm>
+          <a:off x="0" y="0"/>
+          <a:ext cx="0" cy="0"/>
+          <a:chOff x="0" y="0"/>
+          <a:chExt cx="0" cy="0"/>
+        </a:xfrm>
+      </p:grpSpPr>
+      <p:sp>
+        <p:nvSpPr>
+          <p:cNvPr id="2" name="标题 1"/>
+          <p:cNvSpPr>
+            <a:spLocks noGrp="1"/>
+          </p:cNvSpPr>
+          <p:nvPr>
+            <p:ph type="title"/>
+          </p:nvPr>
+        </p:nvSpPr>
+        <p:spPr/>
+        <p:txBody>
+          <a:bodyPr/>
+          <a:lstStyle/>
+          <a:p>
+            <a:r>
+              <a:rPr kumimoji="1" lang="en-US" altLang="zh-CN" dirty="0" smtClean="0"/>
+              <a:t>Analysis of Confusion Matrix</a:t>
+            </a:r>
+            <a:endParaRPr kumimoji="1" lang="zh-CN" altLang="en-US" dirty="0"/>
+          </a:p>
+        </p:txBody>
+      </p:sp>
+      <p:graphicFrame>
+        <p:nvGraphicFramePr>
+          <p:cNvPr id="4" name="表格 3"/>
+          <p:cNvGraphicFramePr>
+            <a:graphicFrameLocks noGrp="1"/>
+          </p:cNvGraphicFramePr>
+          <p:nvPr>
+            <p:extLst>
+              <p:ext uri="{D42A27DB-BD31-4B8C-83A1-F6EECF244321}">
+                <p14:modId xmlns:p14="http://schemas.microsoft.com/office/powerpoint/2010/main" val="1196953077"/>
+              </p:ext>
+            </p:extLst>
+          </p:nvPr>
+        </p:nvGraphicFramePr>
+        <p:xfrm>
+          <a:off x="2736850" y="2483680"/>
+          <a:ext cx="6718301" cy="1625600"/>
+        </p:xfrm>
+        <a:graphic>
+          <a:graphicData uri="http://schemas.openxmlformats.org/drawingml/2006/table">
+            <a:tbl>
+              <a:tblPr>
+                <a:tableStyleId>{5940675A-B579-460E-94D1-54222C63F5DA}</a:tableStyleId>
+              </a:tblPr>
+              <a:tblGrid>
+                <a:gridCol w="825554"/>
+                <a:gridCol w="825554"/>
+                <a:gridCol w="825554"/>
+                <a:gridCol w="825554"/>
+                <a:gridCol w="825554"/>
+                <a:gridCol w="825554"/>
+                <a:gridCol w="939423"/>
+                <a:gridCol w="825554"/>
+              </a:tblGrid>
+              <a:tr h="203200">
+                <a:tc rowSpan="2" gridSpan="2">
+                  <a:txBody>
+                    <a:bodyPr/>
+                    <a:lstStyle/>
+                    <a:p>
+                      <a:pPr algn="ctr" fontAlgn="b"/>
+                      <a:endParaRPr lang="zh-CN" altLang="en-US" sz="1200" b="0" i="0" u="none" strike="noStrike" dirty="0">
+                        <a:solidFill>
+                          <a:srgbClr val="000000"/>
+                        </a:solidFill>
+                        <a:effectLst/>
+                        <a:latin typeface="Calibri" charset="0"/>
+                        <a:ea typeface="Calibri" charset="0"/>
+                        <a:cs typeface="Calibri" charset="0"/>
+                      </a:endParaRPr>
+                    </a:p>
+                  </a:txBody>
+                  <a:tcPr marL="12700" marR="12700" marT="12700" marB="0" anchor="b"/>
+                </a:tc>
+                <a:tc rowSpan="2" hMerge="1">
+                  <a:txBody>
+                    <a:bodyPr/>
+                    <a:lstStyle/>
+                    <a:p>
+                      <a:pPr algn="ctr" fontAlgn="b"/>
+                      <a:endParaRPr lang="zh-CN" altLang="en-US" sz="1200" b="0" i="0" u="none" strike="noStrike">
+                        <a:solidFill>
+                          <a:srgbClr val="000000"/>
+                        </a:solidFill>
+                        <a:effectLst/>
+                        <a:latin typeface="Calibri" charset="0"/>
+                        <a:ea typeface="Calibri" charset="0"/>
+                        <a:cs typeface="Calibri" charset="0"/>
+                      </a:endParaRPr>
+                    </a:p>
+                  </a:txBody>
+                  <a:tcPr marL="12700" marR="12700" marT="12700" marB="0" anchor="b"/>
+                </a:tc>
+                <a:tc gridSpan="4">
+                  <a:txBody>
+                    <a:bodyPr/>
+                    <a:lstStyle/>
+                    <a:p>
+                      <a:pPr algn="ctr" fontAlgn="b"/>
+                      <a:r>
+                        <a:rPr lang="en-US" sz="1200" u="none" strike="noStrike" dirty="0" err="1">
+                          <a:effectLst/>
+                          <a:latin typeface="Calibri" charset="0"/>
+                          <a:ea typeface="Calibri" charset="0"/>
+                          <a:cs typeface="Calibri" charset="0"/>
+                        </a:rPr>
+                        <a:t>Pred</a:t>
+                      </a:r>
+                      <a:endParaRPr lang="en-US" sz="1200" b="0" i="0" u="none" strike="noStrike" dirty="0">
+                        <a:solidFill>
+                          <a:srgbClr val="000000"/>
+                        </a:solidFill>
+                        <a:effectLst/>
+                        <a:latin typeface="Calibri" charset="0"/>
+                        <a:ea typeface="Calibri" charset="0"/>
+                        <a:cs typeface="Calibri" charset="0"/>
+                      </a:endParaRPr>
+                    </a:p>
+                  </a:txBody>
+                  <a:tcPr marL="12700" marR="12700" marT="12700" marB="0" anchor="b"/>
+                </a:tc>
+                <a:tc hMerge="1">
+                  <a:txBody>
+                    <a:bodyPr/>
+                    <a:lstStyle/>
+                    <a:p>
+                      <a:endParaRPr lang="zh-CN" altLang="en-US"/>
+                    </a:p>
+                  </a:txBody>
+                  <a:tcPr/>
+                </a:tc>
+                <a:tc hMerge="1">
+                  <a:txBody>
+                    <a:bodyPr/>
+                    <a:lstStyle/>
+                    <a:p>
+                      <a:endParaRPr lang="zh-CN" altLang="en-US"/>
+                    </a:p>
+                  </a:txBody>
+                  <a:tcPr/>
+                </a:tc>
+                <a:tc hMerge="1">
+                  <a:txBody>
+                    <a:bodyPr/>
+                    <a:lstStyle/>
+                    <a:p>
+                      <a:endParaRPr lang="zh-CN" altLang="en-US"/>
+                    </a:p>
+                  </a:txBody>
+                  <a:tcPr/>
+                </a:tc>
+                <a:tc gridSpan="2">
+                  <a:txBody>
+                    <a:bodyPr/>
+                    <a:lstStyle/>
+                    <a:p>
+                      <a:pPr algn="ctr" fontAlgn="b"/>
+                      <a:endParaRPr lang="zh-CN" altLang="en-US" sz="1200" b="0" i="0" u="none" strike="noStrike" dirty="0">
+                        <a:solidFill>
+                          <a:srgbClr val="000000"/>
+                        </a:solidFill>
+                        <a:effectLst/>
+                        <a:latin typeface="Calibri" charset="0"/>
+                        <a:ea typeface="Calibri" charset="0"/>
+                        <a:cs typeface="Calibri" charset="0"/>
+                      </a:endParaRPr>
+                    </a:p>
+                  </a:txBody>
+                  <a:tcPr marL="12700" marR="12700" marT="12700" marB="0" anchor="b"/>
+                </a:tc>
+                <a:tc hMerge="1">
+                  <a:txBody>
+                    <a:bodyPr/>
+                    <a:lstStyle/>
+                    <a:p>
+                      <a:pPr algn="ctr" fontAlgn="b"/>
+                      <a:endParaRPr lang="zh-CN" altLang="en-US" sz="1200" b="0" i="0" u="none" strike="noStrike">
+                        <a:solidFill>
+                          <a:srgbClr val="000000"/>
+                        </a:solidFill>
+                        <a:effectLst/>
+                        <a:latin typeface="Calibri" charset="0"/>
+                        <a:ea typeface="Calibri" charset="0"/>
+                        <a:cs typeface="Calibri" charset="0"/>
+                      </a:endParaRPr>
+                    </a:p>
+                  </a:txBody>
+                  <a:tcPr marL="12700" marR="12700" marT="12700" marB="0" anchor="b"/>
+                </a:tc>
+              </a:tr>
+              <a:tr h="203200">
+                <a:tc gridSpan="2" vMerge="1">
+                  <a:txBody>
+                    <a:bodyPr/>
+                    <a:lstStyle/>
+                    <a:p>
+                      <a:pPr algn="ctr" fontAlgn="b"/>
+                      <a:endParaRPr lang="zh-CN" altLang="en-US" sz="1200" b="0" i="0" u="none" strike="noStrike" dirty="0">
+                        <a:solidFill>
+                          <a:srgbClr val="000000"/>
+                        </a:solidFill>
+                        <a:effectLst/>
+                        <a:latin typeface="Calibri" charset="0"/>
+                        <a:ea typeface="Calibri" charset="0"/>
+                        <a:cs typeface="Calibri" charset="0"/>
+                      </a:endParaRPr>
+                    </a:p>
+                  </a:txBody>
+                  <a:tcPr marL="12700" marR="12700" marT="12700" marB="0" anchor="b"/>
+                </a:tc>
+                <a:tc hMerge="1" vMerge="1">
+                  <a:txBody>
+                    <a:bodyPr/>
+                    <a:lstStyle/>
+                    <a:p>
+                      <a:pPr algn="ctr" fontAlgn="b"/>
+                      <a:endParaRPr lang="zh-CN" altLang="en-US" sz="1200" b="0" i="0" u="none" strike="noStrike" dirty="0">
+                        <a:solidFill>
+                          <a:srgbClr val="000000"/>
+                        </a:solidFill>
+                        <a:effectLst/>
+                        <a:latin typeface="Calibri" charset="0"/>
+                        <a:ea typeface="Calibri" charset="0"/>
+                        <a:cs typeface="Calibri" charset="0"/>
+                      </a:endParaRPr>
+                    </a:p>
+                  </a:txBody>
+                  <a:tcPr marL="12700" marR="12700" marT="12700" marB="0" anchor="b"/>
+                </a:tc>
+                <a:tc>
+                  <a:txBody>
+                    <a:bodyPr/>
+                    <a:lstStyle/>
+                    <a:p>
+                      <a:pPr algn="ctr" fontAlgn="b"/>
+                      <a:r>
+                        <a:rPr lang="en-US" sz="1200" u="none" strike="noStrike">
+                          <a:effectLst/>
+                          <a:latin typeface="Calibri" charset="0"/>
+                          <a:ea typeface="Calibri" charset="0"/>
+                          <a:cs typeface="Calibri" charset="0"/>
+                        </a:rPr>
+                        <a:t>others</a:t>
+                      </a:r>
+                      <a:endParaRPr lang="en-US" sz="1200" b="0" i="0" u="none" strike="noStrike">
+                        <a:solidFill>
+                          <a:srgbClr val="000000"/>
+                        </a:solidFill>
+                        <a:effectLst/>
+                        <a:latin typeface="Calibri" charset="0"/>
+                        <a:ea typeface="Calibri" charset="0"/>
+                        <a:cs typeface="Calibri" charset="0"/>
+                      </a:endParaRPr>
+                    </a:p>
+                  </a:txBody>
+                  <a:tcPr marL="12700" marR="12700" marT="12700" marB="0" anchor="b"/>
+                </a:tc>
+                <a:tc>
+                  <a:txBody>
+                    <a:bodyPr/>
+                    <a:lstStyle/>
+                    <a:p>
+                      <a:pPr algn="ctr" fontAlgn="b"/>
+                      <a:r>
+                        <a:rPr lang="en-US" sz="1200" u="none" strike="noStrike">
+                          <a:effectLst/>
+                          <a:latin typeface="Calibri" charset="0"/>
+                          <a:ea typeface="Calibri" charset="0"/>
+                          <a:cs typeface="Calibri" charset="0"/>
+                        </a:rPr>
+                        <a:t>happy</a:t>
+                      </a:r>
+                      <a:endParaRPr lang="en-US" sz="1200" b="0" i="0" u="none" strike="noStrike">
+                        <a:solidFill>
+                          <a:srgbClr val="000000"/>
+                        </a:solidFill>
+                        <a:effectLst/>
+                        <a:latin typeface="Calibri" charset="0"/>
+                        <a:ea typeface="Calibri" charset="0"/>
+                        <a:cs typeface="Calibri" charset="0"/>
+                      </a:endParaRPr>
+                    </a:p>
+                  </a:txBody>
+                  <a:tcPr marL="12700" marR="12700" marT="12700" marB="0" anchor="b"/>
+                </a:tc>
+                <a:tc>
+                  <a:txBody>
+                    <a:bodyPr/>
+                    <a:lstStyle/>
+                    <a:p>
+                      <a:pPr algn="ctr" fontAlgn="b"/>
+                      <a:r>
+                        <a:rPr lang="en-US" sz="1200" u="none" strike="noStrike">
+                          <a:effectLst/>
+                          <a:latin typeface="Calibri" charset="0"/>
+                          <a:ea typeface="Calibri" charset="0"/>
+                          <a:cs typeface="Calibri" charset="0"/>
+                        </a:rPr>
+                        <a:t>sad</a:t>
+                      </a:r>
+                      <a:endParaRPr lang="en-US" sz="1200" b="0" i="0" u="none" strike="noStrike">
+                        <a:solidFill>
+                          <a:srgbClr val="000000"/>
+                        </a:solidFill>
+                        <a:effectLst/>
+                        <a:latin typeface="Calibri" charset="0"/>
+                        <a:ea typeface="Calibri" charset="0"/>
+                        <a:cs typeface="Calibri" charset="0"/>
+                      </a:endParaRPr>
+                    </a:p>
+                  </a:txBody>
+                  <a:tcPr marL="12700" marR="12700" marT="12700" marB="0" anchor="b"/>
+                </a:tc>
+                <a:tc>
+                  <a:txBody>
+                    <a:bodyPr/>
+                    <a:lstStyle/>
+                    <a:p>
+                      <a:pPr algn="ctr" fontAlgn="b"/>
+                      <a:r>
+                        <a:rPr lang="en-US" sz="1200" u="none" strike="noStrike">
+                          <a:effectLst/>
+                          <a:latin typeface="Calibri" charset="0"/>
+                          <a:ea typeface="Calibri" charset="0"/>
+                          <a:cs typeface="Calibri" charset="0"/>
+                        </a:rPr>
+                        <a:t>angry</a:t>
+                      </a:r>
+                      <a:endParaRPr lang="en-US" sz="1200" b="0" i="0" u="none" strike="noStrike">
+                        <a:solidFill>
+                          <a:srgbClr val="000000"/>
+                        </a:solidFill>
+                        <a:effectLst/>
+                        <a:latin typeface="Calibri" charset="0"/>
+                        <a:ea typeface="Calibri" charset="0"/>
+                        <a:cs typeface="Calibri" charset="0"/>
+                      </a:endParaRPr>
+                    </a:p>
+                  </a:txBody>
+                  <a:tcPr marL="12700" marR="12700" marT="12700" marB="0" anchor="b"/>
+                </a:tc>
+                <a:tc>
+                  <a:txBody>
+                    <a:bodyPr/>
+                    <a:lstStyle/>
+                    <a:p>
+                      <a:pPr algn="ctr" fontAlgn="b"/>
+                      <a:r>
+                        <a:rPr lang="en-US" sz="1200" u="none" strike="noStrike">
+                          <a:effectLst/>
+                          <a:latin typeface="Calibri" charset="0"/>
+                          <a:ea typeface="Calibri" charset="0"/>
+                          <a:cs typeface="Calibri" charset="0"/>
+                        </a:rPr>
+                        <a:t># of samples</a:t>
+                      </a:r>
+                      <a:endParaRPr lang="en-US" sz="1200" b="0" i="0" u="none" strike="noStrike">
+                        <a:solidFill>
+                          <a:srgbClr val="000000"/>
+                        </a:solidFill>
+                        <a:effectLst/>
+                        <a:latin typeface="Calibri" charset="0"/>
+                        <a:ea typeface="Calibri" charset="0"/>
+                        <a:cs typeface="Calibri" charset="0"/>
+                      </a:endParaRPr>
+                    </a:p>
+                  </a:txBody>
+                  <a:tcPr marL="12700" marR="12700" marT="12700" marB="0" anchor="b"/>
+                </a:tc>
+                <a:tc>
+                  <a:txBody>
+                    <a:bodyPr/>
+                    <a:lstStyle/>
+                    <a:p>
+                      <a:pPr algn="ctr" fontAlgn="b"/>
+                      <a:r>
+                        <a:rPr lang="en-US" sz="1200" u="none" strike="noStrike">
+                          <a:effectLst/>
+                          <a:latin typeface="Calibri" charset="0"/>
+                          <a:ea typeface="Calibri" charset="0"/>
+                          <a:cs typeface="Calibri" charset="0"/>
+                        </a:rPr>
+                        <a:t>(percent)</a:t>
+                      </a:r>
+                      <a:endParaRPr lang="en-US" sz="1200" b="0" i="0" u="none" strike="noStrike">
+                        <a:solidFill>
+                          <a:srgbClr val="000000"/>
+                        </a:solidFill>
+                        <a:effectLst/>
+                        <a:latin typeface="Calibri" charset="0"/>
+                        <a:ea typeface="Calibri" charset="0"/>
+                        <a:cs typeface="Calibri" charset="0"/>
+                      </a:endParaRPr>
+                    </a:p>
+                  </a:txBody>
+                  <a:tcPr marL="12700" marR="12700" marT="12700" marB="0" anchor="b"/>
+                </a:tc>
+              </a:tr>
+              <a:tr h="203200">
+                <a:tc rowSpan="4">
+                  <a:txBody>
+                    <a:bodyPr/>
+                    <a:lstStyle/>
+                    <a:p>
+                      <a:pPr algn="ctr" fontAlgn="ctr"/>
+                      <a:r>
+                        <a:rPr lang="en-US" sz="1200" u="none" strike="noStrike" dirty="0">
+                          <a:effectLst/>
+                          <a:latin typeface="Calibri" charset="0"/>
+                          <a:ea typeface="Calibri" charset="0"/>
+                          <a:cs typeface="Calibri" charset="0"/>
+                        </a:rPr>
+                        <a:t>Gold</a:t>
+                      </a:r>
+                      <a:endParaRPr lang="en-US" sz="1200" b="0" i="0" u="none" strike="noStrike" dirty="0">
+                        <a:solidFill>
+                          <a:srgbClr val="000000"/>
+                        </a:solidFill>
+                        <a:effectLst/>
+                        <a:latin typeface="Calibri" charset="0"/>
+                        <a:ea typeface="Calibri" charset="0"/>
+                        <a:cs typeface="Calibri" charset="0"/>
+                      </a:endParaRPr>
+                    </a:p>
+                  </a:txBody>
+                  <a:tcPr marL="12700" marR="12700" marT="12700" marB="0" anchor="ctr"/>
+                </a:tc>
+                <a:tc>
+                  <a:txBody>
+                    <a:bodyPr/>
+                    <a:lstStyle/>
+                    <a:p>
+                      <a:pPr algn="ctr" fontAlgn="b"/>
+                      <a:r>
+                        <a:rPr lang="en-US" sz="1200" u="none" strike="noStrike" dirty="0">
+                          <a:effectLst/>
+                          <a:latin typeface="Calibri" charset="0"/>
+                          <a:ea typeface="Calibri" charset="0"/>
+                          <a:cs typeface="Calibri" charset="0"/>
+                        </a:rPr>
+                        <a:t>others</a:t>
+                      </a:r>
+                      <a:endParaRPr lang="en-US" sz="1200" b="0" i="0" u="none" strike="noStrike" dirty="0">
+                        <a:solidFill>
+                          <a:srgbClr val="000000"/>
+                        </a:solidFill>
+                        <a:effectLst/>
+                        <a:latin typeface="Calibri" charset="0"/>
+                        <a:ea typeface="Calibri" charset="0"/>
+                        <a:cs typeface="Calibri" charset="0"/>
+                      </a:endParaRPr>
+                    </a:p>
+                  </a:txBody>
+                  <a:tcPr marL="12700" marR="12700" marT="12700" marB="0" anchor="b"/>
+                </a:tc>
+                <a:tc>
+                  <a:txBody>
+                    <a:bodyPr/>
+                    <a:lstStyle/>
+                    <a:p>
+                      <a:pPr algn="ctr" fontAlgn="b"/>
+                      <a:r>
+                        <a:rPr lang="is-IS" sz="1200" u="none" strike="noStrike">
+                          <a:effectLst/>
+                          <a:latin typeface="Calibri" charset="0"/>
+                          <a:ea typeface="Calibri" charset="0"/>
+                          <a:cs typeface="Calibri" charset="0"/>
+                        </a:rPr>
+                        <a:t>13426</a:t>
+                      </a:r>
+                      <a:endParaRPr lang="is-IS" sz="1200" b="0" i="0" u="none" strike="noStrike">
+                        <a:solidFill>
+                          <a:srgbClr val="000000"/>
+                        </a:solidFill>
+                        <a:effectLst/>
+                        <a:latin typeface="Calibri" charset="0"/>
+                        <a:ea typeface="Calibri" charset="0"/>
+                        <a:cs typeface="Calibri" charset="0"/>
+                      </a:endParaRPr>
+                    </a:p>
+                  </a:txBody>
+                  <a:tcPr marL="12700" marR="12700" marT="12700" marB="0" anchor="b"/>
+                </a:tc>
+                <a:tc>
+                  <a:txBody>
+                    <a:bodyPr/>
+                    <a:lstStyle/>
+                    <a:p>
+                      <a:pPr algn="ctr" fontAlgn="b"/>
+                      <a:r>
+                        <a:rPr lang="is-IS" sz="1200" u="none" strike="noStrike">
+                          <a:effectLst/>
+                          <a:latin typeface="Calibri" charset="0"/>
+                          <a:ea typeface="Calibri" charset="0"/>
+                          <a:cs typeface="Calibri" charset="0"/>
+                        </a:rPr>
+                        <a:t>252</a:t>
+                      </a:r>
+                      <a:endParaRPr lang="is-IS" sz="1200" b="0" i="0" u="none" strike="noStrike">
+                        <a:solidFill>
+                          <a:srgbClr val="000000"/>
+                        </a:solidFill>
+                        <a:effectLst/>
+                        <a:latin typeface="Calibri" charset="0"/>
+                        <a:ea typeface="Calibri" charset="0"/>
+                        <a:cs typeface="Calibri" charset="0"/>
+                      </a:endParaRPr>
+                    </a:p>
+                  </a:txBody>
+                  <a:tcPr marL="12700" marR="12700" marT="12700" marB="0" anchor="b"/>
+                </a:tc>
+                <a:tc>
+                  <a:txBody>
+                    <a:bodyPr/>
+                    <a:lstStyle/>
+                    <a:p>
+                      <a:pPr algn="ctr" fontAlgn="b"/>
+                      <a:r>
+                        <a:rPr lang="is-IS" sz="1200" u="none" strike="noStrike">
+                          <a:effectLst/>
+                          <a:latin typeface="Calibri" charset="0"/>
+                          <a:ea typeface="Calibri" charset="0"/>
+                          <a:cs typeface="Calibri" charset="0"/>
+                        </a:rPr>
+                        <a:t>63</a:t>
+                      </a:r>
+                      <a:endParaRPr lang="is-IS" sz="1200" b="0" i="0" u="none" strike="noStrike">
+                        <a:solidFill>
+                          <a:srgbClr val="000000"/>
+                        </a:solidFill>
+                        <a:effectLst/>
+                        <a:latin typeface="Calibri" charset="0"/>
+                        <a:ea typeface="Calibri" charset="0"/>
+                        <a:cs typeface="Calibri" charset="0"/>
+                      </a:endParaRPr>
+                    </a:p>
+                  </a:txBody>
+                  <a:tcPr marL="12700" marR="12700" marT="12700" marB="0" anchor="b"/>
+                </a:tc>
+                <a:tc>
+                  <a:txBody>
+                    <a:bodyPr/>
+                    <a:lstStyle/>
+                    <a:p>
+                      <a:pPr algn="ctr" fontAlgn="b"/>
+                      <a:r>
+                        <a:rPr lang="is-IS" sz="1200" u="none" strike="noStrike">
+                          <a:effectLst/>
+                          <a:latin typeface="Calibri" charset="0"/>
+                          <a:ea typeface="Calibri" charset="0"/>
+                          <a:cs typeface="Calibri" charset="0"/>
+                        </a:rPr>
+                        <a:t>213</a:t>
+                      </a:r>
+                      <a:endParaRPr lang="is-IS" sz="1200" b="0" i="0" u="none" strike="noStrike">
+                        <a:solidFill>
+                          <a:srgbClr val="000000"/>
+                        </a:solidFill>
+                        <a:effectLst/>
+                        <a:latin typeface="Calibri" charset="0"/>
+                        <a:ea typeface="Calibri" charset="0"/>
+                        <a:cs typeface="Calibri" charset="0"/>
+                      </a:endParaRPr>
+                    </a:p>
+                  </a:txBody>
+                  <a:tcPr marL="12700" marR="12700" marT="12700" marB="0" anchor="b"/>
+                </a:tc>
+                <a:tc>
+                  <a:txBody>
+                    <a:bodyPr/>
+                    <a:lstStyle/>
+                    <a:p>
+                      <a:pPr algn="ctr" fontAlgn="b"/>
+                      <a:r>
+                        <a:rPr lang="uk-UA" sz="1200" u="none" strike="noStrike">
+                          <a:effectLst/>
+                          <a:latin typeface="Calibri" charset="0"/>
+                          <a:ea typeface="Calibri" charset="0"/>
+                          <a:cs typeface="Calibri" charset="0"/>
+                        </a:rPr>
+                        <a:t>13954</a:t>
+                      </a:r>
+                      <a:endParaRPr lang="uk-UA" sz="1200" b="0" i="0" u="none" strike="noStrike">
+                        <a:solidFill>
+                          <a:srgbClr val="000000"/>
+                        </a:solidFill>
+                        <a:effectLst/>
+                        <a:latin typeface="Calibri" charset="0"/>
+                        <a:ea typeface="Calibri" charset="0"/>
+                        <a:cs typeface="Calibri" charset="0"/>
+                      </a:endParaRPr>
+                    </a:p>
+                  </a:txBody>
+                  <a:tcPr marL="12700" marR="12700" marT="12700" marB="0" anchor="b"/>
+                </a:tc>
+                <a:tc>
+                  <a:txBody>
+                    <a:bodyPr/>
+                    <a:lstStyle/>
+                    <a:p>
+                      <a:pPr algn="ctr" fontAlgn="b"/>
+                      <a:r>
+                        <a:rPr lang="mr-IN" sz="1200" u="none" strike="noStrike">
+                          <a:effectLst/>
+                          <a:latin typeface="Calibri" charset="0"/>
+                          <a:ea typeface="Calibri" charset="0"/>
+                          <a:cs typeface="Calibri" charset="0"/>
+                        </a:rPr>
+                        <a:t>46.89%</a:t>
+                      </a:r>
+                      <a:endParaRPr lang="mr-IN" sz="1200" b="0" i="0" u="none" strike="noStrike">
+                        <a:solidFill>
+                          <a:srgbClr val="000000"/>
+                        </a:solidFill>
+                        <a:effectLst/>
+                        <a:latin typeface="Calibri" charset="0"/>
+                        <a:ea typeface="Calibri" charset="0"/>
+                        <a:cs typeface="Calibri" charset="0"/>
+                      </a:endParaRPr>
+                    </a:p>
+                  </a:txBody>
+                  <a:tcPr marL="12700" marR="12700" marT="12700" marB="0" anchor="b"/>
+                </a:tc>
+              </a:tr>
+              <a:tr h="203200">
+                <a:tc vMerge="1">
+                  <a:txBody>
+                    <a:bodyPr/>
+                    <a:lstStyle/>
+                    <a:p>
+                      <a:endParaRPr lang="zh-CN" altLang="en-US"/>
+                    </a:p>
+                  </a:txBody>
+                  <a:tcPr/>
+                </a:tc>
+                <a:tc>
+                  <a:txBody>
+                    <a:bodyPr/>
+                    <a:lstStyle/>
+                    <a:p>
+                      <a:pPr algn="ctr" fontAlgn="b"/>
+                      <a:r>
+                        <a:rPr lang="en-US" sz="1200" u="none" strike="noStrike">
+                          <a:effectLst/>
+                          <a:latin typeface="Calibri" charset="0"/>
+                          <a:ea typeface="Calibri" charset="0"/>
+                          <a:cs typeface="Calibri" charset="0"/>
+                        </a:rPr>
+                        <a:t>happy</a:t>
+                      </a:r>
+                      <a:endParaRPr lang="en-US" sz="1200" b="0" i="0" u="none" strike="noStrike">
+                        <a:solidFill>
+                          <a:srgbClr val="000000"/>
+                        </a:solidFill>
+                        <a:effectLst/>
+                        <a:latin typeface="Calibri" charset="0"/>
+                        <a:ea typeface="Calibri" charset="0"/>
+                        <a:cs typeface="Calibri" charset="0"/>
+                      </a:endParaRPr>
+                    </a:p>
+                  </a:txBody>
+                  <a:tcPr marL="12700" marR="12700" marT="12700" marB="0" anchor="b"/>
+                </a:tc>
+                <a:tc>
+                  <a:txBody>
+                    <a:bodyPr/>
+                    <a:lstStyle/>
+                    <a:p>
+                      <a:pPr algn="ctr" fontAlgn="b"/>
+                      <a:r>
+                        <a:rPr lang="en-US" altLang="zh-CN" sz="1200" u="none" strike="noStrike">
+                          <a:effectLst/>
+                          <a:latin typeface="Calibri" charset="0"/>
+                          <a:ea typeface="Calibri" charset="0"/>
+                          <a:cs typeface="Calibri" charset="0"/>
+                        </a:rPr>
+                        <a:t>98</a:t>
+                      </a:r>
+                      <a:endParaRPr lang="en-US" altLang="zh-CN" sz="1200" b="0" i="0" u="none" strike="noStrike">
+                        <a:solidFill>
+                          <a:srgbClr val="000000"/>
+                        </a:solidFill>
+                        <a:effectLst/>
+                        <a:latin typeface="Calibri" charset="0"/>
+                        <a:ea typeface="Calibri" charset="0"/>
+                        <a:cs typeface="Calibri" charset="0"/>
+                      </a:endParaRPr>
+                    </a:p>
+                  </a:txBody>
+                  <a:tcPr marL="12700" marR="12700" marT="12700" marB="0" anchor="b"/>
+                </a:tc>
+                <a:tc>
+                  <a:txBody>
+                    <a:bodyPr/>
+                    <a:lstStyle/>
+                    <a:p>
+                      <a:pPr algn="ctr" fontAlgn="b"/>
+                      <a:r>
+                        <a:rPr lang="uk-UA" sz="1200" u="none" strike="noStrike">
+                          <a:effectLst/>
+                          <a:latin typeface="Calibri" charset="0"/>
+                          <a:ea typeface="Calibri" charset="0"/>
+                          <a:cs typeface="Calibri" charset="0"/>
+                        </a:rPr>
+                        <a:t>3955</a:t>
+                      </a:r>
+                      <a:endParaRPr lang="uk-UA" sz="1200" b="0" i="0" u="none" strike="noStrike">
+                        <a:solidFill>
+                          <a:srgbClr val="000000"/>
+                        </a:solidFill>
+                        <a:effectLst/>
+                        <a:latin typeface="Calibri" charset="0"/>
+                        <a:ea typeface="Calibri" charset="0"/>
+                        <a:cs typeface="Calibri" charset="0"/>
+                      </a:endParaRPr>
+                    </a:p>
+                  </a:txBody>
+                  <a:tcPr marL="12700" marR="12700" marT="12700" marB="0" anchor="b"/>
+                </a:tc>
+                <a:tc>
+                  <a:txBody>
+                    <a:bodyPr/>
+                    <a:lstStyle/>
+                    <a:p>
+                      <a:pPr algn="ctr" fontAlgn="b"/>
+                      <a:r>
+                        <a:rPr lang="en-US" altLang="zh-CN" sz="1200" u="none" strike="noStrike" dirty="0">
+                          <a:effectLst/>
+                          <a:latin typeface="Calibri" charset="0"/>
+                          <a:ea typeface="Calibri" charset="0"/>
+                          <a:cs typeface="Calibri" charset="0"/>
+                        </a:rPr>
+                        <a:t>6</a:t>
+                      </a:r>
+                      <a:endParaRPr lang="en-US" altLang="zh-CN" sz="1200" b="0" i="0" u="none" strike="noStrike" dirty="0">
+                        <a:solidFill>
+                          <a:srgbClr val="000000"/>
+                        </a:solidFill>
+                        <a:effectLst/>
+                        <a:latin typeface="Calibri" charset="0"/>
+                        <a:ea typeface="Calibri" charset="0"/>
+                        <a:cs typeface="Calibri" charset="0"/>
+                      </a:endParaRPr>
+                    </a:p>
+                  </a:txBody>
+                  <a:tcPr marL="12700" marR="12700" marT="12700" marB="0" anchor="b"/>
+                </a:tc>
+                <a:tc>
+                  <a:txBody>
+                    <a:bodyPr/>
+                    <a:lstStyle/>
+                    <a:p>
+                      <a:pPr algn="ctr" fontAlgn="b"/>
+                      <a:r>
+                        <a:rPr lang="en-US" altLang="zh-CN" sz="1200" u="none" strike="noStrike" dirty="0">
+                          <a:effectLst/>
+                          <a:latin typeface="Calibri" charset="0"/>
+                          <a:ea typeface="Calibri" charset="0"/>
+                          <a:cs typeface="Calibri" charset="0"/>
+                        </a:rPr>
+                        <a:t>5</a:t>
+                      </a:r>
+                      <a:endParaRPr lang="en-US" altLang="zh-CN" sz="1200" b="0" i="0" u="none" strike="noStrike" dirty="0">
+                        <a:solidFill>
+                          <a:srgbClr val="000000"/>
+                        </a:solidFill>
+                        <a:effectLst/>
+                        <a:latin typeface="Calibri" charset="0"/>
+                        <a:ea typeface="Calibri" charset="0"/>
+                        <a:cs typeface="Calibri" charset="0"/>
+                      </a:endParaRPr>
+                    </a:p>
+                  </a:txBody>
+                  <a:tcPr marL="12700" marR="12700" marT="12700" marB="0" anchor="b"/>
+                </a:tc>
+                <a:tc>
+                  <a:txBody>
+                    <a:bodyPr/>
+                    <a:lstStyle/>
+                    <a:p>
+                      <a:pPr algn="ctr" fontAlgn="b"/>
+                      <a:r>
+                        <a:rPr lang="is-IS" sz="1200" u="none" strike="noStrike">
+                          <a:effectLst/>
+                          <a:latin typeface="Calibri" charset="0"/>
+                          <a:ea typeface="Calibri" charset="0"/>
+                          <a:cs typeface="Calibri" charset="0"/>
+                        </a:rPr>
+                        <a:t>4064</a:t>
+                      </a:r>
+                      <a:endParaRPr lang="is-IS" sz="1200" b="0" i="0" u="none" strike="noStrike">
+                        <a:solidFill>
+                          <a:srgbClr val="000000"/>
+                        </a:solidFill>
+                        <a:effectLst/>
+                        <a:latin typeface="Calibri" charset="0"/>
+                        <a:ea typeface="Calibri" charset="0"/>
+                        <a:cs typeface="Calibri" charset="0"/>
+                      </a:endParaRPr>
+                    </a:p>
+                  </a:txBody>
+                  <a:tcPr marL="12700" marR="12700" marT="12700" marB="0" anchor="b"/>
+                </a:tc>
+                <a:tc>
+                  <a:txBody>
+                    <a:bodyPr/>
+                    <a:lstStyle/>
+                    <a:p>
+                      <a:pPr algn="ctr" fontAlgn="b"/>
+                      <a:r>
+                        <a:rPr lang="mr-IN" sz="1200" u="none" strike="noStrike">
+                          <a:effectLst/>
+                          <a:latin typeface="Calibri" charset="0"/>
+                          <a:ea typeface="Calibri" charset="0"/>
+                          <a:cs typeface="Calibri" charset="0"/>
+                        </a:rPr>
+                        <a:t>13.66%</a:t>
+                      </a:r>
+                      <a:endParaRPr lang="mr-IN" sz="1200" b="0" i="0" u="none" strike="noStrike">
+                        <a:solidFill>
+                          <a:srgbClr val="000000"/>
+                        </a:solidFill>
+                        <a:effectLst/>
+                        <a:latin typeface="Calibri" charset="0"/>
+                        <a:ea typeface="Calibri" charset="0"/>
+                        <a:cs typeface="Calibri" charset="0"/>
+                      </a:endParaRPr>
+                    </a:p>
+                  </a:txBody>
+                  <a:tcPr marL="12700" marR="12700" marT="12700" marB="0" anchor="b"/>
+                </a:tc>
+              </a:tr>
+              <a:tr h="203200">
+                <a:tc vMerge="1">
+                  <a:txBody>
+                    <a:bodyPr/>
+                    <a:lstStyle/>
+                    <a:p>
+                      <a:endParaRPr lang="zh-CN" altLang="en-US"/>
+                    </a:p>
+                  </a:txBody>
+                  <a:tcPr/>
+                </a:tc>
+                <a:tc>
+                  <a:txBody>
+                    <a:bodyPr/>
+                    <a:lstStyle/>
+                    <a:p>
+                      <a:pPr algn="ctr" fontAlgn="b"/>
+                      <a:r>
+                        <a:rPr lang="en-US" sz="1200" u="none" strike="noStrike">
+                          <a:effectLst/>
+                          <a:latin typeface="Calibri" charset="0"/>
+                          <a:ea typeface="Calibri" charset="0"/>
+                          <a:cs typeface="Calibri" charset="0"/>
+                        </a:rPr>
+                        <a:t>sad</a:t>
+                      </a:r>
+                      <a:endParaRPr lang="en-US" sz="1200" b="0" i="0" u="none" strike="noStrike">
+                        <a:solidFill>
+                          <a:srgbClr val="000000"/>
+                        </a:solidFill>
+                        <a:effectLst/>
+                        <a:latin typeface="Calibri" charset="0"/>
+                        <a:ea typeface="Calibri" charset="0"/>
+                        <a:cs typeface="Calibri" charset="0"/>
+                      </a:endParaRPr>
+                    </a:p>
+                  </a:txBody>
+                  <a:tcPr marL="12700" marR="12700" marT="12700" marB="0" anchor="b"/>
+                </a:tc>
+                <a:tc>
+                  <a:txBody>
+                    <a:bodyPr/>
+                    <a:lstStyle/>
+                    <a:p>
+                      <a:pPr algn="ctr" fontAlgn="b"/>
+                      <a:r>
+                        <a:rPr lang="is-IS" sz="1200" u="none" strike="noStrike">
+                          <a:effectLst/>
+                          <a:latin typeface="Calibri" charset="0"/>
+                          <a:ea typeface="Calibri" charset="0"/>
+                          <a:cs typeface="Calibri" charset="0"/>
+                        </a:rPr>
+                        <a:t>425</a:t>
+                      </a:r>
+                      <a:endParaRPr lang="is-IS" sz="1200" b="0" i="0" u="none" strike="noStrike">
+                        <a:solidFill>
+                          <a:srgbClr val="000000"/>
+                        </a:solidFill>
+                        <a:effectLst/>
+                        <a:latin typeface="Calibri" charset="0"/>
+                        <a:ea typeface="Calibri" charset="0"/>
+                        <a:cs typeface="Calibri" charset="0"/>
+                      </a:endParaRPr>
+                    </a:p>
+                  </a:txBody>
+                  <a:tcPr marL="12700" marR="12700" marT="12700" marB="0" anchor="b"/>
+                </a:tc>
+                <a:tc>
+                  <a:txBody>
+                    <a:bodyPr/>
+                    <a:lstStyle/>
+                    <a:p>
+                      <a:pPr algn="ctr" fontAlgn="b"/>
+                      <a:r>
+                        <a:rPr lang="is-IS" sz="1200" u="none" strike="noStrike" dirty="0">
+                          <a:effectLst/>
+                          <a:latin typeface="Calibri" charset="0"/>
+                          <a:ea typeface="Calibri" charset="0"/>
+                          <a:cs typeface="Calibri" charset="0"/>
+                        </a:rPr>
+                        <a:t>12</a:t>
+                      </a:r>
+                      <a:endParaRPr lang="is-IS" sz="1200" b="0" i="0" u="none" strike="noStrike" dirty="0">
+                        <a:solidFill>
+                          <a:srgbClr val="000000"/>
+                        </a:solidFill>
+                        <a:effectLst/>
+                        <a:latin typeface="Calibri" charset="0"/>
+                        <a:ea typeface="Calibri" charset="0"/>
+                        <a:cs typeface="Calibri" charset="0"/>
+                      </a:endParaRPr>
+                    </a:p>
+                  </a:txBody>
+                  <a:tcPr marL="12700" marR="12700" marT="12700" marB="0" anchor="b"/>
+                </a:tc>
+                <a:tc>
+                  <a:txBody>
+                    <a:bodyPr/>
+                    <a:lstStyle/>
+                    <a:p>
+                      <a:pPr algn="ctr" fontAlgn="b"/>
+                      <a:r>
+                        <a:rPr lang="is-IS" sz="1200" u="none" strike="noStrike">
+                          <a:effectLst/>
+                          <a:latin typeface="Calibri" charset="0"/>
+                          <a:ea typeface="Calibri" charset="0"/>
+                          <a:cs typeface="Calibri" charset="0"/>
+                        </a:rPr>
+                        <a:t>5268</a:t>
+                      </a:r>
+                      <a:endParaRPr lang="is-IS" sz="1200" b="0" i="0" u="none" strike="noStrike">
+                        <a:solidFill>
+                          <a:srgbClr val="000000"/>
+                        </a:solidFill>
+                        <a:effectLst/>
+                        <a:latin typeface="Calibri" charset="0"/>
+                        <a:ea typeface="Calibri" charset="0"/>
+                        <a:cs typeface="Calibri" charset="0"/>
+                      </a:endParaRPr>
+                    </a:p>
+                  </a:txBody>
+                  <a:tcPr marL="12700" marR="12700" marT="12700" marB="0" anchor="b"/>
+                </a:tc>
+                <a:tc>
+                  <a:txBody>
+                    <a:bodyPr/>
+                    <a:lstStyle/>
+                    <a:p>
+                      <a:pPr algn="ctr" fontAlgn="b"/>
+                      <a:r>
+                        <a:rPr lang="is-IS" sz="1200" u="none" strike="noStrike" dirty="0">
+                          <a:effectLst/>
+                          <a:latin typeface="Calibri" charset="0"/>
+                          <a:ea typeface="Calibri" charset="0"/>
+                          <a:cs typeface="Calibri" charset="0"/>
+                        </a:rPr>
+                        <a:t>148</a:t>
+                      </a:r>
+                      <a:endParaRPr lang="is-IS" sz="1200" b="0" i="0" u="none" strike="noStrike" dirty="0">
+                        <a:solidFill>
+                          <a:srgbClr val="000000"/>
+                        </a:solidFill>
+                        <a:effectLst/>
+                        <a:latin typeface="Calibri" charset="0"/>
+                        <a:ea typeface="Calibri" charset="0"/>
+                        <a:cs typeface="Calibri" charset="0"/>
+                      </a:endParaRPr>
+                    </a:p>
+                  </a:txBody>
+                  <a:tcPr marL="12700" marR="12700" marT="12700" marB="0" anchor="b"/>
+                </a:tc>
+                <a:tc>
+                  <a:txBody>
+                    <a:bodyPr/>
+                    <a:lstStyle/>
+                    <a:p>
+                      <a:pPr algn="ctr" fontAlgn="b"/>
+                      <a:r>
+                        <a:rPr lang="ru-RU" sz="1200" u="none" strike="noStrike">
+                          <a:effectLst/>
+                          <a:latin typeface="Calibri" charset="0"/>
+                          <a:ea typeface="Calibri" charset="0"/>
+                          <a:cs typeface="Calibri" charset="0"/>
+                        </a:rPr>
+                        <a:t>5853</a:t>
+                      </a:r>
+                      <a:endParaRPr lang="ru-RU" sz="1200" b="0" i="0" u="none" strike="noStrike">
+                        <a:solidFill>
+                          <a:srgbClr val="000000"/>
+                        </a:solidFill>
+                        <a:effectLst/>
+                        <a:latin typeface="Calibri" charset="0"/>
+                        <a:ea typeface="Calibri" charset="0"/>
+                        <a:cs typeface="Calibri" charset="0"/>
+                      </a:endParaRPr>
+                    </a:p>
+                  </a:txBody>
+                  <a:tcPr marL="12700" marR="12700" marT="12700" marB="0" anchor="b"/>
+                </a:tc>
+                <a:tc>
+                  <a:txBody>
+                    <a:bodyPr/>
+                    <a:lstStyle/>
+                    <a:p>
+                      <a:pPr algn="ctr" fontAlgn="b"/>
+                      <a:r>
+                        <a:rPr lang="mr-IN" sz="1200" u="none" strike="noStrike">
+                          <a:effectLst/>
+                          <a:latin typeface="Calibri" charset="0"/>
+                          <a:ea typeface="Calibri" charset="0"/>
+                          <a:cs typeface="Calibri" charset="0"/>
+                        </a:rPr>
+                        <a:t>19.67%</a:t>
+                      </a:r>
+                      <a:endParaRPr lang="mr-IN" sz="1200" b="0" i="0" u="none" strike="noStrike">
+                        <a:solidFill>
+                          <a:srgbClr val="000000"/>
+                        </a:solidFill>
+                        <a:effectLst/>
+                        <a:latin typeface="Calibri" charset="0"/>
+                        <a:ea typeface="Calibri" charset="0"/>
+                        <a:cs typeface="Calibri" charset="0"/>
+                      </a:endParaRPr>
+                    </a:p>
+                  </a:txBody>
+                  <a:tcPr marL="12700" marR="12700" marT="12700" marB="0" anchor="b"/>
+                </a:tc>
+              </a:tr>
+              <a:tr h="203200">
+                <a:tc vMerge="1">
+                  <a:txBody>
+                    <a:bodyPr/>
+                    <a:lstStyle/>
+                    <a:p>
+                      <a:endParaRPr lang="zh-CN" altLang="en-US"/>
+                    </a:p>
+                  </a:txBody>
+                  <a:tcPr/>
+                </a:tc>
+                <a:tc>
+                  <a:txBody>
+                    <a:bodyPr/>
+                    <a:lstStyle/>
+                    <a:p>
+                      <a:pPr algn="ctr" fontAlgn="b"/>
+                      <a:r>
+                        <a:rPr lang="en-US" sz="1200" u="none" strike="noStrike">
+                          <a:effectLst/>
+                          <a:latin typeface="Calibri" charset="0"/>
+                          <a:ea typeface="Calibri" charset="0"/>
+                          <a:cs typeface="Calibri" charset="0"/>
+                        </a:rPr>
+                        <a:t>angry</a:t>
+                      </a:r>
+                      <a:endParaRPr lang="en-US" sz="1200" b="0" i="0" u="none" strike="noStrike">
+                        <a:solidFill>
+                          <a:srgbClr val="000000"/>
+                        </a:solidFill>
+                        <a:effectLst/>
+                        <a:latin typeface="Calibri" charset="0"/>
+                        <a:ea typeface="Calibri" charset="0"/>
+                        <a:cs typeface="Calibri" charset="0"/>
+                      </a:endParaRPr>
+                    </a:p>
+                  </a:txBody>
+                  <a:tcPr marL="12700" marR="12700" marT="12700" marB="0" anchor="b"/>
+                </a:tc>
+                <a:tc>
+                  <a:txBody>
+                    <a:bodyPr/>
+                    <a:lstStyle/>
+                    <a:p>
+                      <a:pPr algn="ctr" fontAlgn="b"/>
+                      <a:r>
+                        <a:rPr lang="en-US" altLang="zh-CN" sz="1200" u="none" strike="noStrike" dirty="0">
+                          <a:effectLst/>
+                          <a:latin typeface="Calibri" charset="0"/>
+                          <a:ea typeface="Calibri" charset="0"/>
+                          <a:cs typeface="Calibri" charset="0"/>
+                        </a:rPr>
+                        <a:t>599</a:t>
+                      </a:r>
+                      <a:endParaRPr lang="en-US" altLang="zh-CN" sz="1200" b="0" i="0" u="none" strike="noStrike" dirty="0">
+                        <a:solidFill>
+                          <a:srgbClr val="000000"/>
+                        </a:solidFill>
+                        <a:effectLst/>
+                        <a:latin typeface="Calibri" charset="0"/>
+                        <a:ea typeface="Calibri" charset="0"/>
+                        <a:cs typeface="Calibri" charset="0"/>
+                      </a:endParaRPr>
+                    </a:p>
+                  </a:txBody>
+                  <a:tcPr marL="12700" marR="12700" marT="12700" marB="0" anchor="b"/>
+                </a:tc>
+                <a:tc>
+                  <a:txBody>
+                    <a:bodyPr/>
+                    <a:lstStyle/>
+                    <a:p>
+                      <a:pPr algn="ctr" fontAlgn="b"/>
+                      <a:r>
+                        <a:rPr lang="is-IS" sz="1200" u="none" strike="noStrike">
+                          <a:effectLst/>
+                          <a:latin typeface="Calibri" charset="0"/>
+                          <a:ea typeface="Calibri" charset="0"/>
+                          <a:cs typeface="Calibri" charset="0"/>
+                        </a:rPr>
+                        <a:t>24</a:t>
+                      </a:r>
+                      <a:endParaRPr lang="is-IS" sz="1200" b="0" i="0" u="none" strike="noStrike">
+                        <a:solidFill>
+                          <a:srgbClr val="000000"/>
+                        </a:solidFill>
+                        <a:effectLst/>
+                        <a:latin typeface="Calibri" charset="0"/>
+                        <a:ea typeface="Calibri" charset="0"/>
+                        <a:cs typeface="Calibri" charset="0"/>
+                      </a:endParaRPr>
+                    </a:p>
+                  </a:txBody>
+                  <a:tcPr marL="12700" marR="12700" marT="12700" marB="0" anchor="b"/>
+                </a:tc>
+                <a:tc>
+                  <a:txBody>
+                    <a:bodyPr/>
+                    <a:lstStyle/>
+                    <a:p>
+                      <a:pPr algn="ctr" fontAlgn="b"/>
+                      <a:r>
+                        <a:rPr lang="tr-TR" sz="1200" u="none" strike="noStrike">
+                          <a:effectLst/>
+                          <a:latin typeface="Calibri" charset="0"/>
+                          <a:ea typeface="Calibri" charset="0"/>
+                          <a:cs typeface="Calibri" charset="0"/>
+                        </a:rPr>
+                        <a:t>126</a:t>
+                      </a:r>
+                      <a:endParaRPr lang="tr-TR" sz="1200" b="0" i="0" u="none" strike="noStrike">
+                        <a:solidFill>
+                          <a:srgbClr val="000000"/>
+                        </a:solidFill>
+                        <a:effectLst/>
+                        <a:latin typeface="Calibri" charset="0"/>
+                        <a:ea typeface="Calibri" charset="0"/>
+                        <a:cs typeface="Calibri" charset="0"/>
+                      </a:endParaRPr>
+                    </a:p>
+                  </a:txBody>
+                  <a:tcPr marL="12700" marR="12700" marT="12700" marB="0" anchor="b"/>
+                </a:tc>
+                <a:tc>
+                  <a:txBody>
+                    <a:bodyPr/>
+                    <a:lstStyle/>
+                    <a:p>
+                      <a:pPr algn="ctr" fontAlgn="b"/>
+                      <a:r>
+                        <a:rPr lang="uk-UA" sz="1200" u="none" strike="noStrike">
+                          <a:effectLst/>
+                          <a:latin typeface="Calibri" charset="0"/>
+                          <a:ea typeface="Calibri" charset="0"/>
+                          <a:cs typeface="Calibri" charset="0"/>
+                        </a:rPr>
+                        <a:t>5140</a:t>
+                      </a:r>
+                      <a:endParaRPr lang="uk-UA" sz="1200" b="0" i="0" u="none" strike="noStrike">
+                        <a:solidFill>
+                          <a:srgbClr val="000000"/>
+                        </a:solidFill>
+                        <a:effectLst/>
+                        <a:latin typeface="Calibri" charset="0"/>
+                        <a:ea typeface="Calibri" charset="0"/>
+                        <a:cs typeface="Calibri" charset="0"/>
+                      </a:endParaRPr>
+                    </a:p>
+                  </a:txBody>
+                  <a:tcPr marL="12700" marR="12700" marT="12700" marB="0" anchor="b"/>
+                </a:tc>
+                <a:tc>
+                  <a:txBody>
+                    <a:bodyPr/>
+                    <a:lstStyle/>
+                    <a:p>
+                      <a:pPr algn="ctr" fontAlgn="b"/>
+                      <a:r>
+                        <a:rPr lang="cs-CZ" sz="1200" u="none" strike="noStrike">
+                          <a:effectLst/>
+                          <a:latin typeface="Calibri" charset="0"/>
+                          <a:ea typeface="Calibri" charset="0"/>
+                          <a:cs typeface="Calibri" charset="0"/>
+                        </a:rPr>
+                        <a:t>5889</a:t>
+                      </a:r>
+                      <a:endParaRPr lang="cs-CZ" sz="1200" b="0" i="0" u="none" strike="noStrike">
+                        <a:solidFill>
+                          <a:srgbClr val="000000"/>
+                        </a:solidFill>
+                        <a:effectLst/>
+                        <a:latin typeface="Calibri" charset="0"/>
+                        <a:ea typeface="Calibri" charset="0"/>
+                        <a:cs typeface="Calibri" charset="0"/>
+                      </a:endParaRPr>
+                    </a:p>
+                  </a:txBody>
+                  <a:tcPr marL="12700" marR="12700" marT="12700" marB="0" anchor="b"/>
+                </a:tc>
+                <a:tc>
+                  <a:txBody>
+                    <a:bodyPr/>
+                    <a:lstStyle/>
+                    <a:p>
+                      <a:pPr algn="ctr" fontAlgn="b"/>
+                      <a:r>
+                        <a:rPr lang="mr-IN" sz="1200" u="none" strike="noStrike">
+                          <a:effectLst/>
+                          <a:latin typeface="Calibri" charset="0"/>
+                          <a:ea typeface="Calibri" charset="0"/>
+                          <a:cs typeface="Calibri" charset="0"/>
+                        </a:rPr>
+                        <a:t>19.79%</a:t>
+                      </a:r>
+                      <a:endParaRPr lang="mr-IN" sz="1200" b="0" i="0" u="none" strike="noStrike">
+                        <a:solidFill>
+                          <a:srgbClr val="000000"/>
+                        </a:solidFill>
+                        <a:effectLst/>
+                        <a:latin typeface="Calibri" charset="0"/>
+                        <a:ea typeface="Calibri" charset="0"/>
+                        <a:cs typeface="Calibri" charset="0"/>
+                      </a:endParaRPr>
+                    </a:p>
+                  </a:txBody>
+                  <a:tcPr marL="12700" marR="12700" marT="12700" marB="0" anchor="b"/>
+                </a:tc>
+              </a:tr>
+              <a:tr h="203200">
+                <a:tc rowSpan="2">
+                  <a:txBody>
+                    <a:bodyPr/>
+                    <a:lstStyle/>
+                    <a:p>
+                      <a:pPr algn="ctr" fontAlgn="b"/>
+                      <a:endParaRPr lang="zh-CN" altLang="en-US" sz="1200" b="0" i="0" u="none" strike="noStrike" dirty="0">
+                        <a:solidFill>
+                          <a:srgbClr val="000000"/>
+                        </a:solidFill>
+                        <a:effectLst/>
+                        <a:latin typeface="Calibri" charset="0"/>
+                        <a:ea typeface="Calibri" charset="0"/>
+                        <a:cs typeface="Calibri" charset="0"/>
+                      </a:endParaRPr>
+                    </a:p>
+                  </a:txBody>
+                  <a:tcPr marL="12700" marR="12700" marT="12700" marB="0" anchor="b">
+                    <a:lnR w="12700" cmpd="sng">
+                      <a:noFill/>
+                    </a:lnR>
+                  </a:tcPr>
+                </a:tc>
+                <a:tc>
+                  <a:txBody>
+                    <a:bodyPr/>
+                    <a:lstStyle/>
+                    <a:p>
+                      <a:pPr algn="ctr" fontAlgn="b"/>
+                      <a:endParaRPr lang="zh-CN" altLang="en-US" sz="1200" b="0" i="0" u="none" strike="noStrike">
+                        <a:solidFill>
+                          <a:srgbClr val="000000"/>
+                        </a:solidFill>
+                        <a:effectLst/>
+                        <a:latin typeface="Calibri" charset="0"/>
+                        <a:ea typeface="Calibri" charset="0"/>
+                        <a:cs typeface="Calibri" charset="0"/>
+                      </a:endParaRPr>
+                    </a:p>
+                  </a:txBody>
+                  <a:tcPr marL="12700" marR="12700" marT="12700" marB="0" anchor="b">
+                    <a:lnL w="12700" cmpd="sng">
+                      <a:noFill/>
+                    </a:lnL>
+                  </a:tcPr>
+                </a:tc>
+                <a:tc>
+                  <a:txBody>
+                    <a:bodyPr/>
+                    <a:lstStyle/>
+                    <a:p>
+                      <a:pPr algn="ctr" fontAlgn="b"/>
+                      <a:r>
+                        <a:rPr lang="is-IS" sz="1200" u="none" strike="noStrike">
+                          <a:effectLst/>
+                          <a:latin typeface="Calibri" charset="0"/>
+                          <a:ea typeface="Calibri" charset="0"/>
+                          <a:cs typeface="Calibri" charset="0"/>
+                        </a:rPr>
+                        <a:t>14548</a:t>
+                      </a:r>
+                      <a:endParaRPr lang="is-IS" sz="1200" b="0" i="0" u="none" strike="noStrike">
+                        <a:solidFill>
+                          <a:srgbClr val="000000"/>
+                        </a:solidFill>
+                        <a:effectLst/>
+                        <a:latin typeface="Calibri" charset="0"/>
+                        <a:ea typeface="Calibri" charset="0"/>
+                        <a:cs typeface="Calibri" charset="0"/>
+                      </a:endParaRPr>
+                    </a:p>
+                  </a:txBody>
+                  <a:tcPr marL="12700" marR="12700" marT="12700" marB="0" anchor="b"/>
+                </a:tc>
+                <a:tc>
+                  <a:txBody>
+                    <a:bodyPr/>
+                    <a:lstStyle/>
+                    <a:p>
+                      <a:pPr algn="ctr" fontAlgn="b"/>
+                      <a:r>
+                        <a:rPr lang="is-IS" sz="1200" u="none" strike="noStrike">
+                          <a:effectLst/>
+                          <a:latin typeface="Calibri" charset="0"/>
+                          <a:ea typeface="Calibri" charset="0"/>
+                          <a:cs typeface="Calibri" charset="0"/>
+                        </a:rPr>
+                        <a:t>4243</a:t>
+                      </a:r>
+                      <a:endParaRPr lang="is-IS" sz="1200" b="0" i="0" u="none" strike="noStrike">
+                        <a:solidFill>
+                          <a:srgbClr val="000000"/>
+                        </a:solidFill>
+                        <a:effectLst/>
+                        <a:latin typeface="Calibri" charset="0"/>
+                        <a:ea typeface="Calibri" charset="0"/>
+                        <a:cs typeface="Calibri" charset="0"/>
+                      </a:endParaRPr>
+                    </a:p>
+                  </a:txBody>
+                  <a:tcPr marL="12700" marR="12700" marT="12700" marB="0" anchor="b"/>
+                </a:tc>
+                <a:tc>
+                  <a:txBody>
+                    <a:bodyPr/>
+                    <a:lstStyle/>
+                    <a:p>
+                      <a:pPr algn="ctr" fontAlgn="b"/>
+                      <a:r>
+                        <a:rPr lang="is-IS" sz="1200" u="none" strike="noStrike">
+                          <a:effectLst/>
+                          <a:latin typeface="Calibri" charset="0"/>
+                          <a:ea typeface="Calibri" charset="0"/>
+                          <a:cs typeface="Calibri" charset="0"/>
+                        </a:rPr>
+                        <a:t>5463</a:t>
+                      </a:r>
+                      <a:endParaRPr lang="is-IS" sz="1200" b="0" i="0" u="none" strike="noStrike">
+                        <a:solidFill>
+                          <a:srgbClr val="000000"/>
+                        </a:solidFill>
+                        <a:effectLst/>
+                        <a:latin typeface="Calibri" charset="0"/>
+                        <a:ea typeface="Calibri" charset="0"/>
+                        <a:cs typeface="Calibri" charset="0"/>
+                      </a:endParaRPr>
+                    </a:p>
+                  </a:txBody>
+                  <a:tcPr marL="12700" marR="12700" marT="12700" marB="0" anchor="b"/>
+                </a:tc>
+                <a:tc>
+                  <a:txBody>
+                    <a:bodyPr/>
+                    <a:lstStyle/>
+                    <a:p>
+                      <a:pPr algn="ctr" fontAlgn="b"/>
+                      <a:r>
+                        <a:rPr lang="is-IS" sz="1200" u="none" strike="noStrike">
+                          <a:effectLst/>
+                          <a:latin typeface="Calibri" charset="0"/>
+                          <a:ea typeface="Calibri" charset="0"/>
+                          <a:cs typeface="Calibri" charset="0"/>
+                        </a:rPr>
+                        <a:t>5506</a:t>
+                      </a:r>
+                      <a:endParaRPr lang="is-IS" sz="1200" b="0" i="0" u="none" strike="noStrike">
+                        <a:solidFill>
+                          <a:srgbClr val="000000"/>
+                        </a:solidFill>
+                        <a:effectLst/>
+                        <a:latin typeface="Calibri" charset="0"/>
+                        <a:ea typeface="Calibri" charset="0"/>
+                        <a:cs typeface="Calibri" charset="0"/>
+                      </a:endParaRPr>
+                    </a:p>
+                  </a:txBody>
+                  <a:tcPr marL="12700" marR="12700" marT="12700" marB="0" anchor="b"/>
+                </a:tc>
+                <a:tc>
+                  <a:txBody>
+                    <a:bodyPr/>
+                    <a:lstStyle/>
+                    <a:p>
+                      <a:pPr algn="ctr" fontAlgn="b"/>
+                      <a:r>
+                        <a:rPr lang="cs-CZ" sz="1200" u="none" strike="noStrike">
+                          <a:effectLst/>
+                          <a:latin typeface="Calibri" charset="0"/>
+                          <a:ea typeface="Calibri" charset="0"/>
+                          <a:cs typeface="Calibri" charset="0"/>
+                        </a:rPr>
+                        <a:t>29760</a:t>
+                      </a:r>
+                      <a:endParaRPr lang="cs-CZ" sz="1200" b="0" i="0" u="none" strike="noStrike">
+                        <a:solidFill>
+                          <a:srgbClr val="000000"/>
+                        </a:solidFill>
+                        <a:effectLst/>
+                        <a:latin typeface="Calibri" charset="0"/>
+                        <a:ea typeface="Calibri" charset="0"/>
+                        <a:cs typeface="Calibri" charset="0"/>
+                      </a:endParaRPr>
+                    </a:p>
+                  </a:txBody>
+                  <a:tcPr marL="12700" marR="12700" marT="12700" marB="0" anchor="b"/>
+                </a:tc>
+                <a:tc rowSpan="2">
+                  <a:txBody>
+                    <a:bodyPr/>
+                    <a:lstStyle/>
+                    <a:p>
+                      <a:pPr algn="ctr" fontAlgn="b"/>
+                      <a:endParaRPr lang="zh-CN" altLang="en-US" sz="1200" b="0" i="0" u="none" strike="noStrike" dirty="0">
+                        <a:solidFill>
+                          <a:srgbClr val="000000"/>
+                        </a:solidFill>
+                        <a:effectLst/>
+                        <a:latin typeface="Calibri" charset="0"/>
+                        <a:ea typeface="Calibri" charset="0"/>
+                        <a:cs typeface="Calibri" charset="0"/>
+                      </a:endParaRPr>
+                    </a:p>
+                  </a:txBody>
+                  <a:tcPr marL="12700" marR="12700" marT="12700" marB="0" anchor="b"/>
+                </a:tc>
+              </a:tr>
+              <a:tr h="203200">
+                <a:tc vMerge="1">
+                  <a:txBody>
+                    <a:bodyPr/>
+                    <a:lstStyle/>
+                    <a:p>
+                      <a:pPr algn="ctr" fontAlgn="b"/>
+                      <a:endParaRPr lang="zh-CN" altLang="en-US" sz="1200" b="0" i="0" u="none" strike="noStrike">
+                        <a:solidFill>
+                          <a:srgbClr val="000000"/>
+                        </a:solidFill>
+                        <a:effectLst/>
+                        <a:latin typeface="Calibri" charset="0"/>
+                        <a:ea typeface="Calibri" charset="0"/>
+                        <a:cs typeface="Calibri" charset="0"/>
+                      </a:endParaRPr>
+                    </a:p>
+                  </a:txBody>
+                  <a:tcPr marL="12700" marR="12700" marT="12700" marB="0" anchor="b"/>
+                </a:tc>
+                <a:tc>
+                  <a:txBody>
+                    <a:bodyPr/>
+                    <a:lstStyle/>
+                    <a:p>
+                      <a:pPr algn="ctr" fontAlgn="b"/>
+                      <a:r>
+                        <a:rPr lang="en-US" sz="1200" u="none" strike="noStrike">
+                          <a:effectLst/>
+                          <a:latin typeface="Calibri" charset="0"/>
+                          <a:ea typeface="Calibri" charset="0"/>
+                          <a:cs typeface="Calibri" charset="0"/>
+                        </a:rPr>
+                        <a:t>Precision</a:t>
+                      </a:r>
+                      <a:endParaRPr lang="en-US" sz="1200" b="0" i="0" u="none" strike="noStrike">
+                        <a:solidFill>
+                          <a:srgbClr val="000000"/>
+                        </a:solidFill>
+                        <a:effectLst/>
+                        <a:latin typeface="Calibri" charset="0"/>
+                        <a:ea typeface="Calibri" charset="0"/>
+                        <a:cs typeface="Calibri" charset="0"/>
+                      </a:endParaRPr>
+                    </a:p>
+                  </a:txBody>
+                  <a:tcPr marL="12700" marR="12700" marT="12700" marB="0" anchor="b"/>
+                </a:tc>
+                <a:tc>
+                  <a:txBody>
+                    <a:bodyPr/>
+                    <a:lstStyle/>
+                    <a:p>
+                      <a:pPr algn="ctr" fontAlgn="b"/>
+                      <a:r>
+                        <a:rPr lang="mr-IN" sz="1200" u="none" strike="noStrike">
+                          <a:effectLst/>
+                          <a:latin typeface="Calibri" charset="0"/>
+                          <a:ea typeface="Calibri" charset="0"/>
+                          <a:cs typeface="Calibri" charset="0"/>
+                        </a:rPr>
+                        <a:t>92.29%</a:t>
+                      </a:r>
+                      <a:endParaRPr lang="mr-IN" sz="1200" b="0" i="0" u="none" strike="noStrike">
+                        <a:solidFill>
+                          <a:srgbClr val="000000"/>
+                        </a:solidFill>
+                        <a:effectLst/>
+                        <a:latin typeface="Calibri" charset="0"/>
+                        <a:ea typeface="Calibri" charset="0"/>
+                        <a:cs typeface="Calibri" charset="0"/>
+                      </a:endParaRPr>
+                    </a:p>
+                  </a:txBody>
+                  <a:tcPr marL="12700" marR="12700" marT="12700" marB="0" anchor="b"/>
+                </a:tc>
+                <a:tc>
+                  <a:txBody>
+                    <a:bodyPr/>
+                    <a:lstStyle/>
+                    <a:p>
+                      <a:pPr algn="ctr" fontAlgn="b"/>
+                      <a:r>
+                        <a:rPr lang="mr-IN" sz="1200" u="none" strike="noStrike">
+                          <a:effectLst/>
+                          <a:latin typeface="Calibri" charset="0"/>
+                          <a:ea typeface="Calibri" charset="0"/>
+                          <a:cs typeface="Calibri" charset="0"/>
+                        </a:rPr>
+                        <a:t>93.21%</a:t>
+                      </a:r>
+                      <a:endParaRPr lang="mr-IN" sz="1200" b="0" i="0" u="none" strike="noStrike">
+                        <a:solidFill>
+                          <a:srgbClr val="000000"/>
+                        </a:solidFill>
+                        <a:effectLst/>
+                        <a:latin typeface="Calibri" charset="0"/>
+                        <a:ea typeface="Calibri" charset="0"/>
+                        <a:cs typeface="Calibri" charset="0"/>
+                      </a:endParaRPr>
+                    </a:p>
+                  </a:txBody>
+                  <a:tcPr marL="12700" marR="12700" marT="12700" marB="0" anchor="b"/>
+                </a:tc>
+                <a:tc>
+                  <a:txBody>
+                    <a:bodyPr/>
+                    <a:lstStyle/>
+                    <a:p>
+                      <a:pPr algn="ctr" fontAlgn="b"/>
+                      <a:r>
+                        <a:rPr lang="mr-IN" sz="1200" u="none" strike="noStrike">
+                          <a:effectLst/>
+                          <a:latin typeface="Calibri" charset="0"/>
+                          <a:ea typeface="Calibri" charset="0"/>
+                          <a:cs typeface="Calibri" charset="0"/>
+                        </a:rPr>
+                        <a:t>96.43%</a:t>
+                      </a:r>
+                      <a:endParaRPr lang="mr-IN" sz="1200" b="0" i="0" u="none" strike="noStrike">
+                        <a:solidFill>
+                          <a:srgbClr val="000000"/>
+                        </a:solidFill>
+                        <a:effectLst/>
+                        <a:latin typeface="Calibri" charset="0"/>
+                        <a:ea typeface="Calibri" charset="0"/>
+                        <a:cs typeface="Calibri" charset="0"/>
+                      </a:endParaRPr>
+                    </a:p>
+                  </a:txBody>
+                  <a:tcPr marL="12700" marR="12700" marT="12700" marB="0" anchor="b"/>
+                </a:tc>
+                <a:tc>
+                  <a:txBody>
+                    <a:bodyPr/>
+                    <a:lstStyle/>
+                    <a:p>
+                      <a:pPr algn="ctr" fontAlgn="b"/>
+                      <a:r>
+                        <a:rPr lang="mr-IN" sz="1200" u="none" strike="noStrike">
+                          <a:effectLst/>
+                          <a:latin typeface="Calibri" charset="0"/>
+                          <a:ea typeface="Calibri" charset="0"/>
+                          <a:cs typeface="Calibri" charset="0"/>
+                        </a:rPr>
+                        <a:t>93.35%</a:t>
+                      </a:r>
+                      <a:endParaRPr lang="mr-IN" sz="1200" b="0" i="0" u="none" strike="noStrike">
+                        <a:solidFill>
+                          <a:srgbClr val="000000"/>
+                        </a:solidFill>
+                        <a:effectLst/>
+                        <a:latin typeface="Calibri" charset="0"/>
+                        <a:ea typeface="Calibri" charset="0"/>
+                        <a:cs typeface="Calibri" charset="0"/>
+                      </a:endParaRPr>
+                    </a:p>
+                  </a:txBody>
+                  <a:tcPr marL="12700" marR="12700" marT="12700" marB="0" anchor="b"/>
+                </a:tc>
+                <a:tc>
+                  <a:txBody>
+                    <a:bodyPr/>
+                    <a:lstStyle/>
+                    <a:p>
+                      <a:pPr algn="ctr" fontAlgn="b"/>
+                      <a:endParaRPr lang="zh-CN" altLang="en-US" sz="1200" b="0" i="0" u="none" strike="noStrike" dirty="0">
+                        <a:solidFill>
+                          <a:srgbClr val="000000"/>
+                        </a:solidFill>
+                        <a:effectLst/>
+                        <a:latin typeface="Calibri" charset="0"/>
+                        <a:ea typeface="Calibri" charset="0"/>
+                        <a:cs typeface="Calibri" charset="0"/>
+                      </a:endParaRPr>
+                    </a:p>
+                  </a:txBody>
+                  <a:tcPr marL="12700" marR="12700" marT="12700" marB="0" anchor="b">
+                    <a:lnR w="12700" cmpd="sng">
+                      <a:noFill/>
+                    </a:lnR>
+                  </a:tcPr>
+                </a:tc>
+                <a:tc vMerge="1">
+                  <a:txBody>
+                    <a:bodyPr/>
+                    <a:lstStyle/>
+                    <a:p>
+                      <a:pPr algn="ctr" fontAlgn="b"/>
+                      <a:endParaRPr lang="zh-CN" altLang="en-US" sz="1200" b="0" i="0" u="none" strike="noStrike" dirty="0">
+                        <a:solidFill>
+                          <a:srgbClr val="000000"/>
+                        </a:solidFill>
+                        <a:effectLst/>
+                        <a:latin typeface="Calibri" charset="0"/>
+                        <a:ea typeface="Calibri" charset="0"/>
+                        <a:cs typeface="Calibri" charset="0"/>
+                      </a:endParaRPr>
+                    </a:p>
+                  </a:txBody>
+                  <a:tcPr marL="12700" marR="12700" marT="12700" marB="0" anchor="b"/>
+                </a:tc>
+              </a:tr>
+            </a:tbl>
+          </a:graphicData>
+        </a:graphic>
+      </p:graphicFrame>
+      <p:graphicFrame>
+        <p:nvGraphicFramePr>
+          <p:cNvPr id="5" name="表格 4"/>
+          <p:cNvGraphicFramePr>
+            <a:graphicFrameLocks noGrp="1"/>
+          </p:cNvGraphicFramePr>
+          <p:nvPr>
+            <p:extLst>
+              <p:ext uri="{D42A27DB-BD31-4B8C-83A1-F6EECF244321}">
+                <p14:modId xmlns:p14="http://schemas.microsoft.com/office/powerpoint/2010/main" val="378828065"/>
+              </p:ext>
+            </p:extLst>
+          </p:nvPr>
+        </p:nvGraphicFramePr>
+        <p:xfrm>
+          <a:off x="2736850" y="4359967"/>
+          <a:ext cx="8547103" cy="1625600"/>
+        </p:xfrm>
+        <a:graphic>
+          <a:graphicData uri="http://schemas.openxmlformats.org/drawingml/2006/table">
+            <a:tbl>
+              <a:tblPr>
+                <a:tableStyleId>{5940675A-B579-460E-94D1-54222C63F5DA}</a:tableStyleId>
+              </a:tblPr>
+              <a:tblGrid>
+                <a:gridCol w="826220"/>
+                <a:gridCol w="826220"/>
+                <a:gridCol w="826220"/>
+                <a:gridCol w="826220"/>
+                <a:gridCol w="826220"/>
+                <a:gridCol w="826220"/>
+                <a:gridCol w="940181"/>
+                <a:gridCol w="826220"/>
+                <a:gridCol w="997162"/>
+                <a:gridCol w="826220"/>
+              </a:tblGrid>
+              <a:tr h="203200">
+                <a:tc rowSpan="2" gridSpan="2">
+                  <a:txBody>
+                    <a:bodyPr/>
+                    <a:lstStyle/>
+                    <a:p>
+                      <a:pPr algn="ctr" fontAlgn="b"/>
+                      <a:endParaRPr lang="zh-CN" altLang="en-US" sz="1200" b="0" i="0" u="none" strike="noStrike" dirty="0">
+                        <a:solidFill>
+                          <a:srgbClr val="000000"/>
+                        </a:solidFill>
+                        <a:effectLst/>
+                        <a:latin typeface="Calibri" charset="0"/>
+                        <a:ea typeface="Calibri" charset="0"/>
+                        <a:cs typeface="Calibri" charset="0"/>
+                      </a:endParaRPr>
+                    </a:p>
+                  </a:txBody>
+                  <a:tcPr marL="12700" marR="12700" marT="12700" marB="0" anchor="b"/>
+                </a:tc>
+                <a:tc rowSpan="2" hMerge="1">
+                  <a:txBody>
+                    <a:bodyPr/>
+                    <a:lstStyle/>
+                    <a:p>
+                      <a:pPr algn="ctr" fontAlgn="b"/>
+                      <a:endParaRPr lang="zh-CN" altLang="en-US" sz="1200" b="0" i="0" u="none" strike="noStrike">
+                        <a:solidFill>
+                          <a:srgbClr val="000000"/>
+                        </a:solidFill>
+                        <a:effectLst/>
+                        <a:latin typeface="Calibri" charset="0"/>
+                        <a:ea typeface="Calibri" charset="0"/>
+                        <a:cs typeface="Calibri" charset="0"/>
+                      </a:endParaRPr>
+                    </a:p>
+                  </a:txBody>
+                  <a:tcPr marL="12700" marR="12700" marT="12700" marB="0" anchor="b"/>
+                </a:tc>
+                <a:tc gridSpan="4">
+                  <a:txBody>
+                    <a:bodyPr/>
+                    <a:lstStyle/>
+                    <a:p>
+                      <a:pPr algn="ctr" fontAlgn="ctr"/>
+                      <a:r>
+                        <a:rPr lang="en-US" sz="1200" u="none" strike="noStrike" dirty="0" err="1">
+                          <a:effectLst/>
+                          <a:latin typeface="Calibri" charset="0"/>
+                          <a:ea typeface="Calibri" charset="0"/>
+                          <a:cs typeface="Calibri" charset="0"/>
+                        </a:rPr>
+                        <a:t>Pred</a:t>
+                      </a:r>
+                      <a:endParaRPr lang="en-US" sz="1200" b="0" i="0" u="none" strike="noStrike" dirty="0">
+                        <a:solidFill>
+                          <a:srgbClr val="000000"/>
+                        </a:solidFill>
+                        <a:effectLst/>
+                        <a:latin typeface="Calibri" charset="0"/>
+                        <a:ea typeface="Calibri" charset="0"/>
+                        <a:cs typeface="Calibri" charset="0"/>
+                      </a:endParaRPr>
+                    </a:p>
+                  </a:txBody>
+                  <a:tcPr marL="12700" marR="12700" marT="12700" marB="0" anchor="ctr"/>
+                </a:tc>
+                <a:tc hMerge="1">
+                  <a:txBody>
+                    <a:bodyPr/>
+                    <a:lstStyle/>
+                    <a:p>
+                      <a:endParaRPr lang="zh-CN" altLang="en-US"/>
+                    </a:p>
+                  </a:txBody>
+                  <a:tcPr/>
+                </a:tc>
+                <a:tc hMerge="1">
+                  <a:txBody>
+                    <a:bodyPr/>
+                    <a:lstStyle/>
+                    <a:p>
+                      <a:endParaRPr lang="zh-CN" altLang="en-US"/>
+                    </a:p>
+                  </a:txBody>
+                  <a:tcPr/>
+                </a:tc>
+                <a:tc hMerge="1">
+                  <a:txBody>
+                    <a:bodyPr/>
+                    <a:lstStyle/>
+                    <a:p>
+                      <a:endParaRPr lang="zh-CN" altLang="en-US"/>
+                    </a:p>
+                  </a:txBody>
+                  <a:tcPr/>
+                </a:tc>
+                <a:tc gridSpan="4">
+                  <a:txBody>
+                    <a:bodyPr/>
+                    <a:lstStyle/>
+                    <a:p>
+                      <a:pPr algn="ctr" fontAlgn="b"/>
+                      <a:endParaRPr lang="zh-CN" altLang="en-US" sz="1200" b="0" i="0" u="none" strike="noStrike">
+                        <a:solidFill>
+                          <a:srgbClr val="000000"/>
+                        </a:solidFill>
+                        <a:effectLst/>
+                        <a:latin typeface="Calibri" charset="0"/>
+                        <a:ea typeface="Calibri" charset="0"/>
+                        <a:cs typeface="Calibri" charset="0"/>
+                      </a:endParaRPr>
+                    </a:p>
+                  </a:txBody>
+                  <a:tcPr marL="12700" marR="12700" marT="12700" marB="0" anchor="b"/>
+                </a:tc>
+                <a:tc hMerge="1">
+                  <a:txBody>
+                    <a:bodyPr/>
+                    <a:lstStyle/>
+                    <a:p>
+                      <a:pPr algn="ctr" fontAlgn="b"/>
+                      <a:endParaRPr lang="zh-CN" altLang="en-US" sz="1200" b="0" i="0" u="none" strike="noStrike">
+                        <a:solidFill>
+                          <a:srgbClr val="000000"/>
+                        </a:solidFill>
+                        <a:effectLst/>
+                        <a:latin typeface="Calibri" charset="0"/>
+                        <a:ea typeface="Calibri" charset="0"/>
+                        <a:cs typeface="Calibri" charset="0"/>
+                      </a:endParaRPr>
+                    </a:p>
+                  </a:txBody>
+                  <a:tcPr marL="12700" marR="12700" marT="12700" marB="0" anchor="b"/>
+                </a:tc>
+                <a:tc hMerge="1">
+                  <a:txBody>
+                    <a:bodyPr/>
+                    <a:lstStyle/>
+                    <a:p>
+                      <a:pPr algn="l" fontAlgn="b"/>
+                      <a:endParaRPr lang="zh-CN" altLang="en-US" sz="1200" b="0" i="0" u="none" strike="noStrike">
+                        <a:solidFill>
+                          <a:srgbClr val="000000"/>
+                        </a:solidFill>
+                        <a:effectLst/>
+                        <a:latin typeface="Calibri" charset="0"/>
+                        <a:ea typeface="Calibri" charset="0"/>
+                        <a:cs typeface="Calibri" charset="0"/>
+                      </a:endParaRPr>
+                    </a:p>
+                  </a:txBody>
+                  <a:tcPr marL="12700" marR="12700" marT="12700" marB="0" anchor="b"/>
+                </a:tc>
+                <a:tc hMerge="1">
+                  <a:txBody>
+                    <a:bodyPr/>
+                    <a:lstStyle/>
+                    <a:p>
+                      <a:pPr algn="l" fontAlgn="b"/>
+                      <a:endParaRPr lang="zh-CN" altLang="en-US" sz="1200" b="0" i="0" u="none" strike="noStrike">
+                        <a:solidFill>
+                          <a:srgbClr val="000000"/>
+                        </a:solidFill>
+                        <a:effectLst/>
+                        <a:latin typeface="Calibri" charset="0"/>
+                        <a:ea typeface="Calibri" charset="0"/>
+                        <a:cs typeface="Calibri" charset="0"/>
+                      </a:endParaRPr>
+                    </a:p>
+                  </a:txBody>
+                  <a:tcPr marL="12700" marR="12700" marT="12700" marB="0" anchor="b"/>
+                </a:tc>
+              </a:tr>
+              <a:tr h="203200">
+                <a:tc gridSpan="2" vMerge="1">
+                  <a:txBody>
+                    <a:bodyPr/>
+                    <a:lstStyle/>
+                    <a:p>
+                      <a:pPr algn="ctr" fontAlgn="b"/>
+                      <a:endParaRPr lang="zh-CN" altLang="en-US" sz="1200" b="0" i="0" u="none" strike="noStrike">
+                        <a:solidFill>
+                          <a:srgbClr val="000000"/>
+                        </a:solidFill>
+                        <a:effectLst/>
+                        <a:latin typeface="Calibri" charset="0"/>
+                        <a:ea typeface="Calibri" charset="0"/>
+                        <a:cs typeface="Calibri" charset="0"/>
+                      </a:endParaRPr>
+                    </a:p>
+                  </a:txBody>
+                  <a:tcPr marL="12700" marR="12700" marT="12700" marB="0" anchor="b"/>
+                </a:tc>
+                <a:tc hMerge="1" vMerge="1">
+                  <a:txBody>
+                    <a:bodyPr/>
+                    <a:lstStyle/>
+                    <a:p>
+                      <a:pPr algn="ctr" fontAlgn="b"/>
+                      <a:endParaRPr lang="zh-CN" altLang="en-US" sz="1200" b="0" i="0" u="none" strike="noStrike" dirty="0">
+                        <a:solidFill>
+                          <a:srgbClr val="000000"/>
+                        </a:solidFill>
+                        <a:effectLst/>
+                        <a:latin typeface="Calibri" charset="0"/>
+                        <a:ea typeface="Calibri" charset="0"/>
+                        <a:cs typeface="Calibri" charset="0"/>
+                      </a:endParaRPr>
+                    </a:p>
+                  </a:txBody>
+                  <a:tcPr marL="12700" marR="12700" marT="12700" marB="0" anchor="b"/>
+                </a:tc>
+                <a:tc>
+                  <a:txBody>
+                    <a:bodyPr/>
+                    <a:lstStyle/>
+                    <a:p>
+                      <a:pPr algn="ctr" fontAlgn="b"/>
+                      <a:r>
+                        <a:rPr lang="en-US" sz="1200" u="none" strike="noStrike">
+                          <a:effectLst/>
+                          <a:latin typeface="Calibri" charset="0"/>
+                          <a:ea typeface="Calibri" charset="0"/>
+                          <a:cs typeface="Calibri" charset="0"/>
+                        </a:rPr>
+                        <a:t>others</a:t>
+                      </a:r>
+                      <a:endParaRPr lang="en-US" sz="1200" b="0" i="0" u="none" strike="noStrike">
+                        <a:solidFill>
+                          <a:srgbClr val="000000"/>
+                        </a:solidFill>
+                        <a:effectLst/>
+                        <a:latin typeface="Calibri" charset="0"/>
+                        <a:ea typeface="Calibri" charset="0"/>
+                        <a:cs typeface="Calibri" charset="0"/>
+                      </a:endParaRPr>
+                    </a:p>
+                  </a:txBody>
+                  <a:tcPr marL="12700" marR="12700" marT="12700" marB="0" anchor="b"/>
+                </a:tc>
+                <a:tc>
+                  <a:txBody>
+                    <a:bodyPr/>
+                    <a:lstStyle/>
+                    <a:p>
+                      <a:pPr algn="ctr" fontAlgn="b"/>
+                      <a:r>
+                        <a:rPr lang="en-US" sz="1200" u="none" strike="noStrike">
+                          <a:effectLst/>
+                          <a:latin typeface="Calibri" charset="0"/>
+                          <a:ea typeface="Calibri" charset="0"/>
+                          <a:cs typeface="Calibri" charset="0"/>
+                        </a:rPr>
+                        <a:t>happy</a:t>
+                      </a:r>
+                      <a:endParaRPr lang="en-US" sz="1200" b="0" i="0" u="none" strike="noStrike">
+                        <a:solidFill>
+                          <a:srgbClr val="000000"/>
+                        </a:solidFill>
+                        <a:effectLst/>
+                        <a:latin typeface="Calibri" charset="0"/>
+                        <a:ea typeface="Calibri" charset="0"/>
+                        <a:cs typeface="Calibri" charset="0"/>
+                      </a:endParaRPr>
+                    </a:p>
+                  </a:txBody>
+                  <a:tcPr marL="12700" marR="12700" marT="12700" marB="0" anchor="b"/>
+                </a:tc>
+                <a:tc>
+                  <a:txBody>
+                    <a:bodyPr/>
+                    <a:lstStyle/>
+                    <a:p>
+                      <a:pPr algn="ctr" fontAlgn="b"/>
+                      <a:r>
+                        <a:rPr lang="en-US" sz="1200" u="none" strike="noStrike">
+                          <a:effectLst/>
+                          <a:latin typeface="Calibri" charset="0"/>
+                          <a:ea typeface="Calibri" charset="0"/>
+                          <a:cs typeface="Calibri" charset="0"/>
+                        </a:rPr>
+                        <a:t>sad</a:t>
+                      </a:r>
+                      <a:endParaRPr lang="en-US" sz="1200" b="0" i="0" u="none" strike="noStrike">
+                        <a:solidFill>
+                          <a:srgbClr val="000000"/>
+                        </a:solidFill>
+                        <a:effectLst/>
+                        <a:latin typeface="Calibri" charset="0"/>
+                        <a:ea typeface="Calibri" charset="0"/>
+                        <a:cs typeface="Calibri" charset="0"/>
+                      </a:endParaRPr>
+                    </a:p>
+                  </a:txBody>
+                  <a:tcPr marL="12700" marR="12700" marT="12700" marB="0" anchor="b"/>
+                </a:tc>
+                <a:tc>
+                  <a:txBody>
+                    <a:bodyPr/>
+                    <a:lstStyle/>
+                    <a:p>
+                      <a:pPr algn="ctr" fontAlgn="b"/>
+                      <a:r>
+                        <a:rPr lang="en-US" sz="1200" u="none" strike="noStrike">
+                          <a:effectLst/>
+                          <a:latin typeface="Calibri" charset="0"/>
+                          <a:ea typeface="Calibri" charset="0"/>
+                          <a:cs typeface="Calibri" charset="0"/>
+                        </a:rPr>
+                        <a:t>angry</a:t>
+                      </a:r>
+                      <a:endParaRPr lang="en-US" sz="1200" b="0" i="0" u="none" strike="noStrike">
+                        <a:solidFill>
+                          <a:srgbClr val="000000"/>
+                        </a:solidFill>
+                        <a:effectLst/>
+                        <a:latin typeface="Calibri" charset="0"/>
+                        <a:ea typeface="Calibri" charset="0"/>
+                        <a:cs typeface="Calibri" charset="0"/>
+                      </a:endParaRPr>
+                    </a:p>
+                  </a:txBody>
+                  <a:tcPr marL="12700" marR="12700" marT="12700" marB="0" anchor="b"/>
+                </a:tc>
+                <a:tc>
+                  <a:txBody>
+                    <a:bodyPr/>
+                    <a:lstStyle/>
+                    <a:p>
+                      <a:pPr algn="ctr" fontAlgn="b"/>
+                      <a:r>
+                        <a:rPr lang="en-US" sz="1200" u="none" strike="noStrike">
+                          <a:effectLst/>
+                          <a:latin typeface="Calibri" charset="0"/>
+                          <a:ea typeface="Calibri" charset="0"/>
+                          <a:cs typeface="Calibri" charset="0"/>
+                        </a:rPr>
+                        <a:t># of samples</a:t>
+                      </a:r>
+                      <a:endParaRPr lang="en-US" sz="1200" b="0" i="0" u="none" strike="noStrike">
+                        <a:solidFill>
+                          <a:srgbClr val="000000"/>
+                        </a:solidFill>
+                        <a:effectLst/>
+                        <a:latin typeface="Calibri" charset="0"/>
+                        <a:ea typeface="Calibri" charset="0"/>
+                        <a:cs typeface="Calibri" charset="0"/>
+                      </a:endParaRPr>
+                    </a:p>
+                  </a:txBody>
+                  <a:tcPr marL="12700" marR="12700" marT="12700" marB="0" anchor="b"/>
+                </a:tc>
+                <a:tc>
+                  <a:txBody>
+                    <a:bodyPr/>
+                    <a:lstStyle/>
+                    <a:p>
+                      <a:pPr algn="ctr" fontAlgn="b"/>
+                      <a:r>
+                        <a:rPr lang="en-US" sz="1200" u="none" strike="noStrike" dirty="0">
+                          <a:effectLst/>
+                          <a:latin typeface="Calibri" charset="0"/>
+                          <a:ea typeface="Calibri" charset="0"/>
+                          <a:cs typeface="Calibri" charset="0"/>
+                        </a:rPr>
+                        <a:t>(percent)</a:t>
+                      </a:r>
+                      <a:endParaRPr lang="en-US" sz="1200" b="0" i="0" u="none" strike="noStrike" dirty="0">
+                        <a:solidFill>
+                          <a:srgbClr val="000000"/>
+                        </a:solidFill>
+                        <a:effectLst/>
+                        <a:latin typeface="Calibri" charset="0"/>
+                        <a:ea typeface="Calibri" charset="0"/>
+                        <a:cs typeface="Calibri" charset="0"/>
+                      </a:endParaRPr>
+                    </a:p>
+                  </a:txBody>
+                  <a:tcPr marL="12700" marR="12700" marT="12700" marB="0" anchor="b"/>
+                </a:tc>
+                <a:tc>
+                  <a:txBody>
+                    <a:bodyPr/>
+                    <a:lstStyle/>
+                    <a:p>
+                      <a:pPr algn="ctr" fontAlgn="b"/>
+                      <a:r>
+                        <a:rPr lang="en-US" sz="1200" u="none" strike="noStrike">
+                          <a:effectLst/>
+                          <a:latin typeface="Calibri" charset="0"/>
+                          <a:ea typeface="Calibri" charset="0"/>
+                          <a:cs typeface="Calibri" charset="0"/>
+                        </a:rPr>
+                        <a:t>has_to_others</a:t>
+                      </a:r>
+                      <a:endParaRPr lang="en-US" sz="1200" b="0" i="0" u="none" strike="noStrike">
+                        <a:solidFill>
+                          <a:srgbClr val="000000"/>
+                        </a:solidFill>
+                        <a:effectLst/>
+                        <a:latin typeface="Calibri" charset="0"/>
+                        <a:ea typeface="Calibri" charset="0"/>
+                        <a:cs typeface="Calibri" charset="0"/>
+                      </a:endParaRPr>
+                    </a:p>
+                  </a:txBody>
+                  <a:tcPr marL="12700" marR="12700" marT="12700" marB="0" anchor="b"/>
+                </a:tc>
+                <a:tc>
+                  <a:txBody>
+                    <a:bodyPr/>
+                    <a:lstStyle/>
+                    <a:p>
+                      <a:pPr algn="ctr" fontAlgn="b"/>
+                      <a:r>
+                        <a:rPr lang="en-US" sz="1200" u="none" strike="noStrike">
+                          <a:effectLst/>
+                          <a:latin typeface="Calibri" charset="0"/>
+                          <a:ea typeface="Calibri" charset="0"/>
+                          <a:cs typeface="Calibri" charset="0"/>
+                        </a:rPr>
+                        <a:t>Recall</a:t>
+                      </a:r>
+                      <a:endParaRPr lang="en-US" sz="1200" b="0" i="0" u="none" strike="noStrike">
+                        <a:solidFill>
+                          <a:srgbClr val="000000"/>
+                        </a:solidFill>
+                        <a:effectLst/>
+                        <a:latin typeface="Calibri" charset="0"/>
+                        <a:ea typeface="Calibri" charset="0"/>
+                        <a:cs typeface="Calibri" charset="0"/>
+                      </a:endParaRPr>
+                    </a:p>
+                  </a:txBody>
+                  <a:tcPr marL="12700" marR="12700" marT="12700" marB="0" anchor="b"/>
+                </a:tc>
+              </a:tr>
+              <a:tr h="203200">
+                <a:tc rowSpan="4">
+                  <a:txBody>
+                    <a:bodyPr/>
+                    <a:lstStyle/>
+                    <a:p>
+                      <a:pPr algn="ctr" fontAlgn="ctr"/>
+                      <a:r>
+                        <a:rPr lang="en-US" sz="1200" u="none" strike="noStrike">
+                          <a:effectLst/>
+                          <a:latin typeface="Calibri" charset="0"/>
+                          <a:ea typeface="Calibri" charset="0"/>
+                          <a:cs typeface="Calibri" charset="0"/>
+                        </a:rPr>
+                        <a:t>Gold</a:t>
+                      </a:r>
+                      <a:endParaRPr lang="en-US" sz="1200" b="0" i="0" u="none" strike="noStrike">
+                        <a:solidFill>
+                          <a:srgbClr val="000000"/>
+                        </a:solidFill>
+                        <a:effectLst/>
+                        <a:latin typeface="Calibri" charset="0"/>
+                        <a:ea typeface="Calibri" charset="0"/>
+                        <a:cs typeface="Calibri" charset="0"/>
+                      </a:endParaRPr>
+                    </a:p>
+                  </a:txBody>
+                  <a:tcPr marL="12700" marR="12700" marT="12700" marB="0" anchor="ctr"/>
+                </a:tc>
+                <a:tc>
+                  <a:txBody>
+                    <a:bodyPr/>
+                    <a:lstStyle/>
+                    <a:p>
+                      <a:pPr algn="ctr" fontAlgn="b"/>
+                      <a:r>
+                        <a:rPr lang="en-US" sz="1200" u="none" strike="noStrike">
+                          <a:effectLst/>
+                          <a:latin typeface="Calibri" charset="0"/>
+                          <a:ea typeface="Calibri" charset="0"/>
+                          <a:cs typeface="Calibri" charset="0"/>
+                        </a:rPr>
+                        <a:t>others</a:t>
+                      </a:r>
+                      <a:endParaRPr lang="en-US" sz="1200" b="0" i="0" u="none" strike="noStrike">
+                        <a:solidFill>
+                          <a:srgbClr val="000000"/>
+                        </a:solidFill>
+                        <a:effectLst/>
+                        <a:latin typeface="Calibri" charset="0"/>
+                        <a:ea typeface="Calibri" charset="0"/>
+                        <a:cs typeface="Calibri" charset="0"/>
+                      </a:endParaRPr>
+                    </a:p>
+                  </a:txBody>
+                  <a:tcPr marL="12700" marR="12700" marT="12700" marB="0" anchor="b"/>
+                </a:tc>
+                <a:tc>
+                  <a:txBody>
+                    <a:bodyPr/>
+                    <a:lstStyle/>
+                    <a:p>
+                      <a:pPr algn="ctr" fontAlgn="b"/>
+                      <a:r>
+                        <a:rPr lang="is-IS" sz="1200" u="none" strike="noStrike">
+                          <a:effectLst/>
+                          <a:latin typeface="Calibri" charset="0"/>
+                          <a:ea typeface="Calibri" charset="0"/>
+                          <a:cs typeface="Calibri" charset="0"/>
+                        </a:rPr>
+                        <a:t>2055</a:t>
+                      </a:r>
+                      <a:endParaRPr lang="is-IS" sz="1200" b="0" i="0" u="none" strike="noStrike">
+                        <a:solidFill>
+                          <a:srgbClr val="000000"/>
+                        </a:solidFill>
+                        <a:effectLst/>
+                        <a:latin typeface="Calibri" charset="0"/>
+                        <a:ea typeface="Calibri" charset="0"/>
+                        <a:cs typeface="Calibri" charset="0"/>
+                      </a:endParaRPr>
+                    </a:p>
+                  </a:txBody>
+                  <a:tcPr marL="12700" marR="12700" marT="12700" marB="0" anchor="b"/>
+                </a:tc>
+                <a:tc>
+                  <a:txBody>
+                    <a:bodyPr/>
+                    <a:lstStyle/>
+                    <a:p>
+                      <a:pPr algn="ctr" fontAlgn="b"/>
+                      <a:r>
+                        <a:rPr lang="is-IS" sz="1200" u="none" strike="noStrike">
+                          <a:effectLst/>
+                          <a:latin typeface="Calibri" charset="0"/>
+                          <a:ea typeface="Calibri" charset="0"/>
+                          <a:cs typeface="Calibri" charset="0"/>
+                        </a:rPr>
+                        <a:t>32</a:t>
+                      </a:r>
+                      <a:endParaRPr lang="is-IS" sz="1200" b="0" i="0" u="none" strike="noStrike">
+                        <a:solidFill>
+                          <a:srgbClr val="000000"/>
+                        </a:solidFill>
+                        <a:effectLst/>
+                        <a:latin typeface="Calibri" charset="0"/>
+                        <a:ea typeface="Calibri" charset="0"/>
+                        <a:cs typeface="Calibri" charset="0"/>
+                      </a:endParaRPr>
+                    </a:p>
+                  </a:txBody>
+                  <a:tcPr marL="12700" marR="12700" marT="12700" marB="0" anchor="b"/>
+                </a:tc>
+                <a:tc>
+                  <a:txBody>
+                    <a:bodyPr/>
+                    <a:lstStyle/>
+                    <a:p>
+                      <a:pPr algn="ctr" fontAlgn="b"/>
+                      <a:r>
+                        <a:rPr lang="is-IS" sz="1200" u="none" strike="noStrike" dirty="0">
+                          <a:effectLst/>
+                          <a:latin typeface="Calibri" charset="0"/>
+                          <a:ea typeface="Calibri" charset="0"/>
+                          <a:cs typeface="Calibri" charset="0"/>
+                        </a:rPr>
+                        <a:t>13</a:t>
+                      </a:r>
+                      <a:endParaRPr lang="is-IS" sz="1200" b="0" i="0" u="none" strike="noStrike" dirty="0">
+                        <a:solidFill>
+                          <a:srgbClr val="000000"/>
+                        </a:solidFill>
+                        <a:effectLst/>
+                        <a:latin typeface="Calibri" charset="0"/>
+                        <a:ea typeface="Calibri" charset="0"/>
+                        <a:cs typeface="Calibri" charset="0"/>
+                      </a:endParaRPr>
+                    </a:p>
+                  </a:txBody>
+                  <a:tcPr marL="12700" marR="12700" marT="12700" marB="0" anchor="b"/>
+                </a:tc>
+                <a:tc>
+                  <a:txBody>
+                    <a:bodyPr/>
+                    <a:lstStyle/>
+                    <a:p>
+                      <a:pPr algn="ctr" fontAlgn="b"/>
+                      <a:r>
+                        <a:rPr lang="en-US" altLang="zh-CN" sz="1200" u="none" strike="noStrike">
+                          <a:effectLst/>
+                          <a:latin typeface="Calibri" charset="0"/>
+                          <a:ea typeface="Calibri" charset="0"/>
+                          <a:cs typeface="Calibri" charset="0"/>
+                        </a:rPr>
+                        <a:t>7</a:t>
+                      </a:r>
+                      <a:endParaRPr lang="en-US" altLang="zh-CN" sz="1200" b="0" i="0" u="none" strike="noStrike">
+                        <a:solidFill>
+                          <a:srgbClr val="000000"/>
+                        </a:solidFill>
+                        <a:effectLst/>
+                        <a:latin typeface="Calibri" charset="0"/>
+                        <a:ea typeface="Calibri" charset="0"/>
+                        <a:cs typeface="Calibri" charset="0"/>
+                      </a:endParaRPr>
+                    </a:p>
+                  </a:txBody>
+                  <a:tcPr marL="12700" marR="12700" marT="12700" marB="0" anchor="b"/>
+                </a:tc>
+                <a:tc>
+                  <a:txBody>
+                    <a:bodyPr/>
+                    <a:lstStyle/>
+                    <a:p>
+                      <a:pPr algn="ctr" fontAlgn="b"/>
+                      <a:r>
+                        <a:rPr lang="is-IS" sz="1200" u="none" strike="noStrike">
+                          <a:effectLst/>
+                          <a:latin typeface="Calibri" charset="0"/>
+                          <a:ea typeface="Calibri" charset="0"/>
+                          <a:cs typeface="Calibri" charset="0"/>
+                        </a:rPr>
+                        <a:t>2107</a:t>
+                      </a:r>
+                      <a:endParaRPr lang="is-IS" sz="1200" b="0" i="0" u="none" strike="noStrike">
+                        <a:solidFill>
+                          <a:srgbClr val="000000"/>
+                        </a:solidFill>
+                        <a:effectLst/>
+                        <a:latin typeface="Calibri" charset="0"/>
+                        <a:ea typeface="Calibri" charset="0"/>
+                        <a:cs typeface="Calibri" charset="0"/>
+                      </a:endParaRPr>
+                    </a:p>
+                  </a:txBody>
+                  <a:tcPr marL="12700" marR="12700" marT="12700" marB="0" anchor="b"/>
+                </a:tc>
+                <a:tc>
+                  <a:txBody>
+                    <a:bodyPr/>
+                    <a:lstStyle/>
+                    <a:p>
+                      <a:pPr algn="ctr" fontAlgn="b"/>
+                      <a:r>
+                        <a:rPr lang="mr-IN" sz="1200" u="none" strike="noStrike">
+                          <a:effectLst/>
+                          <a:latin typeface="Calibri" charset="0"/>
+                          <a:ea typeface="Calibri" charset="0"/>
+                          <a:cs typeface="Calibri" charset="0"/>
+                        </a:rPr>
+                        <a:t>76.48%</a:t>
+                      </a:r>
+                      <a:endParaRPr lang="mr-IN" sz="1200" b="0" i="0" u="none" strike="noStrike">
+                        <a:solidFill>
+                          <a:srgbClr val="000000"/>
+                        </a:solidFill>
+                        <a:effectLst/>
+                        <a:latin typeface="Calibri" charset="0"/>
+                        <a:ea typeface="Calibri" charset="0"/>
+                        <a:cs typeface="Calibri" charset="0"/>
+                      </a:endParaRPr>
+                    </a:p>
+                  </a:txBody>
+                  <a:tcPr marL="12700" marR="12700" marT="12700" marB="0" anchor="b"/>
+                </a:tc>
+                <a:tc>
+                  <a:txBody>
+                    <a:bodyPr/>
+                    <a:lstStyle/>
+                    <a:p>
+                      <a:pPr algn="ctr" fontAlgn="b"/>
+                      <a:r>
+                        <a:rPr lang="zh-CN" altLang="en-US" sz="1200" u="none" strike="noStrike" dirty="0">
+                          <a:effectLst/>
+                          <a:latin typeface="Calibri" charset="0"/>
+                          <a:ea typeface="Calibri" charset="0"/>
+                          <a:cs typeface="Calibri" charset="0"/>
+                        </a:rPr>
+                        <a:t>　</a:t>
+                      </a:r>
+                      <a:endParaRPr lang="zh-CN" altLang="en-US" sz="1200" b="0" i="0" u="none" strike="noStrike" dirty="0">
+                        <a:solidFill>
+                          <a:srgbClr val="000000"/>
+                        </a:solidFill>
+                        <a:effectLst/>
+                        <a:latin typeface="Calibri" charset="0"/>
+                        <a:ea typeface="Calibri" charset="0"/>
+                        <a:cs typeface="Calibri" charset="0"/>
+                      </a:endParaRPr>
+                    </a:p>
+                  </a:txBody>
+                  <a:tcPr marL="12700" marR="12700" marT="12700" marB="0" anchor="b"/>
+                </a:tc>
+                <a:tc>
+                  <a:txBody>
+                    <a:bodyPr/>
+                    <a:lstStyle/>
+                    <a:p>
+                      <a:pPr algn="ctr" fontAlgn="b"/>
+                      <a:r>
+                        <a:rPr lang="mr-IN" sz="1200" u="none" strike="noStrike">
+                          <a:effectLst/>
+                          <a:latin typeface="Calibri" charset="0"/>
+                          <a:ea typeface="Calibri" charset="0"/>
+                          <a:cs typeface="Calibri" charset="0"/>
+                        </a:rPr>
+                        <a:t>97.53%</a:t>
+                      </a:r>
+                      <a:endParaRPr lang="mr-IN" sz="1200" b="0" i="0" u="none" strike="noStrike">
+                        <a:solidFill>
+                          <a:srgbClr val="000000"/>
+                        </a:solidFill>
+                        <a:effectLst/>
+                        <a:latin typeface="Calibri" charset="0"/>
+                        <a:ea typeface="Calibri" charset="0"/>
+                        <a:cs typeface="Calibri" charset="0"/>
+                      </a:endParaRPr>
+                    </a:p>
+                  </a:txBody>
+                  <a:tcPr marL="12700" marR="12700" marT="12700" marB="0" anchor="b"/>
+                </a:tc>
+              </a:tr>
+              <a:tr h="203200">
+                <a:tc vMerge="1">
+                  <a:txBody>
+                    <a:bodyPr/>
+                    <a:lstStyle/>
+                    <a:p>
+                      <a:endParaRPr lang="zh-CN" altLang="en-US"/>
+                    </a:p>
+                  </a:txBody>
+                  <a:tcPr/>
+                </a:tc>
+                <a:tc>
+                  <a:txBody>
+                    <a:bodyPr/>
+                    <a:lstStyle/>
+                    <a:p>
+                      <a:pPr algn="ctr" fontAlgn="b"/>
+                      <a:r>
+                        <a:rPr lang="en-US" sz="1200" u="none" strike="noStrike">
+                          <a:effectLst/>
+                          <a:latin typeface="Calibri" charset="0"/>
+                          <a:ea typeface="Calibri" charset="0"/>
+                          <a:cs typeface="Calibri" charset="0"/>
+                        </a:rPr>
+                        <a:t>happy</a:t>
+                      </a:r>
+                      <a:endParaRPr lang="en-US" sz="1200" b="0" i="0" u="none" strike="noStrike">
+                        <a:solidFill>
+                          <a:srgbClr val="000000"/>
+                        </a:solidFill>
+                        <a:effectLst/>
+                        <a:latin typeface="Calibri" charset="0"/>
+                        <a:ea typeface="Calibri" charset="0"/>
+                        <a:cs typeface="Calibri" charset="0"/>
+                      </a:endParaRPr>
+                    </a:p>
+                  </a:txBody>
+                  <a:tcPr marL="12700" marR="12700" marT="12700" marB="0" anchor="b"/>
+                </a:tc>
+                <a:tc>
+                  <a:txBody>
+                    <a:bodyPr/>
+                    <a:lstStyle/>
+                    <a:p>
+                      <a:pPr algn="ctr" fontAlgn="b"/>
+                      <a:r>
+                        <a:rPr lang="en-US" altLang="zh-CN" sz="1200" u="none" strike="noStrike" dirty="0">
+                          <a:effectLst/>
+                          <a:latin typeface="Calibri" charset="0"/>
+                          <a:ea typeface="Calibri" charset="0"/>
+                          <a:cs typeface="Calibri" charset="0"/>
+                        </a:rPr>
+                        <a:t>75</a:t>
+                      </a:r>
+                      <a:endParaRPr lang="en-US" altLang="zh-CN" sz="1200" b="0" i="0" u="none" strike="noStrike" dirty="0">
+                        <a:solidFill>
+                          <a:srgbClr val="000000"/>
+                        </a:solidFill>
+                        <a:effectLst/>
+                        <a:latin typeface="Calibri" charset="0"/>
+                        <a:ea typeface="Calibri" charset="0"/>
+                        <a:cs typeface="Calibri" charset="0"/>
+                      </a:endParaRPr>
+                    </a:p>
+                  </a:txBody>
+                  <a:tcPr marL="12700" marR="12700" marT="12700" marB="0" anchor="b"/>
+                </a:tc>
+                <a:tc>
+                  <a:txBody>
+                    <a:bodyPr/>
+                    <a:lstStyle/>
+                    <a:p>
+                      <a:pPr algn="ctr" fontAlgn="b"/>
+                      <a:r>
+                        <a:rPr lang="is-IS" sz="1200" u="none" strike="noStrike" dirty="0">
+                          <a:effectLst/>
+                          <a:latin typeface="Calibri" charset="0"/>
+                          <a:ea typeface="Calibri" charset="0"/>
+                          <a:cs typeface="Calibri" charset="0"/>
+                        </a:rPr>
+                        <a:t>108</a:t>
+                      </a:r>
+                      <a:endParaRPr lang="is-IS" sz="1200" b="0" i="0" u="none" strike="noStrike" dirty="0">
+                        <a:solidFill>
+                          <a:srgbClr val="000000"/>
+                        </a:solidFill>
+                        <a:effectLst/>
+                        <a:latin typeface="Calibri" charset="0"/>
+                        <a:ea typeface="Calibri" charset="0"/>
+                        <a:cs typeface="Calibri" charset="0"/>
+                      </a:endParaRPr>
+                    </a:p>
+                  </a:txBody>
+                  <a:tcPr marL="12700" marR="12700" marT="12700" marB="0" anchor="b"/>
+                </a:tc>
+                <a:tc>
+                  <a:txBody>
+                    <a:bodyPr/>
+                    <a:lstStyle/>
+                    <a:p>
+                      <a:pPr algn="ctr" fontAlgn="b"/>
+                      <a:r>
+                        <a:rPr lang="is-IS" sz="1200" u="none" strike="noStrike" dirty="0">
+                          <a:effectLst/>
+                          <a:latin typeface="Calibri" charset="0"/>
+                          <a:ea typeface="Calibri" charset="0"/>
+                          <a:cs typeface="Calibri" charset="0"/>
+                        </a:rPr>
+                        <a:t>2</a:t>
+                      </a:r>
+                      <a:endParaRPr lang="is-IS" sz="1200" b="0" i="0" u="none" strike="noStrike" dirty="0">
+                        <a:solidFill>
+                          <a:srgbClr val="000000"/>
+                        </a:solidFill>
+                        <a:effectLst/>
+                        <a:latin typeface="Calibri" charset="0"/>
+                        <a:ea typeface="Calibri" charset="0"/>
+                        <a:cs typeface="Calibri" charset="0"/>
+                      </a:endParaRPr>
+                    </a:p>
+                  </a:txBody>
+                  <a:tcPr marL="12700" marR="12700" marT="12700" marB="0" anchor="b"/>
+                </a:tc>
+                <a:tc>
+                  <a:txBody>
+                    <a:bodyPr/>
+                    <a:lstStyle/>
+                    <a:p>
+                      <a:pPr algn="ctr" fontAlgn="b"/>
+                      <a:r>
+                        <a:rPr lang="en-US" altLang="zh-CN" sz="1200" u="none" strike="noStrike">
+                          <a:effectLst/>
+                          <a:latin typeface="Calibri" charset="0"/>
+                          <a:ea typeface="Calibri" charset="0"/>
+                          <a:cs typeface="Calibri" charset="0"/>
+                        </a:rPr>
+                        <a:t>0</a:t>
+                      </a:r>
+                      <a:endParaRPr lang="en-US" altLang="zh-CN" sz="1200" b="0" i="0" u="none" strike="noStrike">
+                        <a:solidFill>
+                          <a:srgbClr val="000000"/>
+                        </a:solidFill>
+                        <a:effectLst/>
+                        <a:latin typeface="Calibri" charset="0"/>
+                        <a:ea typeface="Calibri" charset="0"/>
+                        <a:cs typeface="Calibri" charset="0"/>
+                      </a:endParaRPr>
+                    </a:p>
+                  </a:txBody>
+                  <a:tcPr marL="12700" marR="12700" marT="12700" marB="0" anchor="b"/>
+                </a:tc>
+                <a:tc>
+                  <a:txBody>
+                    <a:bodyPr/>
+                    <a:lstStyle/>
+                    <a:p>
+                      <a:pPr algn="ctr" fontAlgn="b"/>
+                      <a:r>
+                        <a:rPr lang="fi-FI" sz="1200" u="none" strike="noStrike" dirty="0">
+                          <a:effectLst/>
+                          <a:latin typeface="Calibri" charset="0"/>
+                          <a:ea typeface="Calibri" charset="0"/>
+                          <a:cs typeface="Calibri" charset="0"/>
+                        </a:rPr>
+                        <a:t>185</a:t>
+                      </a:r>
+                      <a:endParaRPr lang="fi-FI" sz="1200" b="0" i="0" u="none" strike="noStrike" dirty="0">
+                        <a:solidFill>
+                          <a:srgbClr val="000000"/>
+                        </a:solidFill>
+                        <a:effectLst/>
+                        <a:latin typeface="Calibri" charset="0"/>
+                        <a:ea typeface="Calibri" charset="0"/>
+                        <a:cs typeface="Calibri" charset="0"/>
+                      </a:endParaRPr>
+                    </a:p>
+                  </a:txBody>
+                  <a:tcPr marL="12700" marR="12700" marT="12700" marB="0" anchor="b"/>
+                </a:tc>
+                <a:tc>
+                  <a:txBody>
+                    <a:bodyPr/>
+                    <a:lstStyle/>
+                    <a:p>
+                      <a:pPr algn="ctr" fontAlgn="b"/>
+                      <a:r>
+                        <a:rPr lang="mr-IN" sz="1200" u="none" strike="noStrike" dirty="0">
+                          <a:effectLst/>
+                          <a:latin typeface="Calibri" charset="0"/>
+                          <a:ea typeface="Calibri" charset="0"/>
+                          <a:cs typeface="Calibri" charset="0"/>
+                        </a:rPr>
+                        <a:t>6.72%</a:t>
+                      </a:r>
+                      <a:endParaRPr lang="mr-IN" sz="1200" b="0" i="0" u="none" strike="noStrike" dirty="0">
+                        <a:solidFill>
+                          <a:srgbClr val="000000"/>
+                        </a:solidFill>
+                        <a:effectLst/>
+                        <a:latin typeface="Calibri" charset="0"/>
+                        <a:ea typeface="Calibri" charset="0"/>
+                        <a:cs typeface="Calibri" charset="0"/>
+                      </a:endParaRPr>
+                    </a:p>
+                  </a:txBody>
+                  <a:tcPr marL="12700" marR="12700" marT="12700" marB="0" anchor="b"/>
+                </a:tc>
+                <a:tc>
+                  <a:txBody>
+                    <a:bodyPr/>
+                    <a:lstStyle/>
+                    <a:p>
+                      <a:pPr algn="ctr" fontAlgn="b"/>
+                      <a:r>
+                        <a:rPr lang="mr-IN" sz="1200" u="none" strike="noStrike">
+                          <a:effectLst/>
+                          <a:latin typeface="Calibri" charset="0"/>
+                          <a:ea typeface="Calibri" charset="0"/>
+                          <a:cs typeface="Calibri" charset="0"/>
+                        </a:rPr>
+                        <a:t>40.54%</a:t>
+                      </a:r>
+                      <a:endParaRPr lang="mr-IN" sz="1200" b="0" i="0" u="none" strike="noStrike">
+                        <a:solidFill>
+                          <a:srgbClr val="000000"/>
+                        </a:solidFill>
+                        <a:effectLst/>
+                        <a:latin typeface="Calibri" charset="0"/>
+                        <a:ea typeface="Calibri" charset="0"/>
+                        <a:cs typeface="Calibri" charset="0"/>
+                      </a:endParaRPr>
+                    </a:p>
+                  </a:txBody>
+                  <a:tcPr marL="12700" marR="12700" marT="12700" marB="0" anchor="b"/>
+                </a:tc>
+                <a:tc>
+                  <a:txBody>
+                    <a:bodyPr/>
+                    <a:lstStyle/>
+                    <a:p>
+                      <a:pPr algn="ctr" fontAlgn="b"/>
+                      <a:r>
+                        <a:rPr lang="mr-IN" sz="1200" u="none" strike="noStrike">
+                          <a:effectLst/>
+                          <a:latin typeface="Calibri" charset="0"/>
+                          <a:ea typeface="Calibri" charset="0"/>
+                          <a:cs typeface="Calibri" charset="0"/>
+                        </a:rPr>
+                        <a:t>58.38%</a:t>
+                      </a:r>
+                      <a:endParaRPr lang="mr-IN" sz="1200" b="0" i="0" u="none" strike="noStrike">
+                        <a:solidFill>
+                          <a:srgbClr val="000000"/>
+                        </a:solidFill>
+                        <a:effectLst/>
+                        <a:latin typeface="Calibri" charset="0"/>
+                        <a:ea typeface="Calibri" charset="0"/>
+                        <a:cs typeface="Calibri" charset="0"/>
+                      </a:endParaRPr>
+                    </a:p>
+                  </a:txBody>
+                  <a:tcPr marL="12700" marR="12700" marT="12700" marB="0" anchor="b"/>
+                </a:tc>
+              </a:tr>
+              <a:tr h="203200">
+                <a:tc vMerge="1">
+                  <a:txBody>
+                    <a:bodyPr/>
+                    <a:lstStyle/>
+                    <a:p>
+                      <a:endParaRPr lang="zh-CN" altLang="en-US"/>
+                    </a:p>
+                  </a:txBody>
+                  <a:tcPr/>
+                </a:tc>
+                <a:tc>
+                  <a:txBody>
+                    <a:bodyPr/>
+                    <a:lstStyle/>
+                    <a:p>
+                      <a:pPr algn="ctr" fontAlgn="b"/>
+                      <a:r>
+                        <a:rPr lang="en-US" sz="1200" u="none" strike="noStrike">
+                          <a:effectLst/>
+                          <a:latin typeface="Calibri" charset="0"/>
+                          <a:ea typeface="Calibri" charset="0"/>
+                          <a:cs typeface="Calibri" charset="0"/>
+                        </a:rPr>
+                        <a:t>sad</a:t>
+                      </a:r>
+                      <a:endParaRPr lang="en-US" sz="1200" b="0" i="0" u="none" strike="noStrike">
+                        <a:solidFill>
+                          <a:srgbClr val="000000"/>
+                        </a:solidFill>
+                        <a:effectLst/>
+                        <a:latin typeface="Calibri" charset="0"/>
+                        <a:ea typeface="Calibri" charset="0"/>
+                        <a:cs typeface="Calibri" charset="0"/>
+                      </a:endParaRPr>
+                    </a:p>
+                  </a:txBody>
+                  <a:tcPr marL="12700" marR="12700" marT="12700" marB="0" anchor="b"/>
+                </a:tc>
+                <a:tc>
+                  <a:txBody>
+                    <a:bodyPr/>
+                    <a:lstStyle/>
+                    <a:p>
+                      <a:pPr algn="ctr" fontAlgn="b"/>
+                      <a:r>
+                        <a:rPr lang="en-US" altLang="zh-CN" sz="1200" u="none" strike="noStrike">
+                          <a:effectLst/>
+                          <a:latin typeface="Calibri" charset="0"/>
+                          <a:ea typeface="Calibri" charset="0"/>
+                          <a:cs typeface="Calibri" charset="0"/>
+                        </a:rPr>
+                        <a:t>65</a:t>
+                      </a:r>
+                      <a:endParaRPr lang="en-US" altLang="zh-CN" sz="1200" b="0" i="0" u="none" strike="noStrike">
+                        <a:solidFill>
+                          <a:srgbClr val="000000"/>
+                        </a:solidFill>
+                        <a:effectLst/>
+                        <a:latin typeface="Calibri" charset="0"/>
+                        <a:ea typeface="Calibri" charset="0"/>
+                        <a:cs typeface="Calibri" charset="0"/>
+                      </a:endParaRPr>
+                    </a:p>
+                  </a:txBody>
+                  <a:tcPr marL="12700" marR="12700" marT="12700" marB="0" anchor="b"/>
+                </a:tc>
+                <a:tc>
+                  <a:txBody>
+                    <a:bodyPr/>
+                    <a:lstStyle/>
+                    <a:p>
+                      <a:pPr algn="ctr" fontAlgn="b"/>
+                      <a:r>
+                        <a:rPr lang="en-US" altLang="zh-CN" sz="1200" u="none" strike="noStrike">
+                          <a:effectLst/>
+                          <a:latin typeface="Calibri" charset="0"/>
+                          <a:ea typeface="Calibri" charset="0"/>
+                          <a:cs typeface="Calibri" charset="0"/>
+                        </a:rPr>
+                        <a:t>1</a:t>
+                      </a:r>
+                      <a:endParaRPr lang="en-US" altLang="zh-CN" sz="1200" b="0" i="0" u="none" strike="noStrike">
+                        <a:solidFill>
+                          <a:srgbClr val="000000"/>
+                        </a:solidFill>
+                        <a:effectLst/>
+                        <a:latin typeface="Calibri" charset="0"/>
+                        <a:ea typeface="Calibri" charset="0"/>
+                        <a:cs typeface="Calibri" charset="0"/>
+                      </a:endParaRPr>
+                    </a:p>
+                  </a:txBody>
+                  <a:tcPr marL="12700" marR="12700" marT="12700" marB="0" anchor="b"/>
+                </a:tc>
+                <a:tc>
+                  <a:txBody>
+                    <a:bodyPr/>
+                    <a:lstStyle/>
+                    <a:p>
+                      <a:pPr algn="ctr" fontAlgn="b"/>
+                      <a:r>
+                        <a:rPr lang="is-IS" sz="1200" u="none" strike="noStrike" dirty="0">
+                          <a:effectLst/>
+                          <a:latin typeface="Calibri" charset="0"/>
+                          <a:ea typeface="Calibri" charset="0"/>
+                          <a:cs typeface="Calibri" charset="0"/>
+                        </a:rPr>
+                        <a:t>104</a:t>
+                      </a:r>
+                      <a:endParaRPr lang="is-IS" sz="1200" b="0" i="0" u="none" strike="noStrike" dirty="0">
+                        <a:solidFill>
+                          <a:srgbClr val="000000"/>
+                        </a:solidFill>
+                        <a:effectLst/>
+                        <a:latin typeface="Calibri" charset="0"/>
+                        <a:ea typeface="Calibri" charset="0"/>
+                        <a:cs typeface="Calibri" charset="0"/>
+                      </a:endParaRPr>
+                    </a:p>
+                  </a:txBody>
+                  <a:tcPr marL="12700" marR="12700" marT="12700" marB="0" anchor="b"/>
+                </a:tc>
+                <a:tc>
+                  <a:txBody>
+                    <a:bodyPr/>
+                    <a:lstStyle/>
+                    <a:p>
+                      <a:pPr algn="ctr" fontAlgn="b"/>
+                      <a:r>
+                        <a:rPr lang="en-US" altLang="zh-CN" sz="1200" u="none" strike="noStrike" dirty="0">
+                          <a:effectLst/>
+                          <a:latin typeface="Calibri" charset="0"/>
+                          <a:ea typeface="Calibri" charset="0"/>
+                          <a:cs typeface="Calibri" charset="0"/>
+                        </a:rPr>
+                        <a:t>4</a:t>
+                      </a:r>
+                      <a:endParaRPr lang="en-US" altLang="zh-CN" sz="1200" b="0" i="0" u="none" strike="noStrike" dirty="0">
+                        <a:solidFill>
+                          <a:srgbClr val="000000"/>
+                        </a:solidFill>
+                        <a:effectLst/>
+                        <a:latin typeface="Calibri" charset="0"/>
+                        <a:ea typeface="Calibri" charset="0"/>
+                        <a:cs typeface="Calibri" charset="0"/>
+                      </a:endParaRPr>
+                    </a:p>
+                  </a:txBody>
+                  <a:tcPr marL="12700" marR="12700" marT="12700" marB="0" anchor="b"/>
+                </a:tc>
+                <a:tc>
+                  <a:txBody>
+                    <a:bodyPr/>
+                    <a:lstStyle/>
+                    <a:p>
+                      <a:pPr algn="ctr" fontAlgn="b"/>
+                      <a:r>
+                        <a:rPr lang="ru-RU" sz="1200" u="none" strike="noStrike">
+                          <a:effectLst/>
+                          <a:latin typeface="Calibri" charset="0"/>
+                          <a:ea typeface="Calibri" charset="0"/>
+                          <a:cs typeface="Calibri" charset="0"/>
+                        </a:rPr>
+                        <a:t>174</a:t>
+                      </a:r>
+                      <a:endParaRPr lang="ru-RU" sz="1200" b="0" i="0" u="none" strike="noStrike">
+                        <a:solidFill>
+                          <a:srgbClr val="000000"/>
+                        </a:solidFill>
+                        <a:effectLst/>
+                        <a:latin typeface="Calibri" charset="0"/>
+                        <a:ea typeface="Calibri" charset="0"/>
+                        <a:cs typeface="Calibri" charset="0"/>
+                      </a:endParaRPr>
+                    </a:p>
+                  </a:txBody>
+                  <a:tcPr marL="12700" marR="12700" marT="12700" marB="0" anchor="b"/>
+                </a:tc>
+                <a:tc>
+                  <a:txBody>
+                    <a:bodyPr/>
+                    <a:lstStyle/>
+                    <a:p>
+                      <a:pPr algn="ctr" fontAlgn="b"/>
+                      <a:r>
+                        <a:rPr lang="mr-IN" sz="1200" u="none" strike="noStrike">
+                          <a:effectLst/>
+                          <a:latin typeface="Calibri" charset="0"/>
+                          <a:ea typeface="Calibri" charset="0"/>
+                          <a:cs typeface="Calibri" charset="0"/>
+                        </a:rPr>
+                        <a:t>6.32%</a:t>
+                      </a:r>
+                      <a:endParaRPr lang="mr-IN" sz="1200" b="0" i="0" u="none" strike="noStrike">
+                        <a:solidFill>
+                          <a:srgbClr val="000000"/>
+                        </a:solidFill>
+                        <a:effectLst/>
+                        <a:latin typeface="Calibri" charset="0"/>
+                        <a:ea typeface="Calibri" charset="0"/>
+                        <a:cs typeface="Calibri" charset="0"/>
+                      </a:endParaRPr>
+                    </a:p>
+                  </a:txBody>
+                  <a:tcPr marL="12700" marR="12700" marT="12700" marB="0" anchor="b"/>
+                </a:tc>
+                <a:tc>
+                  <a:txBody>
+                    <a:bodyPr/>
+                    <a:lstStyle/>
+                    <a:p>
+                      <a:pPr algn="ctr" fontAlgn="b"/>
+                      <a:r>
+                        <a:rPr lang="mr-IN" sz="1200" u="none" strike="noStrike">
+                          <a:effectLst/>
+                          <a:latin typeface="Calibri" charset="0"/>
+                          <a:ea typeface="Calibri" charset="0"/>
+                          <a:cs typeface="Calibri" charset="0"/>
+                        </a:rPr>
+                        <a:t>37.36%</a:t>
+                      </a:r>
+                      <a:endParaRPr lang="mr-IN" sz="1200" b="0" i="0" u="none" strike="noStrike">
+                        <a:solidFill>
+                          <a:srgbClr val="000000"/>
+                        </a:solidFill>
+                        <a:effectLst/>
+                        <a:latin typeface="Calibri" charset="0"/>
+                        <a:ea typeface="Calibri" charset="0"/>
+                        <a:cs typeface="Calibri" charset="0"/>
+                      </a:endParaRPr>
+                    </a:p>
+                  </a:txBody>
+                  <a:tcPr marL="12700" marR="12700" marT="12700" marB="0" anchor="b"/>
+                </a:tc>
+                <a:tc>
+                  <a:txBody>
+                    <a:bodyPr/>
+                    <a:lstStyle/>
+                    <a:p>
+                      <a:pPr algn="ctr" fontAlgn="b"/>
+                      <a:r>
+                        <a:rPr lang="mr-IN" sz="1200" u="none" strike="noStrike" dirty="0">
+                          <a:effectLst/>
+                          <a:latin typeface="Calibri" charset="0"/>
+                          <a:ea typeface="Calibri" charset="0"/>
+                          <a:cs typeface="Calibri" charset="0"/>
+                        </a:rPr>
+                        <a:t>59.77%</a:t>
+                      </a:r>
+                      <a:endParaRPr lang="mr-IN" sz="1200" b="0" i="0" u="none" strike="noStrike" dirty="0">
+                        <a:solidFill>
+                          <a:srgbClr val="000000"/>
+                        </a:solidFill>
+                        <a:effectLst/>
+                        <a:latin typeface="Calibri" charset="0"/>
+                        <a:ea typeface="Calibri" charset="0"/>
+                        <a:cs typeface="Calibri" charset="0"/>
+                      </a:endParaRPr>
+                    </a:p>
+                  </a:txBody>
+                  <a:tcPr marL="12700" marR="12700" marT="12700" marB="0" anchor="b"/>
+                </a:tc>
+              </a:tr>
+              <a:tr h="203200">
+                <a:tc vMerge="1">
+                  <a:txBody>
+                    <a:bodyPr/>
+                    <a:lstStyle/>
+                    <a:p>
+                      <a:endParaRPr lang="zh-CN" altLang="en-US"/>
+                    </a:p>
+                  </a:txBody>
+                  <a:tcPr/>
+                </a:tc>
+                <a:tc>
+                  <a:txBody>
+                    <a:bodyPr/>
+                    <a:lstStyle/>
+                    <a:p>
+                      <a:pPr algn="ctr" fontAlgn="b"/>
+                      <a:r>
+                        <a:rPr lang="en-US" sz="1200" u="none" strike="noStrike">
+                          <a:effectLst/>
+                          <a:latin typeface="Calibri" charset="0"/>
+                          <a:ea typeface="Calibri" charset="0"/>
+                          <a:cs typeface="Calibri" charset="0"/>
+                        </a:rPr>
+                        <a:t>angry</a:t>
+                      </a:r>
+                      <a:endParaRPr lang="en-US" sz="1200" b="0" i="0" u="none" strike="noStrike">
+                        <a:solidFill>
+                          <a:srgbClr val="000000"/>
+                        </a:solidFill>
+                        <a:effectLst/>
+                        <a:latin typeface="Calibri" charset="0"/>
+                        <a:ea typeface="Calibri" charset="0"/>
+                        <a:cs typeface="Calibri" charset="0"/>
+                      </a:endParaRPr>
+                    </a:p>
+                  </a:txBody>
+                  <a:tcPr marL="12700" marR="12700" marT="12700" marB="0" anchor="b"/>
+                </a:tc>
+                <a:tc>
+                  <a:txBody>
+                    <a:bodyPr/>
+                    <a:lstStyle/>
+                    <a:p>
+                      <a:pPr algn="ctr" fontAlgn="b"/>
+                      <a:r>
+                        <a:rPr lang="is-IS" sz="1200" u="none" strike="noStrike">
+                          <a:effectLst/>
+                          <a:latin typeface="Calibri" charset="0"/>
+                          <a:ea typeface="Calibri" charset="0"/>
+                          <a:cs typeface="Calibri" charset="0"/>
+                        </a:rPr>
+                        <a:t>143</a:t>
+                      </a:r>
+                      <a:endParaRPr lang="is-IS" sz="1200" b="0" i="0" u="none" strike="noStrike">
+                        <a:solidFill>
+                          <a:srgbClr val="000000"/>
+                        </a:solidFill>
+                        <a:effectLst/>
+                        <a:latin typeface="Calibri" charset="0"/>
+                        <a:ea typeface="Calibri" charset="0"/>
+                        <a:cs typeface="Calibri" charset="0"/>
+                      </a:endParaRPr>
+                    </a:p>
+                  </a:txBody>
+                  <a:tcPr marL="12700" marR="12700" marT="12700" marB="0" anchor="b"/>
+                </a:tc>
+                <a:tc>
+                  <a:txBody>
+                    <a:bodyPr/>
+                    <a:lstStyle/>
+                    <a:p>
+                      <a:pPr algn="ctr" fontAlgn="b"/>
+                      <a:r>
+                        <a:rPr lang="en-US" altLang="zh-CN" sz="1200" u="none" strike="noStrike">
+                          <a:effectLst/>
+                          <a:latin typeface="Calibri" charset="0"/>
+                          <a:ea typeface="Calibri" charset="0"/>
+                          <a:cs typeface="Calibri" charset="0"/>
+                        </a:rPr>
+                        <a:t>1</a:t>
+                      </a:r>
+                      <a:endParaRPr lang="en-US" altLang="zh-CN" sz="1200" b="0" i="0" u="none" strike="noStrike">
+                        <a:solidFill>
+                          <a:srgbClr val="000000"/>
+                        </a:solidFill>
+                        <a:effectLst/>
+                        <a:latin typeface="Calibri" charset="0"/>
+                        <a:ea typeface="Calibri" charset="0"/>
+                        <a:cs typeface="Calibri" charset="0"/>
+                      </a:endParaRPr>
+                    </a:p>
+                  </a:txBody>
+                  <a:tcPr marL="12700" marR="12700" marT="12700" marB="0" anchor="b"/>
+                </a:tc>
+                <a:tc>
+                  <a:txBody>
+                    <a:bodyPr/>
+                    <a:lstStyle/>
+                    <a:p>
+                      <a:pPr algn="ctr" fontAlgn="b"/>
+                      <a:r>
+                        <a:rPr lang="en-US" altLang="zh-CN" sz="1200" u="none" strike="noStrike">
+                          <a:effectLst/>
+                          <a:latin typeface="Calibri" charset="0"/>
+                          <a:ea typeface="Calibri" charset="0"/>
+                          <a:cs typeface="Calibri" charset="0"/>
+                        </a:rPr>
+                        <a:t>6</a:t>
+                      </a:r>
+                      <a:endParaRPr lang="en-US" altLang="zh-CN" sz="1200" b="0" i="0" u="none" strike="noStrike">
+                        <a:solidFill>
+                          <a:srgbClr val="000000"/>
+                        </a:solidFill>
+                        <a:effectLst/>
+                        <a:latin typeface="Calibri" charset="0"/>
+                        <a:ea typeface="Calibri" charset="0"/>
+                        <a:cs typeface="Calibri" charset="0"/>
+                      </a:endParaRPr>
+                    </a:p>
+                  </a:txBody>
+                  <a:tcPr marL="12700" marR="12700" marT="12700" marB="0" anchor="b"/>
+                </a:tc>
+                <a:tc>
+                  <a:txBody>
+                    <a:bodyPr/>
+                    <a:lstStyle/>
+                    <a:p>
+                      <a:pPr algn="ctr" fontAlgn="b"/>
+                      <a:r>
+                        <a:rPr lang="uk-UA" sz="1200" u="none" strike="noStrike">
+                          <a:effectLst/>
+                          <a:latin typeface="Calibri" charset="0"/>
+                          <a:ea typeface="Calibri" charset="0"/>
+                          <a:cs typeface="Calibri" charset="0"/>
+                        </a:rPr>
+                        <a:t>139</a:t>
+                      </a:r>
+                      <a:endParaRPr lang="uk-UA" sz="1200" b="0" i="0" u="none" strike="noStrike">
+                        <a:solidFill>
+                          <a:srgbClr val="000000"/>
+                        </a:solidFill>
+                        <a:effectLst/>
+                        <a:latin typeface="Calibri" charset="0"/>
+                        <a:ea typeface="Calibri" charset="0"/>
+                        <a:cs typeface="Calibri" charset="0"/>
+                      </a:endParaRPr>
+                    </a:p>
+                  </a:txBody>
+                  <a:tcPr marL="12700" marR="12700" marT="12700" marB="0" anchor="b"/>
+                </a:tc>
+                <a:tc>
+                  <a:txBody>
+                    <a:bodyPr/>
+                    <a:lstStyle/>
+                    <a:p>
+                      <a:pPr algn="ctr" fontAlgn="b"/>
+                      <a:r>
+                        <a:rPr lang="cs-CZ" sz="1200" u="none" strike="noStrike">
+                          <a:effectLst/>
+                          <a:latin typeface="Calibri" charset="0"/>
+                          <a:ea typeface="Calibri" charset="0"/>
+                          <a:cs typeface="Calibri" charset="0"/>
+                        </a:rPr>
+                        <a:t>289</a:t>
+                      </a:r>
+                      <a:endParaRPr lang="cs-CZ" sz="1200" b="0" i="0" u="none" strike="noStrike">
+                        <a:solidFill>
+                          <a:srgbClr val="000000"/>
+                        </a:solidFill>
+                        <a:effectLst/>
+                        <a:latin typeface="Calibri" charset="0"/>
+                        <a:ea typeface="Calibri" charset="0"/>
+                        <a:cs typeface="Calibri" charset="0"/>
+                      </a:endParaRPr>
+                    </a:p>
+                  </a:txBody>
+                  <a:tcPr marL="12700" marR="12700" marT="12700" marB="0" anchor="b"/>
+                </a:tc>
+                <a:tc>
+                  <a:txBody>
+                    <a:bodyPr/>
+                    <a:lstStyle/>
+                    <a:p>
+                      <a:pPr algn="ctr" fontAlgn="b"/>
+                      <a:r>
+                        <a:rPr lang="mr-IN" sz="1200" u="none" strike="noStrike">
+                          <a:effectLst/>
+                          <a:latin typeface="Calibri" charset="0"/>
+                          <a:ea typeface="Calibri" charset="0"/>
+                          <a:cs typeface="Calibri" charset="0"/>
+                        </a:rPr>
+                        <a:t>10.49%</a:t>
+                      </a:r>
+                      <a:endParaRPr lang="mr-IN" sz="1200" b="0" i="0" u="none" strike="noStrike">
+                        <a:solidFill>
+                          <a:srgbClr val="000000"/>
+                        </a:solidFill>
+                        <a:effectLst/>
+                        <a:latin typeface="Calibri" charset="0"/>
+                        <a:ea typeface="Calibri" charset="0"/>
+                        <a:cs typeface="Calibri" charset="0"/>
+                      </a:endParaRPr>
+                    </a:p>
+                  </a:txBody>
+                  <a:tcPr marL="12700" marR="12700" marT="12700" marB="0" anchor="b"/>
+                </a:tc>
+                <a:tc>
+                  <a:txBody>
+                    <a:bodyPr/>
+                    <a:lstStyle/>
+                    <a:p>
+                      <a:pPr algn="ctr" fontAlgn="b"/>
+                      <a:r>
+                        <a:rPr lang="mr-IN" sz="1200" u="none" strike="noStrike" dirty="0">
+                          <a:effectLst/>
+                          <a:latin typeface="Calibri" charset="0"/>
+                          <a:ea typeface="Calibri" charset="0"/>
+                          <a:cs typeface="Calibri" charset="0"/>
+                        </a:rPr>
+                        <a:t>49.48%</a:t>
+                      </a:r>
+                      <a:endParaRPr lang="mr-IN" sz="1200" b="0" i="0" u="none" strike="noStrike" dirty="0">
+                        <a:solidFill>
+                          <a:srgbClr val="000000"/>
+                        </a:solidFill>
+                        <a:effectLst/>
+                        <a:latin typeface="Calibri" charset="0"/>
+                        <a:ea typeface="Calibri" charset="0"/>
+                        <a:cs typeface="Calibri" charset="0"/>
+                      </a:endParaRPr>
+                    </a:p>
+                  </a:txBody>
+                  <a:tcPr marL="12700" marR="12700" marT="12700" marB="0" anchor="b"/>
+                </a:tc>
+                <a:tc>
+                  <a:txBody>
+                    <a:bodyPr/>
+                    <a:lstStyle/>
+                    <a:p>
+                      <a:pPr algn="ctr" fontAlgn="b"/>
+                      <a:r>
+                        <a:rPr lang="mr-IN" sz="1200" u="none" strike="noStrike">
+                          <a:effectLst/>
+                          <a:latin typeface="Calibri" charset="0"/>
+                          <a:ea typeface="Calibri" charset="0"/>
+                          <a:cs typeface="Calibri" charset="0"/>
+                        </a:rPr>
+                        <a:t>48.10%</a:t>
+                      </a:r>
+                      <a:endParaRPr lang="mr-IN" sz="1200" b="0" i="0" u="none" strike="noStrike">
+                        <a:solidFill>
+                          <a:srgbClr val="000000"/>
+                        </a:solidFill>
+                        <a:effectLst/>
+                        <a:latin typeface="Calibri" charset="0"/>
+                        <a:ea typeface="Calibri" charset="0"/>
+                        <a:cs typeface="Calibri" charset="0"/>
+                      </a:endParaRPr>
+                    </a:p>
+                  </a:txBody>
+                  <a:tcPr marL="12700" marR="12700" marT="12700" marB="0" anchor="b"/>
+                </a:tc>
+              </a:tr>
+              <a:tr h="203200">
+                <a:tc rowSpan="2">
+                  <a:txBody>
+                    <a:bodyPr/>
+                    <a:lstStyle/>
+                    <a:p>
+                      <a:pPr algn="ctr" fontAlgn="b"/>
+                      <a:endParaRPr lang="zh-CN" altLang="en-US" sz="1200" b="0" i="0" u="none" strike="noStrike" dirty="0">
+                        <a:solidFill>
+                          <a:srgbClr val="000000"/>
+                        </a:solidFill>
+                        <a:effectLst/>
+                        <a:latin typeface="Calibri" charset="0"/>
+                        <a:ea typeface="Calibri" charset="0"/>
+                        <a:cs typeface="Calibri" charset="0"/>
+                      </a:endParaRPr>
+                    </a:p>
+                  </a:txBody>
+                  <a:tcPr marL="12700" marR="12700" marT="12700" marB="0" anchor="b">
+                    <a:lnR w="12700" cmpd="sng">
+                      <a:noFill/>
+                    </a:lnR>
+                  </a:tcPr>
+                </a:tc>
+                <a:tc>
+                  <a:txBody>
+                    <a:bodyPr/>
+                    <a:lstStyle/>
+                    <a:p>
+                      <a:pPr algn="ctr" fontAlgn="b"/>
+                      <a:endParaRPr lang="zh-CN" altLang="en-US" sz="1200" b="0" i="0" u="none" strike="noStrike">
+                        <a:solidFill>
+                          <a:srgbClr val="000000"/>
+                        </a:solidFill>
+                        <a:effectLst/>
+                        <a:latin typeface="Calibri" charset="0"/>
+                        <a:ea typeface="Calibri" charset="0"/>
+                        <a:cs typeface="Calibri" charset="0"/>
+                      </a:endParaRPr>
+                    </a:p>
+                  </a:txBody>
+                  <a:tcPr marL="12700" marR="12700" marT="12700" marB="0" anchor="b">
+                    <a:lnL w="12700" cmpd="sng">
+                      <a:noFill/>
+                    </a:lnL>
+                  </a:tcPr>
+                </a:tc>
+                <a:tc>
+                  <a:txBody>
+                    <a:bodyPr/>
+                    <a:lstStyle/>
+                    <a:p>
+                      <a:pPr algn="ctr" fontAlgn="b"/>
+                      <a:r>
+                        <a:rPr lang="is-IS" sz="1200" u="none" strike="noStrike">
+                          <a:effectLst/>
+                          <a:latin typeface="Calibri" charset="0"/>
+                          <a:ea typeface="Calibri" charset="0"/>
+                          <a:cs typeface="Calibri" charset="0"/>
+                        </a:rPr>
+                        <a:t>2338</a:t>
+                      </a:r>
+                      <a:endParaRPr lang="is-IS" sz="1200" b="0" i="0" u="none" strike="noStrike">
+                        <a:solidFill>
+                          <a:srgbClr val="000000"/>
+                        </a:solidFill>
+                        <a:effectLst/>
+                        <a:latin typeface="Calibri" charset="0"/>
+                        <a:ea typeface="Calibri" charset="0"/>
+                        <a:cs typeface="Calibri" charset="0"/>
+                      </a:endParaRPr>
+                    </a:p>
+                  </a:txBody>
+                  <a:tcPr marL="12700" marR="12700" marT="12700" marB="0" anchor="b"/>
+                </a:tc>
+                <a:tc>
+                  <a:txBody>
+                    <a:bodyPr/>
+                    <a:lstStyle/>
+                    <a:p>
+                      <a:pPr algn="ctr" fontAlgn="b"/>
+                      <a:r>
+                        <a:rPr lang="is-IS" sz="1200" u="none" strike="noStrike">
+                          <a:effectLst/>
+                          <a:latin typeface="Calibri" charset="0"/>
+                          <a:ea typeface="Calibri" charset="0"/>
+                          <a:cs typeface="Calibri" charset="0"/>
+                        </a:rPr>
+                        <a:t>142</a:t>
+                      </a:r>
+                      <a:endParaRPr lang="is-IS" sz="1200" b="0" i="0" u="none" strike="noStrike">
+                        <a:solidFill>
+                          <a:srgbClr val="000000"/>
+                        </a:solidFill>
+                        <a:effectLst/>
+                        <a:latin typeface="Calibri" charset="0"/>
+                        <a:ea typeface="Calibri" charset="0"/>
+                        <a:cs typeface="Calibri" charset="0"/>
+                      </a:endParaRPr>
+                    </a:p>
+                  </a:txBody>
+                  <a:tcPr marL="12700" marR="12700" marT="12700" marB="0" anchor="b"/>
+                </a:tc>
+                <a:tc>
+                  <a:txBody>
+                    <a:bodyPr/>
+                    <a:lstStyle/>
+                    <a:p>
+                      <a:pPr algn="ctr" fontAlgn="b"/>
+                      <a:r>
+                        <a:rPr lang="is-IS" sz="1200" u="none" strike="noStrike">
+                          <a:effectLst/>
+                          <a:latin typeface="Calibri" charset="0"/>
+                          <a:ea typeface="Calibri" charset="0"/>
+                          <a:cs typeface="Calibri" charset="0"/>
+                        </a:rPr>
+                        <a:t>125</a:t>
+                      </a:r>
+                      <a:endParaRPr lang="is-IS" sz="1200" b="0" i="0" u="none" strike="noStrike">
+                        <a:solidFill>
+                          <a:srgbClr val="000000"/>
+                        </a:solidFill>
+                        <a:effectLst/>
+                        <a:latin typeface="Calibri" charset="0"/>
+                        <a:ea typeface="Calibri" charset="0"/>
+                        <a:cs typeface="Calibri" charset="0"/>
+                      </a:endParaRPr>
+                    </a:p>
+                  </a:txBody>
+                  <a:tcPr marL="12700" marR="12700" marT="12700" marB="0" anchor="b"/>
+                </a:tc>
+                <a:tc>
+                  <a:txBody>
+                    <a:bodyPr/>
+                    <a:lstStyle/>
+                    <a:p>
+                      <a:pPr algn="ctr" fontAlgn="b"/>
+                      <a:r>
+                        <a:rPr lang="en-US" altLang="zh-CN" sz="1200" u="none" strike="noStrike">
+                          <a:effectLst/>
+                          <a:latin typeface="Calibri" charset="0"/>
+                          <a:ea typeface="Calibri" charset="0"/>
+                          <a:cs typeface="Calibri" charset="0"/>
+                        </a:rPr>
+                        <a:t>150</a:t>
+                      </a:r>
+                      <a:endParaRPr lang="en-US" altLang="zh-CN" sz="1200" b="0" i="0" u="none" strike="noStrike">
+                        <a:solidFill>
+                          <a:srgbClr val="000000"/>
+                        </a:solidFill>
+                        <a:effectLst/>
+                        <a:latin typeface="Calibri" charset="0"/>
+                        <a:ea typeface="Calibri" charset="0"/>
+                        <a:cs typeface="Calibri" charset="0"/>
+                      </a:endParaRPr>
+                    </a:p>
+                  </a:txBody>
+                  <a:tcPr marL="12700" marR="12700" marT="12700" marB="0" anchor="b"/>
+                </a:tc>
+                <a:tc>
+                  <a:txBody>
+                    <a:bodyPr/>
+                    <a:lstStyle/>
+                    <a:p>
+                      <a:pPr algn="ctr" fontAlgn="b"/>
+                      <a:r>
+                        <a:rPr lang="is-IS" sz="1200" u="none" strike="noStrike">
+                          <a:effectLst/>
+                          <a:latin typeface="Calibri" charset="0"/>
+                          <a:ea typeface="Calibri" charset="0"/>
+                          <a:cs typeface="Calibri" charset="0"/>
+                        </a:rPr>
+                        <a:t>2755</a:t>
+                      </a:r>
+                      <a:endParaRPr lang="is-IS" sz="1200" b="0" i="0" u="none" strike="noStrike">
+                        <a:solidFill>
+                          <a:srgbClr val="000000"/>
+                        </a:solidFill>
+                        <a:effectLst/>
+                        <a:latin typeface="Calibri" charset="0"/>
+                        <a:ea typeface="Calibri" charset="0"/>
+                        <a:cs typeface="Calibri" charset="0"/>
+                      </a:endParaRPr>
+                    </a:p>
+                  </a:txBody>
+                  <a:tcPr marL="12700" marR="12700" marT="12700" marB="0" anchor="b"/>
+                </a:tc>
+                <a:tc rowSpan="2" gridSpan="3">
+                  <a:txBody>
+                    <a:bodyPr/>
+                    <a:lstStyle/>
+                    <a:p>
+                      <a:pPr algn="ctr" fontAlgn="b"/>
+                      <a:endParaRPr lang="zh-CN" altLang="en-US" sz="1200" b="0" i="0" u="none" strike="noStrike" dirty="0">
+                        <a:solidFill>
+                          <a:srgbClr val="000000"/>
+                        </a:solidFill>
+                        <a:effectLst/>
+                        <a:latin typeface="Calibri" charset="0"/>
+                        <a:ea typeface="Calibri" charset="0"/>
+                        <a:cs typeface="Calibri" charset="0"/>
+                      </a:endParaRPr>
+                    </a:p>
+                  </a:txBody>
+                  <a:tcPr marL="12700" marR="12700" marT="12700" marB="0" anchor="b"/>
+                </a:tc>
+                <a:tc rowSpan="2" hMerge="1">
+                  <a:txBody>
+                    <a:bodyPr/>
+                    <a:lstStyle/>
+                    <a:p>
+                      <a:pPr algn="l" fontAlgn="b"/>
+                      <a:endParaRPr lang="zh-CN" altLang="en-US" sz="1200" b="0" i="0" u="none" strike="noStrike">
+                        <a:solidFill>
+                          <a:srgbClr val="000000"/>
+                        </a:solidFill>
+                        <a:effectLst/>
+                        <a:latin typeface="Calibri" charset="0"/>
+                        <a:ea typeface="Calibri" charset="0"/>
+                        <a:cs typeface="Calibri" charset="0"/>
+                      </a:endParaRPr>
+                    </a:p>
+                  </a:txBody>
+                  <a:tcPr marL="12700" marR="12700" marT="12700" marB="0" anchor="b"/>
+                </a:tc>
+                <a:tc rowSpan="2" hMerge="1">
+                  <a:txBody>
+                    <a:bodyPr/>
+                    <a:lstStyle/>
+                    <a:p>
+                      <a:pPr algn="l" fontAlgn="b"/>
+                      <a:endParaRPr lang="zh-CN" altLang="en-US" sz="1200" b="0" i="0" u="none" strike="noStrike">
+                        <a:solidFill>
+                          <a:srgbClr val="000000"/>
+                        </a:solidFill>
+                        <a:effectLst/>
+                        <a:latin typeface="Calibri" charset="0"/>
+                        <a:ea typeface="Calibri" charset="0"/>
+                        <a:cs typeface="Calibri" charset="0"/>
+                      </a:endParaRPr>
+                    </a:p>
+                  </a:txBody>
+                  <a:tcPr marL="12700" marR="12700" marT="12700" marB="0" anchor="b"/>
+                </a:tc>
+              </a:tr>
+              <a:tr h="203200">
+                <a:tc vMerge="1">
+                  <a:txBody>
+                    <a:bodyPr/>
+                    <a:lstStyle/>
+                    <a:p>
+                      <a:pPr algn="l" fontAlgn="b"/>
+                      <a:endParaRPr lang="zh-CN" altLang="en-US" sz="1200" b="0" i="0" u="none" strike="noStrike">
+                        <a:solidFill>
+                          <a:srgbClr val="000000"/>
+                        </a:solidFill>
+                        <a:effectLst/>
+                        <a:latin typeface="Calibri" charset="0"/>
+                        <a:ea typeface="Calibri" charset="0"/>
+                        <a:cs typeface="Calibri" charset="0"/>
+                      </a:endParaRPr>
+                    </a:p>
+                  </a:txBody>
+                  <a:tcPr marL="12700" marR="12700" marT="12700" marB="0" anchor="b"/>
+                </a:tc>
+                <a:tc>
+                  <a:txBody>
+                    <a:bodyPr/>
+                    <a:lstStyle/>
+                    <a:p>
+                      <a:pPr algn="ctr" fontAlgn="b"/>
+                      <a:r>
+                        <a:rPr lang="en-US" sz="1200" u="none" strike="noStrike">
+                          <a:effectLst/>
+                          <a:latin typeface="Calibri" charset="0"/>
+                          <a:ea typeface="Calibri" charset="0"/>
+                          <a:cs typeface="Calibri" charset="0"/>
+                        </a:rPr>
+                        <a:t>Precision</a:t>
+                      </a:r>
+                      <a:endParaRPr lang="en-US" sz="1200" b="0" i="0" u="none" strike="noStrike">
+                        <a:solidFill>
+                          <a:srgbClr val="000000"/>
+                        </a:solidFill>
+                        <a:effectLst/>
+                        <a:latin typeface="Calibri" charset="0"/>
+                        <a:ea typeface="Calibri" charset="0"/>
+                        <a:cs typeface="Calibri" charset="0"/>
+                      </a:endParaRPr>
+                    </a:p>
+                  </a:txBody>
+                  <a:tcPr marL="12700" marR="12700" marT="12700" marB="0" anchor="b"/>
+                </a:tc>
+                <a:tc>
+                  <a:txBody>
+                    <a:bodyPr/>
+                    <a:lstStyle/>
+                    <a:p>
+                      <a:pPr algn="ctr" fontAlgn="b"/>
+                      <a:r>
+                        <a:rPr lang="mr-IN" sz="1200" u="none" strike="noStrike">
+                          <a:effectLst/>
+                          <a:latin typeface="Calibri" charset="0"/>
+                          <a:ea typeface="Calibri" charset="0"/>
+                          <a:cs typeface="Calibri" charset="0"/>
+                        </a:rPr>
+                        <a:t>87.90%</a:t>
+                      </a:r>
+                      <a:endParaRPr lang="mr-IN" sz="1200" b="0" i="0" u="none" strike="noStrike">
+                        <a:solidFill>
+                          <a:srgbClr val="000000"/>
+                        </a:solidFill>
+                        <a:effectLst/>
+                        <a:latin typeface="Calibri" charset="0"/>
+                        <a:ea typeface="Calibri" charset="0"/>
+                        <a:cs typeface="Calibri" charset="0"/>
+                      </a:endParaRPr>
+                    </a:p>
+                  </a:txBody>
+                  <a:tcPr marL="12700" marR="12700" marT="12700" marB="0" anchor="b"/>
+                </a:tc>
+                <a:tc>
+                  <a:txBody>
+                    <a:bodyPr/>
+                    <a:lstStyle/>
+                    <a:p>
+                      <a:pPr algn="ctr" fontAlgn="b"/>
+                      <a:r>
+                        <a:rPr lang="mr-IN" sz="1200" u="none" strike="noStrike">
+                          <a:effectLst/>
+                          <a:latin typeface="Calibri" charset="0"/>
+                          <a:ea typeface="Calibri" charset="0"/>
+                          <a:cs typeface="Calibri" charset="0"/>
+                        </a:rPr>
+                        <a:t>76.06%</a:t>
+                      </a:r>
+                      <a:endParaRPr lang="mr-IN" sz="1200" b="0" i="0" u="none" strike="noStrike">
+                        <a:solidFill>
+                          <a:srgbClr val="000000"/>
+                        </a:solidFill>
+                        <a:effectLst/>
+                        <a:latin typeface="Calibri" charset="0"/>
+                        <a:ea typeface="Calibri" charset="0"/>
+                        <a:cs typeface="Calibri" charset="0"/>
+                      </a:endParaRPr>
+                    </a:p>
+                  </a:txBody>
+                  <a:tcPr marL="12700" marR="12700" marT="12700" marB="0" anchor="b"/>
+                </a:tc>
+                <a:tc>
+                  <a:txBody>
+                    <a:bodyPr/>
+                    <a:lstStyle/>
+                    <a:p>
+                      <a:pPr algn="ctr" fontAlgn="b"/>
+                      <a:r>
+                        <a:rPr lang="mr-IN" sz="1200" u="none" strike="noStrike">
+                          <a:effectLst/>
+                          <a:latin typeface="Calibri" charset="0"/>
+                          <a:ea typeface="Calibri" charset="0"/>
+                          <a:cs typeface="Calibri" charset="0"/>
+                        </a:rPr>
+                        <a:t>83.20%</a:t>
+                      </a:r>
+                      <a:endParaRPr lang="mr-IN" sz="1200" b="0" i="0" u="none" strike="noStrike">
+                        <a:solidFill>
+                          <a:srgbClr val="000000"/>
+                        </a:solidFill>
+                        <a:effectLst/>
+                        <a:latin typeface="Calibri" charset="0"/>
+                        <a:ea typeface="Calibri" charset="0"/>
+                        <a:cs typeface="Calibri" charset="0"/>
+                      </a:endParaRPr>
+                    </a:p>
+                  </a:txBody>
+                  <a:tcPr marL="12700" marR="12700" marT="12700" marB="0" anchor="b"/>
+                </a:tc>
+                <a:tc>
+                  <a:txBody>
+                    <a:bodyPr/>
+                    <a:lstStyle/>
+                    <a:p>
+                      <a:pPr algn="ctr" fontAlgn="b"/>
+                      <a:r>
+                        <a:rPr lang="mr-IN" sz="1200" u="none" strike="noStrike">
+                          <a:effectLst/>
+                          <a:latin typeface="Calibri" charset="0"/>
+                          <a:ea typeface="Calibri" charset="0"/>
+                          <a:cs typeface="Calibri" charset="0"/>
+                        </a:rPr>
+                        <a:t>92.67%</a:t>
+                      </a:r>
+                      <a:endParaRPr lang="mr-IN" sz="1200" b="0" i="0" u="none" strike="noStrike">
+                        <a:solidFill>
+                          <a:srgbClr val="000000"/>
+                        </a:solidFill>
+                        <a:effectLst/>
+                        <a:latin typeface="Calibri" charset="0"/>
+                        <a:ea typeface="Calibri" charset="0"/>
+                        <a:cs typeface="Calibri" charset="0"/>
+                      </a:endParaRPr>
+                    </a:p>
+                  </a:txBody>
+                  <a:tcPr marL="12700" marR="12700" marT="12700" marB="0" anchor="b"/>
+                </a:tc>
+                <a:tc>
+                  <a:txBody>
+                    <a:bodyPr/>
+                    <a:lstStyle/>
+                    <a:p>
+                      <a:pPr algn="ctr" fontAlgn="b"/>
+                      <a:endParaRPr lang="zh-CN" altLang="en-US" sz="1200" b="0" i="0" u="none" strike="noStrike" dirty="0">
+                        <a:solidFill>
+                          <a:srgbClr val="000000"/>
+                        </a:solidFill>
+                        <a:effectLst/>
+                        <a:latin typeface="Calibri" charset="0"/>
+                        <a:ea typeface="Calibri" charset="0"/>
+                        <a:cs typeface="Calibri" charset="0"/>
+                      </a:endParaRPr>
+                    </a:p>
+                  </a:txBody>
+                  <a:tcPr marL="12700" marR="12700" marT="12700" marB="0" anchor="b">
+                    <a:lnR w="12700" cmpd="sng">
+                      <a:noFill/>
+                    </a:lnR>
+                  </a:tcPr>
+                </a:tc>
+                <a:tc gridSpan="3" vMerge="1">
+                  <a:txBody>
+                    <a:bodyPr/>
+                    <a:lstStyle/>
+                    <a:p>
+                      <a:pPr algn="ctr" fontAlgn="b"/>
+                      <a:endParaRPr lang="zh-CN" altLang="en-US" sz="1200" b="0" i="0" u="none" strike="noStrike">
+                        <a:solidFill>
+                          <a:srgbClr val="000000"/>
+                        </a:solidFill>
+                        <a:effectLst/>
+                        <a:latin typeface="Calibri" charset="0"/>
+                        <a:ea typeface="Calibri" charset="0"/>
+                        <a:cs typeface="Calibri" charset="0"/>
+                      </a:endParaRPr>
+                    </a:p>
+                  </a:txBody>
+                  <a:tcPr marL="12700" marR="12700" marT="12700" marB="0" anchor="b"/>
+                </a:tc>
+                <a:tc hMerge="1" vMerge="1">
+                  <a:txBody>
+                    <a:bodyPr/>
+                    <a:lstStyle/>
+                    <a:p>
+                      <a:pPr algn="l" fontAlgn="b"/>
+                      <a:endParaRPr lang="zh-CN" altLang="en-US" sz="1200" b="0" i="0" u="none" strike="noStrike">
+                        <a:solidFill>
+                          <a:srgbClr val="000000"/>
+                        </a:solidFill>
+                        <a:effectLst/>
+                        <a:latin typeface="Calibri" charset="0"/>
+                        <a:ea typeface="Calibri" charset="0"/>
+                        <a:cs typeface="Calibri" charset="0"/>
+                      </a:endParaRPr>
+                    </a:p>
+                  </a:txBody>
+                  <a:tcPr marL="12700" marR="12700" marT="12700" marB="0" anchor="b"/>
+                </a:tc>
+                <a:tc hMerge="1" vMerge="1">
+                  <a:txBody>
+                    <a:bodyPr/>
+                    <a:lstStyle/>
+                    <a:p>
+                      <a:pPr algn="l" fontAlgn="b"/>
+                      <a:endParaRPr lang="zh-CN" altLang="en-US" sz="1200" b="0" i="0" u="none" strike="noStrike" dirty="0">
+                        <a:solidFill>
+                          <a:srgbClr val="000000"/>
+                        </a:solidFill>
+                        <a:effectLst/>
+                        <a:latin typeface="Calibri" charset="0"/>
+                        <a:ea typeface="Calibri" charset="0"/>
+                        <a:cs typeface="Calibri" charset="0"/>
+                      </a:endParaRPr>
+                    </a:p>
+                  </a:txBody>
+                  <a:tcPr marL="12700" marR="12700" marT="12700" marB="0" anchor="b"/>
+                </a:tc>
+              </a:tr>
+            </a:tbl>
+          </a:graphicData>
+        </a:graphic>
+      </p:graphicFrame>
+      <p:graphicFrame>
+        <p:nvGraphicFramePr>
+          <p:cNvPr id="6" name="表格 5"/>
+          <p:cNvGraphicFramePr>
+            <a:graphicFrameLocks noGrp="1"/>
+          </p:cNvGraphicFramePr>
+          <p:nvPr>
+            <p:extLst>
+              <p:ext uri="{D42A27DB-BD31-4B8C-83A1-F6EECF244321}">
+                <p14:modId xmlns:p14="http://schemas.microsoft.com/office/powerpoint/2010/main" val="800089655"/>
+              </p:ext>
+            </p:extLst>
+          </p:nvPr>
+        </p:nvGraphicFramePr>
+        <p:xfrm>
+          <a:off x="832236" y="2474403"/>
+          <a:ext cx="1651000" cy="1016000"/>
+        </p:xfrm>
+        <a:graphic>
+          <a:graphicData uri="http://schemas.openxmlformats.org/drawingml/2006/table">
+            <a:tbl>
+              <a:tblPr>
+                <a:tableStyleId>{5940675A-B579-460E-94D1-54222C63F5DA}</a:tableStyleId>
+              </a:tblPr>
+              <a:tblGrid>
+                <a:gridCol w="825500"/>
+                <a:gridCol w="825500"/>
+              </a:tblGrid>
+              <a:tr h="203200">
+                <a:tc gridSpan="2">
+                  <a:txBody>
+                    <a:bodyPr/>
+                    <a:lstStyle/>
+                    <a:p>
+                      <a:pPr algn="ctr" fontAlgn="b"/>
+                      <a:r>
+                        <a:rPr lang="en-US" sz="1200" u="none" strike="noStrike" dirty="0">
+                          <a:effectLst/>
+                          <a:latin typeface="Calibri" charset="0"/>
+                          <a:ea typeface="Calibri" charset="0"/>
+                          <a:cs typeface="Calibri" charset="0"/>
+                        </a:rPr>
+                        <a:t>Train</a:t>
+                      </a:r>
+                      <a:endParaRPr lang="en-US" sz="1200" b="0" i="0" u="none" strike="noStrike" dirty="0">
+                        <a:solidFill>
+                          <a:srgbClr val="000000"/>
+                        </a:solidFill>
+                        <a:effectLst/>
+                        <a:latin typeface="Calibri" charset="0"/>
+                        <a:ea typeface="Calibri" charset="0"/>
+                        <a:cs typeface="Calibri" charset="0"/>
+                      </a:endParaRPr>
+                    </a:p>
+                  </a:txBody>
+                  <a:tcPr marL="12700" marR="12700" marT="12700" marB="0" anchor="b"/>
+                </a:tc>
+                <a:tc hMerge="1">
+                  <a:txBody>
+                    <a:bodyPr/>
+                    <a:lstStyle/>
+                    <a:p>
+                      <a:pPr algn="ctr" fontAlgn="b"/>
+                      <a:endParaRPr lang="zh-CN" altLang="en-US" sz="1200" b="0" i="0" u="none" strike="noStrike" dirty="0">
+                        <a:solidFill>
+                          <a:srgbClr val="000000"/>
+                        </a:solidFill>
+                        <a:effectLst/>
+                        <a:latin typeface="Calibri" charset="0"/>
+                        <a:ea typeface="Calibri" charset="0"/>
+                        <a:cs typeface="Calibri" charset="0"/>
+                      </a:endParaRPr>
+                    </a:p>
+                  </a:txBody>
+                  <a:tcPr marL="12700" marR="12700" marT="12700" marB="0" anchor="b"/>
+                </a:tc>
+              </a:tr>
+              <a:tr h="203200">
+                <a:tc>
+                  <a:txBody>
+                    <a:bodyPr/>
+                    <a:lstStyle/>
+                    <a:p>
+                      <a:pPr algn="ctr" fontAlgn="b"/>
+                      <a:r>
+                        <a:rPr lang="en-US" sz="1200" u="none" strike="noStrike">
+                          <a:effectLst/>
+                          <a:latin typeface="Calibri" charset="0"/>
+                          <a:ea typeface="Calibri" charset="0"/>
+                          <a:cs typeface="Calibri" charset="0"/>
+                        </a:rPr>
+                        <a:t>accuracy</a:t>
+                      </a:r>
+                      <a:endParaRPr lang="en-US" sz="1200" b="0" i="0" u="none" strike="noStrike">
+                        <a:solidFill>
+                          <a:srgbClr val="000000"/>
+                        </a:solidFill>
+                        <a:effectLst/>
+                        <a:latin typeface="Calibri" charset="0"/>
+                        <a:ea typeface="Calibri" charset="0"/>
+                        <a:cs typeface="Calibri" charset="0"/>
+                      </a:endParaRPr>
+                    </a:p>
+                  </a:txBody>
+                  <a:tcPr marL="12700" marR="12700" marT="12700" marB="0" anchor="b"/>
+                </a:tc>
+                <a:tc>
+                  <a:txBody>
+                    <a:bodyPr/>
+                    <a:lstStyle/>
+                    <a:p>
+                      <a:pPr algn="ctr" fontAlgn="b"/>
+                      <a:r>
+                        <a:rPr lang="nb-NO" sz="1200" u="none" strike="noStrike">
+                          <a:effectLst/>
+                          <a:latin typeface="Calibri" charset="0"/>
+                          <a:ea typeface="Calibri" charset="0"/>
+                          <a:cs typeface="Calibri" charset="0"/>
+                        </a:rPr>
+                        <a:t>0.9214</a:t>
+                      </a:r>
+                      <a:endParaRPr lang="nb-NO" sz="1200" b="0" i="0" u="none" strike="noStrike">
+                        <a:solidFill>
+                          <a:srgbClr val="000000"/>
+                        </a:solidFill>
+                        <a:effectLst/>
+                        <a:latin typeface="Calibri" charset="0"/>
+                        <a:ea typeface="Calibri" charset="0"/>
+                        <a:cs typeface="Calibri" charset="0"/>
+                      </a:endParaRPr>
+                    </a:p>
+                  </a:txBody>
+                  <a:tcPr marL="12700" marR="12700" marT="12700" marB="0" anchor="b"/>
+                </a:tc>
+              </a:tr>
+              <a:tr h="203200">
+                <a:tc>
+                  <a:txBody>
+                    <a:bodyPr/>
+                    <a:lstStyle/>
+                    <a:p>
+                      <a:pPr algn="ctr" fontAlgn="b"/>
+                      <a:r>
+                        <a:rPr lang="en-US" sz="1200" u="none" strike="noStrike">
+                          <a:effectLst/>
+                          <a:latin typeface="Calibri" charset="0"/>
+                          <a:ea typeface="Calibri" charset="0"/>
+                          <a:cs typeface="Calibri" charset="0"/>
+                        </a:rPr>
+                        <a:t>precision</a:t>
+                      </a:r>
+                      <a:endParaRPr lang="en-US" sz="1200" b="0" i="0" u="none" strike="noStrike">
+                        <a:solidFill>
+                          <a:srgbClr val="000000"/>
+                        </a:solidFill>
+                        <a:effectLst/>
+                        <a:latin typeface="Calibri" charset="0"/>
+                        <a:ea typeface="Calibri" charset="0"/>
+                        <a:cs typeface="Calibri" charset="0"/>
+                      </a:endParaRPr>
+                    </a:p>
+                  </a:txBody>
+                  <a:tcPr marL="12700" marR="12700" marT="12700" marB="0" anchor="b"/>
+                </a:tc>
+                <a:tc>
+                  <a:txBody>
+                    <a:bodyPr/>
+                    <a:lstStyle/>
+                    <a:p>
+                      <a:pPr algn="ctr" fontAlgn="b"/>
+                      <a:r>
+                        <a:rPr lang="it-IT" sz="1200" u="none" strike="noStrike">
+                          <a:effectLst/>
+                          <a:latin typeface="Calibri" charset="0"/>
+                          <a:ea typeface="Calibri" charset="0"/>
+                          <a:cs typeface="Calibri" charset="0"/>
+                        </a:rPr>
+                        <a:t>0.9442</a:t>
+                      </a:r>
+                      <a:endParaRPr lang="it-IT" sz="1200" b="0" i="0" u="none" strike="noStrike">
+                        <a:solidFill>
+                          <a:srgbClr val="000000"/>
+                        </a:solidFill>
+                        <a:effectLst/>
+                        <a:latin typeface="Calibri" charset="0"/>
+                        <a:ea typeface="Calibri" charset="0"/>
+                        <a:cs typeface="Calibri" charset="0"/>
+                      </a:endParaRPr>
+                    </a:p>
+                  </a:txBody>
+                  <a:tcPr marL="12700" marR="12700" marT="12700" marB="0" anchor="b"/>
+                </a:tc>
+              </a:tr>
+              <a:tr h="203200">
+                <a:tc>
+                  <a:txBody>
+                    <a:bodyPr/>
+                    <a:lstStyle/>
+                    <a:p>
+                      <a:pPr algn="ctr" fontAlgn="b"/>
+                      <a:r>
+                        <a:rPr lang="en-US" sz="1200" u="none" strike="noStrike">
+                          <a:effectLst/>
+                          <a:latin typeface="Calibri" charset="0"/>
+                          <a:ea typeface="Calibri" charset="0"/>
+                          <a:cs typeface="Calibri" charset="0"/>
+                        </a:rPr>
+                        <a:t>recall</a:t>
+                      </a:r>
+                      <a:endParaRPr lang="en-US" sz="1200" b="0" i="0" u="none" strike="noStrike">
+                        <a:solidFill>
+                          <a:srgbClr val="000000"/>
+                        </a:solidFill>
+                        <a:effectLst/>
+                        <a:latin typeface="Calibri" charset="0"/>
+                        <a:ea typeface="Calibri" charset="0"/>
+                        <a:cs typeface="Calibri" charset="0"/>
+                      </a:endParaRPr>
+                    </a:p>
+                  </a:txBody>
+                  <a:tcPr marL="12700" marR="12700" marT="12700" marB="0" anchor="b"/>
+                </a:tc>
+                <a:tc>
+                  <a:txBody>
+                    <a:bodyPr/>
+                    <a:lstStyle/>
+                    <a:p>
+                      <a:pPr algn="ctr" fontAlgn="b"/>
+                      <a:r>
+                        <a:rPr lang="nb-NO" sz="1200" u="none" strike="noStrike">
+                          <a:effectLst/>
+                          <a:latin typeface="Calibri" charset="0"/>
+                          <a:ea typeface="Calibri" charset="0"/>
+                          <a:cs typeface="Calibri" charset="0"/>
+                        </a:rPr>
+                        <a:t>0.8863</a:t>
+                      </a:r>
+                      <a:endParaRPr lang="nb-NO" sz="1200" b="0" i="0" u="none" strike="noStrike">
+                        <a:solidFill>
+                          <a:srgbClr val="000000"/>
+                        </a:solidFill>
+                        <a:effectLst/>
+                        <a:latin typeface="Calibri" charset="0"/>
+                        <a:ea typeface="Calibri" charset="0"/>
+                        <a:cs typeface="Calibri" charset="0"/>
+                      </a:endParaRPr>
+                    </a:p>
+                  </a:txBody>
+                  <a:tcPr marL="12700" marR="12700" marT="12700" marB="0" anchor="b"/>
+                </a:tc>
+              </a:tr>
+              <a:tr h="203200">
+                <a:tc>
+                  <a:txBody>
+                    <a:bodyPr/>
+                    <a:lstStyle/>
+                    <a:p>
+                      <a:pPr algn="ctr" fontAlgn="b"/>
+                      <a:r>
+                        <a:rPr lang="en-US" altLang="zh-CN" sz="1200" u="none" strike="noStrike">
+                          <a:effectLst/>
+                          <a:latin typeface="Calibri" charset="0"/>
+                          <a:ea typeface="Calibri" charset="0"/>
+                          <a:cs typeface="Calibri" charset="0"/>
+                        </a:rPr>
+                        <a:t>f1</a:t>
+                      </a:r>
+                      <a:endParaRPr lang="en-US" altLang="zh-CN" sz="1200" b="0" i="0" u="none" strike="noStrike">
+                        <a:solidFill>
+                          <a:srgbClr val="000000"/>
+                        </a:solidFill>
+                        <a:effectLst/>
+                        <a:latin typeface="Calibri" charset="0"/>
+                        <a:ea typeface="Calibri" charset="0"/>
+                        <a:cs typeface="Calibri" charset="0"/>
+                      </a:endParaRPr>
+                    </a:p>
+                  </a:txBody>
+                  <a:tcPr marL="12700" marR="12700" marT="12700" marB="0" anchor="b"/>
+                </a:tc>
+                <a:tc>
+                  <a:txBody>
+                    <a:bodyPr/>
+                    <a:lstStyle/>
+                    <a:p>
+                      <a:pPr algn="ctr" fontAlgn="b"/>
+                      <a:r>
+                        <a:rPr lang="is-IS" sz="1200" u="none" strike="noStrike" dirty="0">
+                          <a:effectLst/>
+                          <a:latin typeface="Calibri" charset="0"/>
+                          <a:ea typeface="Calibri" charset="0"/>
+                          <a:cs typeface="Calibri" charset="0"/>
+                        </a:rPr>
+                        <a:t>0.9143</a:t>
+                      </a:r>
+                      <a:endParaRPr lang="is-IS" sz="1200" b="0" i="0" u="none" strike="noStrike" dirty="0">
+                        <a:solidFill>
+                          <a:srgbClr val="000000"/>
+                        </a:solidFill>
+                        <a:effectLst/>
+                        <a:latin typeface="Calibri" charset="0"/>
+                        <a:ea typeface="Calibri" charset="0"/>
+                        <a:cs typeface="Calibri" charset="0"/>
+                      </a:endParaRPr>
+                    </a:p>
+                  </a:txBody>
+                  <a:tcPr marL="12700" marR="12700" marT="12700" marB="0" anchor="b"/>
+                </a:tc>
+              </a:tr>
+            </a:tbl>
+          </a:graphicData>
+        </a:graphic>
+      </p:graphicFrame>
+      <p:graphicFrame>
+        <p:nvGraphicFramePr>
+          <p:cNvPr id="7" name="表格 6"/>
+          <p:cNvGraphicFramePr>
+            <a:graphicFrameLocks noGrp="1"/>
+          </p:cNvGraphicFramePr>
+          <p:nvPr>
+            <p:extLst>
+              <p:ext uri="{D42A27DB-BD31-4B8C-83A1-F6EECF244321}">
+                <p14:modId xmlns:p14="http://schemas.microsoft.com/office/powerpoint/2010/main" val="1711717718"/>
+              </p:ext>
+            </p:extLst>
+          </p:nvPr>
+        </p:nvGraphicFramePr>
+        <p:xfrm>
+          <a:off x="832236" y="4359967"/>
+          <a:ext cx="1651000" cy="1008380"/>
+        </p:xfrm>
+        <a:graphic>
+          <a:graphicData uri="http://schemas.openxmlformats.org/drawingml/2006/table">
+            <a:tbl>
+              <a:tblPr>
+                <a:tableStyleId>{5940675A-B579-460E-94D1-54222C63F5DA}</a:tableStyleId>
+              </a:tblPr>
+              <a:tblGrid>
+                <a:gridCol w="825500"/>
+                <a:gridCol w="825500"/>
+              </a:tblGrid>
+              <a:tr h="129209">
+                <a:tc gridSpan="2">
+                  <a:txBody>
+                    <a:bodyPr/>
+                    <a:lstStyle/>
+                    <a:p>
+                      <a:pPr algn="ctr" fontAlgn="b"/>
+                      <a:r>
+                        <a:rPr lang="en-US" sz="1200" u="none" strike="noStrike" dirty="0">
+                          <a:effectLst/>
+                        </a:rPr>
+                        <a:t>Dev</a:t>
+                      </a:r>
+                      <a:endParaRPr lang="en-US" sz="1200" b="0" i="0" u="none" strike="noStrike" dirty="0">
+                        <a:solidFill>
+                          <a:srgbClr val="000000"/>
+                        </a:solidFill>
+                        <a:effectLst/>
+                        <a:latin typeface="DengXian" charset="-122"/>
+                      </a:endParaRPr>
+                    </a:p>
+                  </a:txBody>
+                  <a:tcPr marL="12700" marR="12700" marT="12700" marB="0" anchor="b"/>
+                </a:tc>
+                <a:tc hMerge="1">
+                  <a:txBody>
+                    <a:bodyPr/>
+                    <a:lstStyle/>
+                    <a:p>
+                      <a:pPr algn="ctr" fontAlgn="b"/>
+                      <a:endParaRPr lang="zh-CN" altLang="en-US" sz="1200" b="0" i="0" u="none" strike="noStrike" dirty="0">
+                        <a:solidFill>
+                          <a:srgbClr val="000000"/>
+                        </a:solidFill>
+                        <a:effectLst/>
+                        <a:latin typeface="DengXian" charset="-122"/>
+                      </a:endParaRPr>
+                    </a:p>
+                  </a:txBody>
+                  <a:tcPr marL="12700" marR="12700" marT="12700" marB="0" anchor="b"/>
+                </a:tc>
+              </a:tr>
+              <a:tr h="203200">
+                <a:tc>
+                  <a:txBody>
+                    <a:bodyPr/>
+                    <a:lstStyle/>
+                    <a:p>
+                      <a:pPr algn="ctr" fontAlgn="b"/>
+                      <a:r>
+                        <a:rPr lang="en-US" sz="1200" u="none" strike="noStrike">
+                          <a:effectLst/>
+                        </a:rPr>
+                        <a:t>accuracy</a:t>
+                      </a:r>
+                      <a:endParaRPr lang="en-US" sz="1200" b="0" i="0" u="none" strike="noStrike">
+                        <a:solidFill>
+                          <a:srgbClr val="000000"/>
+                        </a:solidFill>
+                        <a:effectLst/>
+                        <a:latin typeface="DengXian" charset="-122"/>
+                      </a:endParaRPr>
+                    </a:p>
+                  </a:txBody>
+                  <a:tcPr marL="12700" marR="12700" marT="12700" marB="0" anchor="b"/>
+                </a:tc>
+                <a:tc>
+                  <a:txBody>
+                    <a:bodyPr/>
+                    <a:lstStyle/>
+                    <a:p>
+                      <a:pPr algn="ctr" fontAlgn="b"/>
+                      <a:r>
+                        <a:rPr lang="fi-FI" sz="1200" u="none" strike="noStrike">
+                          <a:effectLst/>
+                        </a:rPr>
+                        <a:t>0.8733</a:t>
+                      </a:r>
+                      <a:endParaRPr lang="fi-FI" sz="1200" b="0" i="0" u="none" strike="noStrike">
+                        <a:solidFill>
+                          <a:srgbClr val="000000"/>
+                        </a:solidFill>
+                        <a:effectLst/>
+                        <a:latin typeface="DengXian" charset="-122"/>
+                      </a:endParaRPr>
+                    </a:p>
+                  </a:txBody>
+                  <a:tcPr marL="12700" marR="12700" marT="12700" marB="0" anchor="b"/>
+                </a:tc>
+              </a:tr>
+              <a:tr h="203200">
+                <a:tc>
+                  <a:txBody>
+                    <a:bodyPr/>
+                    <a:lstStyle/>
+                    <a:p>
+                      <a:pPr algn="ctr" fontAlgn="b"/>
+                      <a:r>
+                        <a:rPr lang="en-US" sz="1200" u="none" strike="noStrike">
+                          <a:effectLst/>
+                        </a:rPr>
+                        <a:t>precision</a:t>
+                      </a:r>
+                      <a:endParaRPr lang="en-US" sz="1200" b="0" i="0" u="none" strike="noStrike">
+                        <a:solidFill>
+                          <a:srgbClr val="000000"/>
+                        </a:solidFill>
+                        <a:effectLst/>
+                        <a:latin typeface="DengXian" charset="-122"/>
+                      </a:endParaRPr>
+                    </a:p>
+                  </a:txBody>
+                  <a:tcPr marL="12700" marR="12700" marT="12700" marB="0" anchor="b"/>
+                </a:tc>
+                <a:tc>
+                  <a:txBody>
+                    <a:bodyPr/>
+                    <a:lstStyle/>
+                    <a:p>
+                      <a:pPr algn="ctr" fontAlgn="b"/>
+                      <a:r>
+                        <a:rPr lang="nb-NO" sz="1200" u="none" strike="noStrike">
+                          <a:effectLst/>
+                        </a:rPr>
+                        <a:t>0.8417</a:t>
+                      </a:r>
+                      <a:endParaRPr lang="nb-NO" sz="1200" b="0" i="0" u="none" strike="noStrike">
+                        <a:solidFill>
+                          <a:srgbClr val="000000"/>
+                        </a:solidFill>
+                        <a:effectLst/>
+                        <a:latin typeface="DengXian" charset="-122"/>
+                      </a:endParaRPr>
+                    </a:p>
+                  </a:txBody>
+                  <a:tcPr marL="12700" marR="12700" marT="12700" marB="0" anchor="b"/>
+                </a:tc>
+              </a:tr>
+              <a:tr h="203200">
+                <a:tc>
+                  <a:txBody>
+                    <a:bodyPr/>
+                    <a:lstStyle/>
+                    <a:p>
+                      <a:pPr algn="ctr" fontAlgn="b"/>
+                      <a:r>
+                        <a:rPr lang="en-US" sz="1200" u="none" strike="noStrike">
+                          <a:effectLst/>
+                        </a:rPr>
+                        <a:t>recall</a:t>
+                      </a:r>
+                      <a:endParaRPr lang="en-US" sz="1200" b="0" i="0" u="none" strike="noStrike">
+                        <a:solidFill>
+                          <a:srgbClr val="000000"/>
+                        </a:solidFill>
+                        <a:effectLst/>
+                        <a:latin typeface="DengXian" charset="-122"/>
+                      </a:endParaRPr>
+                    </a:p>
+                  </a:txBody>
+                  <a:tcPr marL="12700" marR="12700" marT="12700" marB="0" anchor="b"/>
+                </a:tc>
+                <a:tc>
+                  <a:txBody>
+                    <a:bodyPr/>
+                    <a:lstStyle/>
+                    <a:p>
+                      <a:pPr algn="ctr" fontAlgn="b"/>
+                      <a:r>
+                        <a:rPr lang="nb-NO" sz="1200" u="none" strike="noStrike">
+                          <a:effectLst/>
+                        </a:rPr>
+                        <a:t>0.5417</a:t>
+                      </a:r>
+                      <a:endParaRPr lang="nb-NO" sz="1200" b="0" i="0" u="none" strike="noStrike">
+                        <a:solidFill>
+                          <a:srgbClr val="000000"/>
+                        </a:solidFill>
+                        <a:effectLst/>
+                        <a:latin typeface="DengXian" charset="-122"/>
+                      </a:endParaRPr>
+                    </a:p>
+                  </a:txBody>
+                  <a:tcPr marL="12700" marR="12700" marT="12700" marB="0" anchor="b"/>
+                </a:tc>
+              </a:tr>
+              <a:tr h="203200">
+                <a:tc>
+                  <a:txBody>
+                    <a:bodyPr/>
+                    <a:lstStyle/>
+                    <a:p>
+                      <a:pPr algn="ctr" fontAlgn="b"/>
+                      <a:r>
+                        <a:rPr lang="en-US" altLang="zh-CN" sz="1200" u="none" strike="noStrike">
+                          <a:effectLst/>
+                        </a:rPr>
+                        <a:t>f1</a:t>
+                      </a:r>
+                      <a:endParaRPr lang="en-US" altLang="zh-CN" sz="1200" b="0" i="0" u="none" strike="noStrike">
+                        <a:solidFill>
+                          <a:srgbClr val="000000"/>
+                        </a:solidFill>
+                        <a:effectLst/>
+                        <a:latin typeface="DengXian" charset="-122"/>
+                      </a:endParaRPr>
+                    </a:p>
+                  </a:txBody>
+                  <a:tcPr marL="12700" marR="12700" marT="12700" marB="0" anchor="b"/>
+                </a:tc>
+                <a:tc>
+                  <a:txBody>
+                    <a:bodyPr/>
+                    <a:lstStyle/>
+                    <a:p>
+                      <a:pPr algn="ctr" fontAlgn="b"/>
+                      <a:r>
+                        <a:rPr lang="nb-NO" sz="1200" u="none" strike="noStrike" dirty="0">
+                          <a:effectLst/>
+                        </a:rPr>
+                        <a:t>0.6592</a:t>
+                      </a:r>
+                      <a:endParaRPr lang="nb-NO" sz="1200" b="0" i="0" u="none" strike="noStrike" dirty="0">
+                        <a:solidFill>
+                          <a:srgbClr val="000000"/>
+                        </a:solidFill>
+                        <a:effectLst/>
+                        <a:latin typeface="DengXian" charset="-122"/>
+                      </a:endParaRPr>
+                    </a:p>
+                  </a:txBody>
+                  <a:tcPr marL="12700" marR="12700" marT="12700" marB="0" anchor="b"/>
+                </a:tc>
+              </a:tr>
+            </a:tbl>
+          </a:graphicData>
+        </a:graphic>
+      </p:graphicFrame>
+      <p:sp>
+        <p:nvSpPr>
+          <p:cNvPr id="10" name="矩形 9"/>
+          <p:cNvSpPr/>
+          <p:nvPr/>
+        </p:nvSpPr>
+        <p:spPr>
+          <a:xfrm>
+            <a:off x="832236" y="1979728"/>
+            <a:ext cx="2234458" cy="369332"/>
+          </a:xfrm>
+          <a:prstGeom prst="rect">
+            <a:avLst/>
+          </a:prstGeom>
+        </p:spPr>
+        <p:txBody>
+          <a:bodyPr wrap="none">
+            <a:spAutoFit/>
+          </a:bodyPr>
+          <a:lstStyle/>
+          <a:p>
+            <a:r>
+              <a:rPr lang="zh-CN" altLang="en-US"/>
+              <a:t>ntua_ek_1543580873</a:t>
+            </a:r>
+          </a:p>
+        </p:txBody>
+      </p:sp>
+    </p:spTree>
+    <p:extLst>
+      <p:ext uri="{BB962C8B-B14F-4D97-AF65-F5344CB8AC3E}">
+        <p14:creationId xmlns:p14="http://schemas.microsoft.com/office/powerpoint/2010/main" val="1099346265"/>
+      </p:ext>
+    </p:extLst>
+  </p:cSld>
+  <p:clrMapOvr>
+    <a:masterClrMapping/>
+  </p:clrMapOvr>
+</p:sld>
+</file>
+
 <file path=ppt/theme/theme1.xml><?xml version="1.0" encoding="utf-8"?>
 <a:theme xmlns:a="http://schemas.openxmlformats.org/drawingml/2006/main" name="怀旧">
   <a:themeElements>
@@ -7139,4 +13421,265 @@
     </a:ext>
   </a:extLst>
 </a:theme>
+</file>
+
+<file path=ppt/theme/theme2.xml><?xml version="1.0" encoding="utf-8"?>
+<a:theme xmlns:a="http://schemas.openxmlformats.org/drawingml/2006/main" name="Office 主题">
+  <a:themeElements>
+    <a:clrScheme name="Office">
+      <a:dk1>
+        <a:sysClr val="windowText" lastClr="000000"/>
+      </a:dk1>
+      <a:lt1>
+        <a:sysClr val="window" lastClr="FFFFFF"/>
+      </a:lt1>
+      <a:dk2>
+        <a:srgbClr val="44546A"/>
+      </a:dk2>
+      <a:lt2>
+        <a:srgbClr val="E7E6E6"/>
+      </a:lt2>
+      <a:accent1>
+        <a:srgbClr val="5B9BD5"/>
+      </a:accent1>
+      <a:accent2>
+        <a:srgbClr val="ED7D31"/>
+      </a:accent2>
+      <a:accent3>
+        <a:srgbClr val="A5A5A5"/>
+      </a:accent3>
+      <a:accent4>
+        <a:srgbClr val="FFC000"/>
+      </a:accent4>
+      <a:accent5>
+        <a:srgbClr val="4472C4"/>
+      </a:accent5>
+      <a:accent6>
+        <a:srgbClr val="70AD47"/>
+      </a:accent6>
+      <a:hlink>
+        <a:srgbClr val="0563C1"/>
+      </a:hlink>
+      <a:folHlink>
+        <a:srgbClr val="954F72"/>
+      </a:folHlink>
+    </a:clrScheme>
+    <a:fontScheme name="Office">
+      <a:majorFont>
+        <a:latin typeface="DengXian Light" panose="020F0302020204030204"/>
+        <a:ea typeface=""/>
+        <a:cs typeface=""/>
+        <a:font script="Jpan" typeface="Yu Gothic Light"/>
+        <a:font script="Hang" typeface="맑은 고딕"/>
+        <a:font script="Hans" typeface="DengXian Light"/>
+        <a:font script="Hant" typeface="新細明體"/>
+        <a:font script="Arab" typeface="Times New Roman"/>
+        <a:font script="Hebr" typeface="Times New Roman"/>
+        <a:font script="Thai" typeface="Angsana New"/>
+        <a:font script="Ethi" typeface="Nyala"/>
+        <a:font script="Beng" typeface="Vrinda"/>
+        <a:font script="Gujr" typeface="Shruti"/>
+        <a:font script="Khmr" typeface="MoolBoran"/>
+        <a:font script="Knda" typeface="Tunga"/>
+        <a:font script="Guru" typeface="Raavi"/>
+        <a:font script="Cans" typeface="Euphemia"/>
+        <a:font script="Cher" typeface="Plantagenet Cherokee"/>
+        <a:font script="Yiii" typeface="Microsoft Yi Baiti"/>
+        <a:font script="Tibt" typeface="Microsoft Himalaya"/>
+        <a:font script="Thaa" typeface="MV Boli"/>
+        <a:font script="Deva" typeface="Mangal"/>
+        <a:font script="Telu" typeface="Gautami"/>
+        <a:font script="Taml" typeface="Latha"/>
+        <a:font script="Syrc" typeface="Estrangelo Edessa"/>
+        <a:font script="Orya" typeface="Kalinga"/>
+        <a:font script="Mlym" typeface="Kartika"/>
+        <a:font script="Laoo" typeface="DokChampa"/>
+        <a:font script="Sinh" typeface="Iskoola Pota"/>
+        <a:font script="Mong" typeface="Mongolian Baiti"/>
+        <a:font script="Viet" typeface="Times New Roman"/>
+        <a:font script="Uigh" typeface="Microsoft Uighur"/>
+        <a:font script="Geor" typeface="Sylfaen"/>
+      </a:majorFont>
+      <a:minorFont>
+        <a:latin typeface="DengXian" panose="020F0502020204030204"/>
+        <a:ea typeface=""/>
+        <a:cs typeface=""/>
+        <a:font script="Jpan" typeface="Yu Gothic"/>
+        <a:font script="Hang" typeface="맑은 고딕"/>
+        <a:font script="Hans" typeface="DengXian"/>
+        <a:font script="Hant" typeface="新細明體"/>
+        <a:font script="Arab" typeface="Arial"/>
+        <a:font script="Hebr" typeface="Arial"/>
+        <a:font script="Thai" typeface="Cordia New"/>
+        <a:font script="Ethi" typeface="Nyala"/>
+        <a:font script="Beng" typeface="Vrinda"/>
+        <a:font script="Gujr" typeface="Shruti"/>
+        <a:font script="Khmr" typeface="DaunPenh"/>
+        <a:font script="Knda" typeface="Tunga"/>
+        <a:font script="Guru" typeface="Raavi"/>
+        <a:font script="Cans" typeface="Euphemia"/>
+        <a:font script="Cher" typeface="Plantagenet Cherokee"/>
+        <a:font script="Yiii" typeface="Microsoft Yi Baiti"/>
+        <a:font script="Tibt" typeface="Microsoft Himalaya"/>
+        <a:font script="Thaa" typeface="MV Boli"/>
+        <a:font script="Deva" typeface="Mangal"/>
+        <a:font script="Telu" typeface="Gautami"/>
+        <a:font script="Taml" typeface="Latha"/>
+        <a:font script="Syrc" typeface="Estrangelo Edessa"/>
+        <a:font script="Orya" typeface="Kalinga"/>
+        <a:font script="Mlym" typeface="Kartika"/>
+        <a:font script="Laoo" typeface="DokChampa"/>
+        <a:font script="Sinh" typeface="Iskoola Pota"/>
+        <a:font script="Mong" typeface="Mongolian Baiti"/>
+        <a:font script="Viet" typeface="Arial"/>
+        <a:font script="Uigh" typeface="Microsoft Uighur"/>
+        <a:font script="Geor" typeface="Sylfaen"/>
+      </a:minorFont>
+    </a:fontScheme>
+    <a:fmtScheme name="Office">
+      <a:fillStyleLst>
+        <a:solidFill>
+          <a:schemeClr val="phClr"/>
+        </a:solidFill>
+        <a:gradFill rotWithShape="1">
+          <a:gsLst>
+            <a:gs pos="0">
+              <a:schemeClr val="phClr">
+                <a:lumMod val="110000"/>
+                <a:satMod val="105000"/>
+                <a:tint val="67000"/>
+              </a:schemeClr>
+            </a:gs>
+            <a:gs pos="50000">
+              <a:schemeClr val="phClr">
+                <a:lumMod val="105000"/>
+                <a:satMod val="103000"/>
+                <a:tint val="73000"/>
+              </a:schemeClr>
+            </a:gs>
+            <a:gs pos="100000">
+              <a:schemeClr val="phClr">
+                <a:lumMod val="105000"/>
+                <a:satMod val="109000"/>
+                <a:tint val="81000"/>
+              </a:schemeClr>
+            </a:gs>
+          </a:gsLst>
+          <a:lin ang="5400000" scaled="0"/>
+        </a:gradFill>
+        <a:gradFill rotWithShape="1">
+          <a:gsLst>
+            <a:gs pos="0">
+              <a:schemeClr val="phClr">
+                <a:satMod val="103000"/>
+                <a:lumMod val="102000"/>
+                <a:tint val="94000"/>
+              </a:schemeClr>
+            </a:gs>
+            <a:gs pos="50000">
+              <a:schemeClr val="phClr">
+                <a:satMod val="110000"/>
+                <a:lumMod val="100000"/>
+                <a:shade val="100000"/>
+              </a:schemeClr>
+            </a:gs>
+            <a:gs pos="100000">
+              <a:schemeClr val="phClr">
+                <a:lumMod val="99000"/>
+                <a:satMod val="120000"/>
+                <a:shade val="78000"/>
+              </a:schemeClr>
+            </a:gs>
+          </a:gsLst>
+          <a:lin ang="5400000" scaled="0"/>
+        </a:gradFill>
+      </a:fillStyleLst>
+      <a:lnStyleLst>
+        <a:ln w="6350" cap="flat" cmpd="sng" algn="ctr">
+          <a:solidFill>
+            <a:schemeClr val="phClr"/>
+          </a:solidFill>
+          <a:prstDash val="solid"/>
+          <a:miter lim="800000"/>
+        </a:ln>
+        <a:ln w="12700" cap="flat" cmpd="sng" algn="ctr">
+          <a:solidFill>
+            <a:schemeClr val="phClr"/>
+          </a:solidFill>
+          <a:prstDash val="solid"/>
+          <a:miter lim="800000"/>
+        </a:ln>
+        <a:ln w="19050" cap="flat" cmpd="sng" algn="ctr">
+          <a:solidFill>
+            <a:schemeClr val="phClr"/>
+          </a:solidFill>
+          <a:prstDash val="solid"/>
+          <a:miter lim="800000"/>
+        </a:ln>
+      </a:lnStyleLst>
+      <a:effectStyleLst>
+        <a:effectStyle>
+          <a:effectLst/>
+        </a:effectStyle>
+        <a:effectStyle>
+          <a:effectLst/>
+        </a:effectStyle>
+        <a:effectStyle>
+          <a:effectLst>
+            <a:outerShdw blurRad="57150" dist="19050" dir="5400000" algn="ctr" rotWithShape="0">
+              <a:srgbClr val="000000">
+                <a:alpha val="63000"/>
+              </a:srgbClr>
+            </a:outerShdw>
+          </a:effectLst>
+        </a:effectStyle>
+      </a:effectStyleLst>
+      <a:bgFillStyleLst>
+        <a:solidFill>
+          <a:schemeClr val="phClr"/>
+        </a:solidFill>
+        <a:solidFill>
+          <a:schemeClr val="phClr">
+            <a:tint val="95000"/>
+            <a:satMod val="170000"/>
+          </a:schemeClr>
+        </a:solidFill>
+        <a:gradFill rotWithShape="1">
+          <a:gsLst>
+            <a:gs pos="0">
+              <a:schemeClr val="phClr">
+                <a:tint val="93000"/>
+                <a:satMod val="150000"/>
+                <a:shade val="98000"/>
+                <a:lumMod val="102000"/>
+              </a:schemeClr>
+            </a:gs>
+            <a:gs pos="50000">
+              <a:schemeClr val="phClr">
+                <a:tint val="98000"/>
+                <a:satMod val="130000"/>
+                <a:shade val="90000"/>
+                <a:lumMod val="103000"/>
+              </a:schemeClr>
+            </a:gs>
+            <a:gs pos="100000">
+              <a:schemeClr val="phClr">
+                <a:shade val="63000"/>
+                <a:satMod val="120000"/>
+              </a:schemeClr>
+            </a:gs>
+          </a:gsLst>
+          <a:lin ang="5400000" scaled="0"/>
+        </a:gradFill>
+      </a:bgFillStyleLst>
+    </a:fmtScheme>
+  </a:themeElements>
+  <a:objectDefaults/>
+  <a:extraClrSchemeLst/>
+  <a:extLst>
+    <a:ext uri="{05A4C25C-085E-4340-85A3-A5531E510DB2}">
+      <thm15:themeFamily xmlns:thm15="http://schemas.microsoft.com/office/thememl/2012/main" name="Office Theme" id="{62F939B6-93AF-4DB8-9C6B-D6C7DFDC589F}" vid="{4A3C46E8-61CC-4603-A589-7422A47A8E4A}"/>
+    </a:ext>
+  </a:extLst>
+</a:theme>
 </file>
--- a/[实验报告] SemEval2019 task3.pptx
+++ b/[实验报告] SemEval2019 task3.pptx
@@ -5,7 +5,7 @@
     <p:sldMasterId id="2147483660" r:id="rId1"/>
   </p:sldMasterIdLst>
   <p:notesMasterIdLst>
-    <p:notesMasterId r:id="rId11"/>
+    <p:notesMasterId r:id="rId13"/>
   </p:notesMasterIdLst>
   <p:sldIdLst>
     <p:sldId id="256" r:id="rId2"/>
@@ -17,6 +17,8 @@
     <p:sldId id="263" r:id="rId8"/>
     <p:sldId id="264" r:id="rId9"/>
     <p:sldId id="265" r:id="rId10"/>
+    <p:sldId id="266" r:id="rId11"/>
+    <p:sldId id="267" r:id="rId12"/>
   </p:sldIdLst>
   <p:sldSz cx="12192000" cy="6858000"/>
   <p:notesSz cx="6858000" cy="9144000"/>
@@ -119,6 +121,9 @@
     <p:ext uri="{EFAFB233-063F-42B5-8137-9DF3F51BA10A}">
       <p15:sldGuideLst xmlns:p15="http://schemas.microsoft.com/office/powerpoint/2012/main"/>
     </p:ext>
+    <p:ext uri="{2D200454-40CA-4A62-9FC3-DE9A4176ACB9}">
+      <p15:notesGuideLst xmlns:p15="http://schemas.microsoft.com/office/powerpoint/2012/main"/>
+    </p:ext>
   </p:extLst>
 </p:presentation>
 </file>
@@ -205,7 +210,7 @@
           <a:p>
             <a:fld id="{5A4EA5B9-F482-5148-8232-7EAED2A2C3A5}" type="datetimeFigureOut">
               <a:rPr kumimoji="1" lang="zh-CN" altLang="en-US" smtClean="0"/>
-              <a:t>2018/12/24</a:t>
+              <a:t>2018/12/25</a:t>
             </a:fld>
             <a:endParaRPr kumimoji="1" lang="zh-CN" altLang="en-US"/>
           </a:p>
@@ -699,7 +704,7 @@
           <a:p>
             <a:fld id="{2FBDEC44-E0AE-F949-9990-0FD65C4C527A}" type="datetimeFigureOut">
               <a:rPr kumimoji="1" lang="zh-CN" altLang="en-US" smtClean="0"/>
-              <a:t>2018/12/24</a:t>
+              <a:t>2018/12/25</a:t>
             </a:fld>
             <a:endParaRPr kumimoji="1" lang="zh-CN" altLang="en-US"/>
           </a:p>
@@ -907,7 +912,7 @@
           <a:p>
             <a:fld id="{2FBDEC44-E0AE-F949-9990-0FD65C4C527A}" type="datetimeFigureOut">
               <a:rPr kumimoji="1" lang="zh-CN" altLang="en-US" smtClean="0"/>
-              <a:t>2018/12/24</a:t>
+              <a:t>2018/12/25</a:t>
             </a:fld>
             <a:endParaRPr kumimoji="1" lang="zh-CN" altLang="en-US"/>
           </a:p>
@@ -1163,7 +1168,7 @@
           <a:p>
             <a:fld id="{2FBDEC44-E0AE-F949-9990-0FD65C4C527A}" type="datetimeFigureOut">
               <a:rPr kumimoji="1" lang="zh-CN" altLang="en-US" smtClean="0"/>
-              <a:t>2018/12/24</a:t>
+              <a:t>2018/12/25</a:t>
             </a:fld>
             <a:endParaRPr kumimoji="1" lang="zh-CN" altLang="en-US"/>
           </a:p>
@@ -1337,7 +1342,7 @@
           <a:p>
             <a:fld id="{2FBDEC44-E0AE-F949-9990-0FD65C4C527A}" type="datetimeFigureOut">
               <a:rPr kumimoji="1" lang="zh-CN" altLang="en-US" smtClean="0"/>
-              <a:t>2018/12/24</a:t>
+              <a:t>2018/12/25</a:t>
             </a:fld>
             <a:endParaRPr kumimoji="1" lang="zh-CN" altLang="en-US"/>
           </a:p>
@@ -1680,7 +1685,7 @@
           <a:p>
             <a:fld id="{2FBDEC44-E0AE-F949-9990-0FD65C4C527A}" type="datetimeFigureOut">
               <a:rPr kumimoji="1" lang="zh-CN" altLang="en-US" smtClean="0"/>
-              <a:t>2018/12/24</a:t>
+              <a:t>2018/12/25</a:t>
             </a:fld>
             <a:endParaRPr kumimoji="1" lang="zh-CN" altLang="en-US"/>
           </a:p>
@@ -1955,7 +1960,7 @@
           <a:p>
             <a:fld id="{2FBDEC44-E0AE-F949-9990-0FD65C4C527A}" type="datetimeFigureOut">
               <a:rPr kumimoji="1" lang="zh-CN" altLang="en-US" smtClean="0"/>
-              <a:t>2018/12/24</a:t>
+              <a:t>2018/12/25</a:t>
             </a:fld>
             <a:endParaRPr kumimoji="1" lang="zh-CN" altLang="en-US"/>
           </a:p>
@@ -2334,7 +2339,7 @@
           <a:p>
             <a:fld id="{2FBDEC44-E0AE-F949-9990-0FD65C4C527A}" type="datetimeFigureOut">
               <a:rPr kumimoji="1" lang="zh-CN" altLang="en-US" smtClean="0"/>
-              <a:t>2018/12/24</a:t>
+              <a:t>2018/12/25</a:t>
             </a:fld>
             <a:endParaRPr kumimoji="1" lang="zh-CN" altLang="en-US"/>
           </a:p>
@@ -2452,7 +2457,7 @@
           <a:p>
             <a:fld id="{2FBDEC44-E0AE-F949-9990-0FD65C4C527A}" type="datetimeFigureOut">
               <a:rPr kumimoji="1" lang="zh-CN" altLang="en-US" smtClean="0"/>
-              <a:t>2018/12/24</a:t>
+              <a:t>2018/12/25</a:t>
             </a:fld>
             <a:endParaRPr kumimoji="1" lang="zh-CN" altLang="en-US"/>
           </a:p>
@@ -2623,7 +2628,7 @@
           <a:p>
             <a:fld id="{2FBDEC44-E0AE-F949-9990-0FD65C4C527A}" type="datetimeFigureOut">
               <a:rPr kumimoji="1" lang="zh-CN" altLang="en-US" smtClean="0"/>
-              <a:t>2018/12/24</a:t>
+              <a:t>2018/12/25</a:t>
             </a:fld>
             <a:endParaRPr kumimoji="1" lang="zh-CN" altLang="en-US"/>
           </a:p>
@@ -2977,7 +2982,7 @@
           <a:p>
             <a:fld id="{2FBDEC44-E0AE-F949-9990-0FD65C4C527A}" type="datetimeFigureOut">
               <a:rPr kumimoji="1" lang="zh-CN" altLang="en-US" smtClean="0"/>
-              <a:t>2018/12/24</a:t>
+              <a:t>2018/12/25</a:t>
             </a:fld>
             <a:endParaRPr kumimoji="1" lang="zh-CN" altLang="en-US"/>
           </a:p>
@@ -3359,7 +3364,7 @@
           <a:p>
             <a:fld id="{2FBDEC44-E0AE-F949-9990-0FD65C4C527A}" type="datetimeFigureOut">
               <a:rPr kumimoji="1" lang="zh-CN" altLang="en-US" smtClean="0"/>
-              <a:t>2018/12/24</a:t>
+              <a:t>2018/12/25</a:t>
             </a:fld>
             <a:endParaRPr kumimoji="1" lang="zh-CN" altLang="en-US"/>
           </a:p>
@@ -3646,7 +3651,7 @@
           <a:p>
             <a:fld id="{2FBDEC44-E0AE-F949-9990-0FD65C4C527A}" type="datetimeFigureOut">
               <a:rPr kumimoji="1" lang="zh-CN" altLang="en-US" smtClean="0"/>
-              <a:t>2018/12/24</a:t>
+              <a:t>2018/12/25</a:t>
             </a:fld>
             <a:endParaRPr kumimoji="1" lang="zh-CN" altLang="en-US"/>
           </a:p>
@@ -4216,6 +4221,2374 @@
     <p:extLst>
       <p:ext uri="{BB962C8B-B14F-4D97-AF65-F5344CB8AC3E}">
         <p14:creationId xmlns:p14="http://schemas.microsoft.com/office/powerpoint/2010/main" val="1794632166"/>
+      </p:ext>
+    </p:extLst>
+  </p:cSld>
+  <p:clrMapOvr>
+    <a:masterClrMapping/>
+  </p:clrMapOvr>
+  <p:timing>
+    <p:tnLst>
+      <p:par>
+        <p:cTn id="1" dur="indefinite" restart="never" nodeType="tmRoot"/>
+      </p:par>
+    </p:tnLst>
+  </p:timing>
+</p:sld>
+</file>
+
+<file path=ppt/slides/slide10.xml><?xml version="1.0" encoding="utf-8"?>
+<p:sld xmlns:a="http://schemas.openxmlformats.org/drawingml/2006/main" xmlns:r="http://schemas.openxmlformats.org/officeDocument/2006/relationships" xmlns:p="http://schemas.openxmlformats.org/presentationml/2006/main">
+  <p:cSld>
+    <p:spTree>
+      <p:nvGrpSpPr>
+        <p:cNvPr id="1" name=""/>
+        <p:cNvGrpSpPr/>
+        <p:nvPr/>
+      </p:nvGrpSpPr>
+      <p:grpSpPr>
+        <a:xfrm>
+          <a:off x="0" y="0"/>
+          <a:ext cx="0" cy="0"/>
+          <a:chOff x="0" y="0"/>
+          <a:chExt cx="0" cy="0"/>
+        </a:xfrm>
+      </p:grpSpPr>
+      <p:sp>
+        <p:nvSpPr>
+          <p:cNvPr id="2" name="标题 1"/>
+          <p:cNvSpPr>
+            <a:spLocks noGrp="1"/>
+          </p:cNvSpPr>
+          <p:nvPr>
+            <p:ph type="title"/>
+          </p:nvPr>
+        </p:nvSpPr>
+        <p:spPr/>
+        <p:txBody>
+          <a:bodyPr/>
+          <a:lstStyle/>
+          <a:p>
+            <a:endParaRPr kumimoji="1" lang="zh-CN" altLang="en-US"/>
+          </a:p>
+        </p:txBody>
+      </p:sp>
+      <p:sp>
+        <p:nvSpPr>
+          <p:cNvPr id="4" name="椭圆 3"/>
+          <p:cNvSpPr/>
+          <p:nvPr/>
+        </p:nvSpPr>
+        <p:spPr>
+          <a:xfrm>
+            <a:off x="2371729" y="5667925"/>
+            <a:ext cx="2243138" cy="329427"/>
+          </a:xfrm>
+          <a:prstGeom prst="ellipse">
+            <a:avLst/>
+          </a:prstGeom>
+        </p:spPr>
+        <p:style>
+          <a:lnRef idx="2">
+            <a:schemeClr val="accent6"/>
+          </a:lnRef>
+          <a:fillRef idx="1">
+            <a:schemeClr val="lt1"/>
+          </a:fillRef>
+          <a:effectRef idx="0">
+            <a:schemeClr val="accent6"/>
+          </a:effectRef>
+          <a:fontRef idx="minor">
+            <a:schemeClr val="dk1"/>
+          </a:fontRef>
+        </p:style>
+        <p:txBody>
+          <a:bodyPr rtlCol="0" anchor="ctr"/>
+          <a:lstStyle/>
+          <a:p>
+            <a:pPr algn="ctr"/>
+            <a:r>
+              <a:rPr kumimoji="1" lang="en-US" altLang="zh-CN" sz="1200" smtClean="0"/>
+              <a:t>Turn A1</a:t>
+            </a:r>
+          </a:p>
+        </p:txBody>
+      </p:sp>
+      <p:sp>
+        <p:nvSpPr>
+          <p:cNvPr id="5" name="椭圆 4"/>
+          <p:cNvSpPr/>
+          <p:nvPr/>
+        </p:nvSpPr>
+        <p:spPr>
+          <a:xfrm>
+            <a:off x="4875443" y="5667925"/>
+            <a:ext cx="2243138" cy="329427"/>
+          </a:xfrm>
+          <a:prstGeom prst="ellipse">
+            <a:avLst/>
+          </a:prstGeom>
+        </p:spPr>
+        <p:style>
+          <a:lnRef idx="2">
+            <a:schemeClr val="accent6"/>
+          </a:lnRef>
+          <a:fillRef idx="1">
+            <a:schemeClr val="lt1"/>
+          </a:fillRef>
+          <a:effectRef idx="0">
+            <a:schemeClr val="accent6"/>
+          </a:effectRef>
+          <a:fontRef idx="minor">
+            <a:schemeClr val="dk1"/>
+          </a:fontRef>
+        </p:style>
+        <p:txBody>
+          <a:bodyPr rtlCol="0" anchor="ctr"/>
+          <a:lstStyle/>
+          <a:p>
+            <a:pPr algn="ctr"/>
+            <a:r>
+              <a:rPr kumimoji="1" lang="en-US" altLang="zh-CN" sz="1200" dirty="0" smtClean="0"/>
+              <a:t>Turn B</a:t>
+            </a:r>
+          </a:p>
+        </p:txBody>
+      </p:sp>
+      <p:sp>
+        <p:nvSpPr>
+          <p:cNvPr id="6" name="椭圆 5"/>
+          <p:cNvSpPr/>
+          <p:nvPr/>
+        </p:nvSpPr>
+        <p:spPr>
+          <a:xfrm>
+            <a:off x="7379157" y="5667925"/>
+            <a:ext cx="2243138" cy="329427"/>
+          </a:xfrm>
+          <a:prstGeom prst="ellipse">
+            <a:avLst/>
+          </a:prstGeom>
+        </p:spPr>
+        <p:style>
+          <a:lnRef idx="2">
+            <a:schemeClr val="accent6"/>
+          </a:lnRef>
+          <a:fillRef idx="1">
+            <a:schemeClr val="lt1"/>
+          </a:fillRef>
+          <a:effectRef idx="0">
+            <a:schemeClr val="accent6"/>
+          </a:effectRef>
+          <a:fontRef idx="minor">
+            <a:schemeClr val="dk1"/>
+          </a:fontRef>
+        </p:style>
+        <p:txBody>
+          <a:bodyPr rtlCol="0" anchor="ctr"/>
+          <a:lstStyle/>
+          <a:p>
+            <a:pPr algn="ctr"/>
+            <a:r>
+              <a:rPr kumimoji="1" lang="en-US" altLang="zh-CN" sz="1200" smtClean="0"/>
+              <a:t>Turn A2</a:t>
+            </a:r>
+          </a:p>
+        </p:txBody>
+      </p:sp>
+      <p:sp>
+        <p:nvSpPr>
+          <p:cNvPr id="7" name="圆角矩形 6"/>
+          <p:cNvSpPr/>
+          <p:nvPr/>
+        </p:nvSpPr>
+        <p:spPr>
+          <a:xfrm>
+            <a:off x="2282604" y="4800617"/>
+            <a:ext cx="835479" cy="221670"/>
+          </a:xfrm>
+          <a:prstGeom prst="roundRect">
+            <a:avLst/>
+          </a:prstGeom>
+        </p:spPr>
+        <p:style>
+          <a:lnRef idx="2">
+            <a:schemeClr val="accent6"/>
+          </a:lnRef>
+          <a:fillRef idx="1">
+            <a:schemeClr val="lt1"/>
+          </a:fillRef>
+          <a:effectRef idx="0">
+            <a:schemeClr val="accent6"/>
+          </a:effectRef>
+          <a:fontRef idx="minor">
+            <a:schemeClr val="dk1"/>
+          </a:fontRef>
+        </p:style>
+        <p:txBody>
+          <a:bodyPr rtlCol="0" anchor="ctr"/>
+          <a:lstStyle/>
+          <a:p>
+            <a:pPr algn="ctr"/>
+            <a:r>
+              <a:rPr kumimoji="1" lang="en-US" altLang="zh-CN" sz="1200" smtClean="0"/>
+              <a:t>RNN</a:t>
+            </a:r>
+            <a:endParaRPr kumimoji="1" lang="zh-CN" altLang="en-US" sz="1200" dirty="0"/>
+          </a:p>
+        </p:txBody>
+      </p:sp>
+      <p:sp>
+        <p:nvSpPr>
+          <p:cNvPr id="11" name="圆角矩形 10"/>
+          <p:cNvSpPr/>
+          <p:nvPr/>
+        </p:nvSpPr>
+        <p:spPr>
+          <a:xfrm>
+            <a:off x="3887908" y="4800616"/>
+            <a:ext cx="835479" cy="221670"/>
+          </a:xfrm>
+          <a:prstGeom prst="roundRect">
+            <a:avLst/>
+          </a:prstGeom>
+        </p:spPr>
+        <p:style>
+          <a:lnRef idx="2">
+            <a:schemeClr val="accent6"/>
+          </a:lnRef>
+          <a:fillRef idx="1">
+            <a:schemeClr val="lt1"/>
+          </a:fillRef>
+          <a:effectRef idx="0">
+            <a:schemeClr val="accent6"/>
+          </a:effectRef>
+          <a:fontRef idx="minor">
+            <a:schemeClr val="dk1"/>
+          </a:fontRef>
+        </p:style>
+        <p:txBody>
+          <a:bodyPr rtlCol="0" anchor="ctr"/>
+          <a:lstStyle/>
+          <a:p>
+            <a:pPr algn="ctr"/>
+            <a:r>
+              <a:rPr kumimoji="1" lang="en-US" altLang="zh-CN" sz="1200" smtClean="0"/>
+              <a:t>RNN</a:t>
+            </a:r>
+            <a:endParaRPr kumimoji="1" lang="zh-CN" altLang="en-US" sz="1200" dirty="0"/>
+          </a:p>
+        </p:txBody>
+      </p:sp>
+      <p:sp>
+        <p:nvSpPr>
+          <p:cNvPr id="12" name="圆角矩形 11"/>
+          <p:cNvSpPr/>
+          <p:nvPr/>
+        </p:nvSpPr>
+        <p:spPr>
+          <a:xfrm>
+            <a:off x="4787479" y="5192350"/>
+            <a:ext cx="835479" cy="221670"/>
+          </a:xfrm>
+          <a:prstGeom prst="roundRect">
+            <a:avLst/>
+          </a:prstGeom>
+        </p:spPr>
+        <p:style>
+          <a:lnRef idx="2">
+            <a:schemeClr val="accent6"/>
+          </a:lnRef>
+          <a:fillRef idx="1">
+            <a:schemeClr val="lt1"/>
+          </a:fillRef>
+          <a:effectRef idx="0">
+            <a:schemeClr val="accent6"/>
+          </a:effectRef>
+          <a:fontRef idx="minor">
+            <a:schemeClr val="dk1"/>
+          </a:fontRef>
+        </p:style>
+        <p:txBody>
+          <a:bodyPr rtlCol="0" anchor="ctr"/>
+          <a:lstStyle/>
+          <a:p>
+            <a:pPr algn="ctr"/>
+            <a:r>
+              <a:rPr kumimoji="1" lang="en-US" altLang="zh-CN" sz="1200" dirty="0" smtClean="0"/>
+              <a:t>RNN</a:t>
+            </a:r>
+            <a:endParaRPr kumimoji="1" lang="zh-CN" altLang="en-US" sz="1200" dirty="0"/>
+          </a:p>
+        </p:txBody>
+      </p:sp>
+      <p:sp>
+        <p:nvSpPr>
+          <p:cNvPr id="13" name="圆角矩形 12"/>
+          <p:cNvSpPr/>
+          <p:nvPr/>
+        </p:nvSpPr>
+        <p:spPr>
+          <a:xfrm>
+            <a:off x="6368288" y="5192351"/>
+            <a:ext cx="835479" cy="221670"/>
+          </a:xfrm>
+          <a:prstGeom prst="roundRect">
+            <a:avLst/>
+          </a:prstGeom>
+        </p:spPr>
+        <p:style>
+          <a:lnRef idx="2">
+            <a:schemeClr val="accent6"/>
+          </a:lnRef>
+          <a:fillRef idx="1">
+            <a:schemeClr val="lt1"/>
+          </a:fillRef>
+          <a:effectRef idx="0">
+            <a:schemeClr val="accent6"/>
+          </a:effectRef>
+          <a:fontRef idx="minor">
+            <a:schemeClr val="dk1"/>
+          </a:fontRef>
+        </p:style>
+        <p:txBody>
+          <a:bodyPr rtlCol="0" anchor="ctr"/>
+          <a:lstStyle/>
+          <a:p>
+            <a:pPr algn="ctr"/>
+            <a:r>
+              <a:rPr kumimoji="1" lang="en-US" altLang="zh-CN" sz="1200" smtClean="0"/>
+              <a:t>RNN</a:t>
+            </a:r>
+            <a:endParaRPr kumimoji="1" lang="zh-CN" altLang="en-US" sz="1200" dirty="0"/>
+          </a:p>
+        </p:txBody>
+      </p:sp>
+      <p:sp>
+        <p:nvSpPr>
+          <p:cNvPr id="14" name="圆角矩形 13"/>
+          <p:cNvSpPr/>
+          <p:nvPr/>
+        </p:nvSpPr>
+        <p:spPr>
+          <a:xfrm>
+            <a:off x="7300915" y="4800616"/>
+            <a:ext cx="835479" cy="221670"/>
+          </a:xfrm>
+          <a:prstGeom prst="roundRect">
+            <a:avLst/>
+          </a:prstGeom>
+        </p:spPr>
+        <p:style>
+          <a:lnRef idx="2">
+            <a:schemeClr val="accent6"/>
+          </a:lnRef>
+          <a:fillRef idx="1">
+            <a:schemeClr val="lt1"/>
+          </a:fillRef>
+          <a:effectRef idx="0">
+            <a:schemeClr val="accent6"/>
+          </a:effectRef>
+          <a:fontRef idx="minor">
+            <a:schemeClr val="dk1"/>
+          </a:fontRef>
+        </p:style>
+        <p:txBody>
+          <a:bodyPr rtlCol="0" anchor="ctr"/>
+          <a:lstStyle/>
+          <a:p>
+            <a:pPr algn="ctr"/>
+            <a:r>
+              <a:rPr kumimoji="1" lang="en-US" altLang="zh-CN" sz="1200" dirty="0" smtClean="0"/>
+              <a:t>RNN</a:t>
+            </a:r>
+            <a:endParaRPr kumimoji="1" lang="zh-CN" altLang="en-US" sz="1200" dirty="0"/>
+          </a:p>
+        </p:txBody>
+      </p:sp>
+      <p:sp>
+        <p:nvSpPr>
+          <p:cNvPr id="15" name="圆角矩形 14"/>
+          <p:cNvSpPr/>
+          <p:nvPr/>
+        </p:nvSpPr>
+        <p:spPr>
+          <a:xfrm>
+            <a:off x="8879910" y="4800616"/>
+            <a:ext cx="835479" cy="221670"/>
+          </a:xfrm>
+          <a:prstGeom prst="roundRect">
+            <a:avLst/>
+          </a:prstGeom>
+        </p:spPr>
+        <p:style>
+          <a:lnRef idx="2">
+            <a:schemeClr val="accent6"/>
+          </a:lnRef>
+          <a:fillRef idx="1">
+            <a:schemeClr val="lt1"/>
+          </a:fillRef>
+          <a:effectRef idx="0">
+            <a:schemeClr val="accent6"/>
+          </a:effectRef>
+          <a:fontRef idx="minor">
+            <a:schemeClr val="dk1"/>
+          </a:fontRef>
+        </p:style>
+        <p:txBody>
+          <a:bodyPr rtlCol="0" anchor="ctr"/>
+          <a:lstStyle/>
+          <a:p>
+            <a:pPr algn="ctr"/>
+            <a:r>
+              <a:rPr kumimoji="1" lang="en-US" altLang="zh-CN" sz="1200" smtClean="0"/>
+              <a:t>RNN</a:t>
+            </a:r>
+            <a:endParaRPr kumimoji="1" lang="zh-CN" altLang="en-US" sz="1200" dirty="0"/>
+          </a:p>
+        </p:txBody>
+      </p:sp>
+      <p:cxnSp>
+        <p:nvCxnSpPr>
+          <p:cNvPr id="17" name="直线箭头连接符 16"/>
+          <p:cNvCxnSpPr>
+            <a:stCxn id="7" idx="3"/>
+            <a:endCxn id="11" idx="1"/>
+          </p:cNvCxnSpPr>
+          <p:nvPr/>
+        </p:nvCxnSpPr>
+        <p:spPr>
+          <a:xfrm flipV="1">
+            <a:off x="3118083" y="4911451"/>
+            <a:ext cx="769825" cy="1"/>
+          </a:xfrm>
+          <a:prstGeom prst="straightConnector1">
+            <a:avLst/>
+          </a:prstGeom>
+          <a:ln>
+            <a:tailEnd type="triangle"/>
+          </a:ln>
+        </p:spPr>
+        <p:style>
+          <a:lnRef idx="1">
+            <a:schemeClr val="accent1"/>
+          </a:lnRef>
+          <a:fillRef idx="0">
+            <a:schemeClr val="accent1"/>
+          </a:fillRef>
+          <a:effectRef idx="0">
+            <a:schemeClr val="accent1"/>
+          </a:effectRef>
+          <a:fontRef idx="minor">
+            <a:schemeClr val="tx1"/>
+          </a:fontRef>
+        </p:style>
+      </p:cxnSp>
+      <p:cxnSp>
+        <p:nvCxnSpPr>
+          <p:cNvPr id="19" name="直线箭头连接符 18"/>
+          <p:cNvCxnSpPr>
+            <a:stCxn id="11" idx="3"/>
+            <a:endCxn id="14" idx="1"/>
+          </p:cNvCxnSpPr>
+          <p:nvPr/>
+        </p:nvCxnSpPr>
+        <p:spPr>
+          <a:xfrm>
+            <a:off x="4723387" y="4911451"/>
+            <a:ext cx="2577528" cy="0"/>
+          </a:xfrm>
+          <a:prstGeom prst="straightConnector1">
+            <a:avLst/>
+          </a:prstGeom>
+          <a:ln>
+            <a:tailEnd type="triangle"/>
+          </a:ln>
+        </p:spPr>
+        <p:style>
+          <a:lnRef idx="1">
+            <a:schemeClr val="accent1"/>
+          </a:lnRef>
+          <a:fillRef idx="0">
+            <a:schemeClr val="accent1"/>
+          </a:fillRef>
+          <a:effectRef idx="0">
+            <a:schemeClr val="accent1"/>
+          </a:effectRef>
+          <a:fontRef idx="minor">
+            <a:schemeClr val="tx1"/>
+          </a:fontRef>
+        </p:style>
+      </p:cxnSp>
+      <p:cxnSp>
+        <p:nvCxnSpPr>
+          <p:cNvPr id="21" name="直线箭头连接符 20"/>
+          <p:cNvCxnSpPr>
+            <a:stCxn id="14" idx="3"/>
+            <a:endCxn id="15" idx="1"/>
+          </p:cNvCxnSpPr>
+          <p:nvPr/>
+        </p:nvCxnSpPr>
+        <p:spPr>
+          <a:xfrm>
+            <a:off x="8136394" y="4911451"/>
+            <a:ext cx="743516" cy="0"/>
+          </a:xfrm>
+          <a:prstGeom prst="straightConnector1">
+            <a:avLst/>
+          </a:prstGeom>
+          <a:ln>
+            <a:tailEnd type="triangle"/>
+          </a:ln>
+        </p:spPr>
+        <p:style>
+          <a:lnRef idx="1">
+            <a:schemeClr val="accent1"/>
+          </a:lnRef>
+          <a:fillRef idx="0">
+            <a:schemeClr val="accent1"/>
+          </a:fillRef>
+          <a:effectRef idx="0">
+            <a:schemeClr val="accent1"/>
+          </a:effectRef>
+          <a:fontRef idx="minor">
+            <a:schemeClr val="tx1"/>
+          </a:fontRef>
+        </p:style>
+      </p:cxnSp>
+      <p:cxnSp>
+        <p:nvCxnSpPr>
+          <p:cNvPr id="24" name="直线箭头连接符 23"/>
+          <p:cNvCxnSpPr>
+            <a:stCxn id="4" idx="1"/>
+            <a:endCxn id="7" idx="2"/>
+          </p:cNvCxnSpPr>
+          <p:nvPr/>
+        </p:nvCxnSpPr>
+        <p:spPr>
+          <a:xfrm flipV="1">
+            <a:off x="2700229" y="5022287"/>
+            <a:ext cx="115" cy="693881"/>
+          </a:xfrm>
+          <a:prstGeom prst="straightConnector1">
+            <a:avLst/>
+          </a:prstGeom>
+          <a:ln>
+            <a:tailEnd type="triangle"/>
+          </a:ln>
+        </p:spPr>
+        <p:style>
+          <a:lnRef idx="1">
+            <a:schemeClr val="accent1"/>
+          </a:lnRef>
+          <a:fillRef idx="0">
+            <a:schemeClr val="accent1"/>
+          </a:fillRef>
+          <a:effectRef idx="0">
+            <a:schemeClr val="accent1"/>
+          </a:effectRef>
+          <a:fontRef idx="minor">
+            <a:schemeClr val="tx1"/>
+          </a:fontRef>
+        </p:style>
+      </p:cxnSp>
+      <p:cxnSp>
+        <p:nvCxnSpPr>
+          <p:cNvPr id="32" name="直线箭头连接符 31"/>
+          <p:cNvCxnSpPr>
+            <a:stCxn id="4" idx="7"/>
+            <a:endCxn id="11" idx="2"/>
+          </p:cNvCxnSpPr>
+          <p:nvPr/>
+        </p:nvCxnSpPr>
+        <p:spPr>
+          <a:xfrm flipV="1">
+            <a:off x="4286367" y="5022286"/>
+            <a:ext cx="19281" cy="693882"/>
+          </a:xfrm>
+          <a:prstGeom prst="straightConnector1">
+            <a:avLst/>
+          </a:prstGeom>
+          <a:ln>
+            <a:tailEnd type="triangle"/>
+          </a:ln>
+        </p:spPr>
+        <p:style>
+          <a:lnRef idx="1">
+            <a:schemeClr val="accent1"/>
+          </a:lnRef>
+          <a:fillRef idx="0">
+            <a:schemeClr val="accent1"/>
+          </a:fillRef>
+          <a:effectRef idx="0">
+            <a:schemeClr val="accent1"/>
+          </a:effectRef>
+          <a:fontRef idx="minor">
+            <a:schemeClr val="tx1"/>
+          </a:fontRef>
+        </p:style>
+      </p:cxnSp>
+      <p:cxnSp>
+        <p:nvCxnSpPr>
+          <p:cNvPr id="48" name="直线箭头连接符 47"/>
+          <p:cNvCxnSpPr>
+            <a:stCxn id="6" idx="1"/>
+            <a:endCxn id="14" idx="2"/>
+          </p:cNvCxnSpPr>
+          <p:nvPr/>
+        </p:nvCxnSpPr>
+        <p:spPr>
+          <a:xfrm flipV="1">
+            <a:off x="7707657" y="5022286"/>
+            <a:ext cx="10998" cy="693882"/>
+          </a:xfrm>
+          <a:prstGeom prst="straightConnector1">
+            <a:avLst/>
+          </a:prstGeom>
+          <a:ln>
+            <a:tailEnd type="triangle"/>
+          </a:ln>
+        </p:spPr>
+        <p:style>
+          <a:lnRef idx="1">
+            <a:schemeClr val="accent1"/>
+          </a:lnRef>
+          <a:fillRef idx="0">
+            <a:schemeClr val="accent1"/>
+          </a:fillRef>
+          <a:effectRef idx="0">
+            <a:schemeClr val="accent1"/>
+          </a:effectRef>
+          <a:fontRef idx="minor">
+            <a:schemeClr val="tx1"/>
+          </a:fontRef>
+        </p:style>
+      </p:cxnSp>
+      <p:cxnSp>
+        <p:nvCxnSpPr>
+          <p:cNvPr id="55" name="直线箭头连接符 54"/>
+          <p:cNvCxnSpPr>
+            <a:stCxn id="6" idx="7"/>
+            <a:endCxn id="15" idx="2"/>
+          </p:cNvCxnSpPr>
+          <p:nvPr/>
+        </p:nvCxnSpPr>
+        <p:spPr>
+          <a:xfrm flipV="1">
+            <a:off x="9293795" y="5022286"/>
+            <a:ext cx="3855" cy="693882"/>
+          </a:xfrm>
+          <a:prstGeom prst="straightConnector1">
+            <a:avLst/>
+          </a:prstGeom>
+          <a:ln>
+            <a:tailEnd type="triangle"/>
+          </a:ln>
+        </p:spPr>
+        <p:style>
+          <a:lnRef idx="1">
+            <a:schemeClr val="accent1"/>
+          </a:lnRef>
+          <a:fillRef idx="0">
+            <a:schemeClr val="accent1"/>
+          </a:fillRef>
+          <a:effectRef idx="0">
+            <a:schemeClr val="accent1"/>
+          </a:effectRef>
+          <a:fontRef idx="minor">
+            <a:schemeClr val="tx1"/>
+          </a:fontRef>
+        </p:style>
+      </p:cxnSp>
+      <p:cxnSp>
+        <p:nvCxnSpPr>
+          <p:cNvPr id="57" name="直线箭头连接符 56"/>
+          <p:cNvCxnSpPr>
+            <a:stCxn id="5" idx="1"/>
+            <a:endCxn id="12" idx="2"/>
+          </p:cNvCxnSpPr>
+          <p:nvPr/>
+        </p:nvCxnSpPr>
+        <p:spPr>
+          <a:xfrm flipV="1">
+            <a:off x="5203943" y="5414020"/>
+            <a:ext cx="1276" cy="302148"/>
+          </a:xfrm>
+          <a:prstGeom prst="straightConnector1">
+            <a:avLst/>
+          </a:prstGeom>
+          <a:ln>
+            <a:tailEnd type="triangle"/>
+          </a:ln>
+        </p:spPr>
+        <p:style>
+          <a:lnRef idx="1">
+            <a:schemeClr val="accent1"/>
+          </a:lnRef>
+          <a:fillRef idx="0">
+            <a:schemeClr val="accent1"/>
+          </a:fillRef>
+          <a:effectRef idx="0">
+            <a:schemeClr val="accent1"/>
+          </a:effectRef>
+          <a:fontRef idx="minor">
+            <a:schemeClr val="tx1"/>
+          </a:fontRef>
+        </p:style>
+      </p:cxnSp>
+      <p:cxnSp>
+        <p:nvCxnSpPr>
+          <p:cNvPr id="61" name="直线箭头连接符 60"/>
+          <p:cNvCxnSpPr>
+            <a:stCxn id="5" idx="7"/>
+            <a:endCxn id="13" idx="2"/>
+          </p:cNvCxnSpPr>
+          <p:nvPr/>
+        </p:nvCxnSpPr>
+        <p:spPr>
+          <a:xfrm flipH="1" flipV="1">
+            <a:off x="6786028" y="5414021"/>
+            <a:ext cx="4053" cy="302147"/>
+          </a:xfrm>
+          <a:prstGeom prst="straightConnector1">
+            <a:avLst/>
+          </a:prstGeom>
+          <a:ln>
+            <a:tailEnd type="triangle"/>
+          </a:ln>
+        </p:spPr>
+        <p:style>
+          <a:lnRef idx="1">
+            <a:schemeClr val="accent1"/>
+          </a:lnRef>
+          <a:fillRef idx="0">
+            <a:schemeClr val="accent1"/>
+          </a:fillRef>
+          <a:effectRef idx="0">
+            <a:schemeClr val="accent1"/>
+          </a:effectRef>
+          <a:fontRef idx="minor">
+            <a:schemeClr val="tx1"/>
+          </a:fontRef>
+        </p:style>
+      </p:cxnSp>
+      <p:cxnSp>
+        <p:nvCxnSpPr>
+          <p:cNvPr id="65" name="直线箭头连接符 64"/>
+          <p:cNvCxnSpPr>
+            <a:stCxn id="12" idx="3"/>
+            <a:endCxn id="13" idx="1"/>
+          </p:cNvCxnSpPr>
+          <p:nvPr/>
+        </p:nvCxnSpPr>
+        <p:spPr>
+          <a:xfrm>
+            <a:off x="5622958" y="5303185"/>
+            <a:ext cx="745330" cy="1"/>
+          </a:xfrm>
+          <a:prstGeom prst="straightConnector1">
+            <a:avLst/>
+          </a:prstGeom>
+          <a:ln>
+            <a:tailEnd type="triangle"/>
+          </a:ln>
+        </p:spPr>
+        <p:style>
+          <a:lnRef idx="1">
+            <a:schemeClr val="accent1"/>
+          </a:lnRef>
+          <a:fillRef idx="0">
+            <a:schemeClr val="accent1"/>
+          </a:fillRef>
+          <a:effectRef idx="0">
+            <a:schemeClr val="accent1"/>
+          </a:effectRef>
+          <a:fontRef idx="minor">
+            <a:schemeClr val="tx1"/>
+          </a:fontRef>
+        </p:style>
+      </p:cxnSp>
+      <p:sp>
+        <p:nvSpPr>
+          <p:cNvPr id="71" name="圆角矩形 70"/>
+          <p:cNvSpPr/>
+          <p:nvPr/>
+        </p:nvSpPr>
+        <p:spPr>
+          <a:xfrm>
+            <a:off x="2282604" y="3887429"/>
+            <a:ext cx="2440783" cy="221670"/>
+          </a:xfrm>
+          <a:prstGeom prst="roundRect">
+            <a:avLst/>
+          </a:prstGeom>
+        </p:spPr>
+        <p:style>
+          <a:lnRef idx="2">
+            <a:schemeClr val="accent6"/>
+          </a:lnRef>
+          <a:fillRef idx="1">
+            <a:schemeClr val="lt1"/>
+          </a:fillRef>
+          <a:effectRef idx="0">
+            <a:schemeClr val="accent6"/>
+          </a:effectRef>
+          <a:fontRef idx="minor">
+            <a:schemeClr val="dk1"/>
+          </a:fontRef>
+        </p:style>
+        <p:txBody>
+          <a:bodyPr rtlCol="0" anchor="ctr"/>
+          <a:lstStyle/>
+          <a:p>
+            <a:pPr algn="ctr"/>
+            <a:r>
+              <a:rPr kumimoji="1" lang="en-US" altLang="zh-CN" sz="1200" dirty="0" smtClean="0"/>
+              <a:t>Attention</a:t>
+            </a:r>
+            <a:endParaRPr kumimoji="1" lang="zh-CN" altLang="en-US" sz="1200" dirty="0"/>
+          </a:p>
+        </p:txBody>
+      </p:sp>
+      <p:sp>
+        <p:nvSpPr>
+          <p:cNvPr id="72" name="圆角矩形 71"/>
+          <p:cNvSpPr/>
+          <p:nvPr/>
+        </p:nvSpPr>
+        <p:spPr>
+          <a:xfrm>
+            <a:off x="5578790" y="3894527"/>
+            <a:ext cx="2414474" cy="221670"/>
+          </a:xfrm>
+          <a:prstGeom prst="roundRect">
+            <a:avLst/>
+          </a:prstGeom>
+        </p:spPr>
+        <p:style>
+          <a:lnRef idx="2">
+            <a:schemeClr val="accent6"/>
+          </a:lnRef>
+          <a:fillRef idx="1">
+            <a:schemeClr val="lt1"/>
+          </a:fillRef>
+          <a:effectRef idx="0">
+            <a:schemeClr val="accent6"/>
+          </a:effectRef>
+          <a:fontRef idx="minor">
+            <a:schemeClr val="dk1"/>
+          </a:fontRef>
+        </p:style>
+        <p:txBody>
+          <a:bodyPr rtlCol="0" anchor="ctr"/>
+          <a:lstStyle/>
+          <a:p>
+            <a:pPr algn="ctr"/>
+            <a:r>
+              <a:rPr kumimoji="1" lang="en-US" altLang="zh-CN" sz="1200" smtClean="0"/>
+              <a:t>Attention</a:t>
+            </a:r>
+            <a:endParaRPr kumimoji="1" lang="zh-CN" altLang="en-US" sz="1200" dirty="0"/>
+          </a:p>
+        </p:txBody>
+      </p:sp>
+      <p:cxnSp>
+        <p:nvCxnSpPr>
+          <p:cNvPr id="74" name="直线箭头连接符 73"/>
+          <p:cNvCxnSpPr>
+            <a:stCxn id="7" idx="0"/>
+            <a:endCxn id="71" idx="2"/>
+          </p:cNvCxnSpPr>
+          <p:nvPr/>
+        </p:nvCxnSpPr>
+        <p:spPr>
+          <a:xfrm flipV="1">
+            <a:off x="2700344" y="4109099"/>
+            <a:ext cx="802652" cy="691518"/>
+          </a:xfrm>
+          <a:prstGeom prst="straightConnector1">
+            <a:avLst/>
+          </a:prstGeom>
+          <a:ln>
+            <a:tailEnd type="triangle"/>
+          </a:ln>
+        </p:spPr>
+        <p:style>
+          <a:lnRef idx="1">
+            <a:schemeClr val="accent1"/>
+          </a:lnRef>
+          <a:fillRef idx="0">
+            <a:schemeClr val="accent1"/>
+          </a:fillRef>
+          <a:effectRef idx="0">
+            <a:schemeClr val="accent1"/>
+          </a:effectRef>
+          <a:fontRef idx="minor">
+            <a:schemeClr val="tx1"/>
+          </a:fontRef>
+        </p:style>
+      </p:cxnSp>
+      <p:cxnSp>
+        <p:nvCxnSpPr>
+          <p:cNvPr id="76" name="直线箭头连接符 75"/>
+          <p:cNvCxnSpPr>
+            <a:stCxn id="11" idx="0"/>
+            <a:endCxn id="71" idx="2"/>
+          </p:cNvCxnSpPr>
+          <p:nvPr/>
+        </p:nvCxnSpPr>
+        <p:spPr>
+          <a:xfrm flipH="1" flipV="1">
+            <a:off x="3502996" y="4109099"/>
+            <a:ext cx="802652" cy="691517"/>
+          </a:xfrm>
+          <a:prstGeom prst="straightConnector1">
+            <a:avLst/>
+          </a:prstGeom>
+          <a:ln>
+            <a:tailEnd type="triangle"/>
+          </a:ln>
+        </p:spPr>
+        <p:style>
+          <a:lnRef idx="1">
+            <a:schemeClr val="accent1"/>
+          </a:lnRef>
+          <a:fillRef idx="0">
+            <a:schemeClr val="accent1"/>
+          </a:fillRef>
+          <a:effectRef idx="0">
+            <a:schemeClr val="accent1"/>
+          </a:effectRef>
+          <a:fontRef idx="minor">
+            <a:schemeClr val="tx1"/>
+          </a:fontRef>
+        </p:style>
+      </p:cxnSp>
+      <p:cxnSp>
+        <p:nvCxnSpPr>
+          <p:cNvPr id="78" name="直线箭头连接符 77"/>
+          <p:cNvCxnSpPr>
+            <a:stCxn id="14" idx="0"/>
+            <a:endCxn id="71" idx="2"/>
+          </p:cNvCxnSpPr>
+          <p:nvPr/>
+        </p:nvCxnSpPr>
+        <p:spPr>
+          <a:xfrm flipH="1" flipV="1">
+            <a:off x="3502996" y="4109099"/>
+            <a:ext cx="4215659" cy="691517"/>
+          </a:xfrm>
+          <a:prstGeom prst="straightConnector1">
+            <a:avLst/>
+          </a:prstGeom>
+          <a:ln>
+            <a:tailEnd type="triangle"/>
+          </a:ln>
+        </p:spPr>
+        <p:style>
+          <a:lnRef idx="1">
+            <a:schemeClr val="accent1"/>
+          </a:lnRef>
+          <a:fillRef idx="0">
+            <a:schemeClr val="accent1"/>
+          </a:fillRef>
+          <a:effectRef idx="0">
+            <a:schemeClr val="accent1"/>
+          </a:effectRef>
+          <a:fontRef idx="minor">
+            <a:schemeClr val="tx1"/>
+          </a:fontRef>
+        </p:style>
+      </p:cxnSp>
+      <p:cxnSp>
+        <p:nvCxnSpPr>
+          <p:cNvPr id="80" name="直线箭头连接符 79"/>
+          <p:cNvCxnSpPr>
+            <a:stCxn id="15" idx="0"/>
+            <a:endCxn id="71" idx="2"/>
+          </p:cNvCxnSpPr>
+          <p:nvPr/>
+        </p:nvCxnSpPr>
+        <p:spPr>
+          <a:xfrm flipH="1" flipV="1">
+            <a:off x="3502996" y="4109099"/>
+            <a:ext cx="5794654" cy="691517"/>
+          </a:xfrm>
+          <a:prstGeom prst="straightConnector1">
+            <a:avLst/>
+          </a:prstGeom>
+          <a:ln>
+            <a:tailEnd type="triangle"/>
+          </a:ln>
+        </p:spPr>
+        <p:style>
+          <a:lnRef idx="1">
+            <a:schemeClr val="accent1"/>
+          </a:lnRef>
+          <a:fillRef idx="0">
+            <a:schemeClr val="accent1"/>
+          </a:fillRef>
+          <a:effectRef idx="0">
+            <a:schemeClr val="accent1"/>
+          </a:effectRef>
+          <a:fontRef idx="minor">
+            <a:schemeClr val="tx1"/>
+          </a:fontRef>
+        </p:style>
+      </p:cxnSp>
+      <p:cxnSp>
+        <p:nvCxnSpPr>
+          <p:cNvPr id="82" name="直线箭头连接符 81"/>
+          <p:cNvCxnSpPr>
+            <a:stCxn id="12" idx="0"/>
+            <a:endCxn id="72" idx="2"/>
+          </p:cNvCxnSpPr>
+          <p:nvPr/>
+        </p:nvCxnSpPr>
+        <p:spPr>
+          <a:xfrm flipV="1">
+            <a:off x="5205219" y="4116197"/>
+            <a:ext cx="1580808" cy="1076153"/>
+          </a:xfrm>
+          <a:prstGeom prst="straightConnector1">
+            <a:avLst/>
+          </a:prstGeom>
+          <a:ln>
+            <a:tailEnd type="triangle"/>
+          </a:ln>
+        </p:spPr>
+        <p:style>
+          <a:lnRef idx="1">
+            <a:schemeClr val="accent1"/>
+          </a:lnRef>
+          <a:fillRef idx="0">
+            <a:schemeClr val="accent1"/>
+          </a:fillRef>
+          <a:effectRef idx="0">
+            <a:schemeClr val="accent1"/>
+          </a:effectRef>
+          <a:fontRef idx="minor">
+            <a:schemeClr val="tx1"/>
+          </a:fontRef>
+        </p:style>
+      </p:cxnSp>
+      <p:cxnSp>
+        <p:nvCxnSpPr>
+          <p:cNvPr id="84" name="直线箭头连接符 83"/>
+          <p:cNvCxnSpPr>
+            <a:stCxn id="13" idx="0"/>
+            <a:endCxn id="72" idx="2"/>
+          </p:cNvCxnSpPr>
+          <p:nvPr/>
+        </p:nvCxnSpPr>
+        <p:spPr>
+          <a:xfrm flipH="1" flipV="1">
+            <a:off x="6786027" y="4116197"/>
+            <a:ext cx="1" cy="1076154"/>
+          </a:xfrm>
+          <a:prstGeom prst="straightConnector1">
+            <a:avLst/>
+          </a:prstGeom>
+          <a:ln>
+            <a:tailEnd type="triangle"/>
+          </a:ln>
+        </p:spPr>
+        <p:style>
+          <a:lnRef idx="1">
+            <a:schemeClr val="accent1"/>
+          </a:lnRef>
+          <a:fillRef idx="0">
+            <a:schemeClr val="accent1"/>
+          </a:fillRef>
+          <a:effectRef idx="0">
+            <a:schemeClr val="accent1"/>
+          </a:effectRef>
+          <a:fontRef idx="minor">
+            <a:schemeClr val="tx1"/>
+          </a:fontRef>
+        </p:style>
+      </p:cxnSp>
+      <p:sp>
+        <p:nvSpPr>
+          <p:cNvPr id="85" name="椭圆 84"/>
+          <p:cNvSpPr/>
+          <p:nvPr/>
+        </p:nvSpPr>
+        <p:spPr>
+          <a:xfrm>
+            <a:off x="2282603" y="3265358"/>
+            <a:ext cx="2440783" cy="340887"/>
+          </a:xfrm>
+          <a:prstGeom prst="ellipse">
+            <a:avLst/>
+          </a:prstGeom>
+        </p:spPr>
+        <p:style>
+          <a:lnRef idx="2">
+            <a:schemeClr val="accent6"/>
+          </a:lnRef>
+          <a:fillRef idx="1">
+            <a:schemeClr val="lt1"/>
+          </a:fillRef>
+          <a:effectRef idx="0">
+            <a:schemeClr val="accent6"/>
+          </a:effectRef>
+          <a:fontRef idx="minor">
+            <a:schemeClr val="dk1"/>
+          </a:fontRef>
+        </p:style>
+        <p:txBody>
+          <a:bodyPr rtlCol="0" anchor="ctr"/>
+          <a:lstStyle/>
+          <a:p>
+            <a:pPr algn="ctr"/>
+            <a:r>
+              <a:rPr kumimoji="1" lang="en-US" altLang="zh-CN" sz="1200" smtClean="0"/>
+              <a:t>Feature of A</a:t>
+            </a:r>
+          </a:p>
+        </p:txBody>
+      </p:sp>
+      <p:sp>
+        <p:nvSpPr>
+          <p:cNvPr id="86" name="椭圆 85"/>
+          <p:cNvSpPr/>
+          <p:nvPr/>
+        </p:nvSpPr>
+        <p:spPr>
+          <a:xfrm>
+            <a:off x="5552481" y="3263175"/>
+            <a:ext cx="2440783" cy="340887"/>
+          </a:xfrm>
+          <a:prstGeom prst="ellipse">
+            <a:avLst/>
+          </a:prstGeom>
+        </p:spPr>
+        <p:style>
+          <a:lnRef idx="2">
+            <a:schemeClr val="accent6"/>
+          </a:lnRef>
+          <a:fillRef idx="1">
+            <a:schemeClr val="lt1"/>
+          </a:fillRef>
+          <a:effectRef idx="0">
+            <a:schemeClr val="accent6"/>
+          </a:effectRef>
+          <a:fontRef idx="minor">
+            <a:schemeClr val="dk1"/>
+          </a:fontRef>
+        </p:style>
+        <p:txBody>
+          <a:bodyPr rtlCol="0" anchor="ctr"/>
+          <a:lstStyle/>
+          <a:p>
+            <a:pPr algn="ctr"/>
+            <a:r>
+              <a:rPr kumimoji="1" lang="en-US" altLang="zh-CN" sz="1200" smtClean="0"/>
+              <a:t>Feature of B</a:t>
+            </a:r>
+          </a:p>
+        </p:txBody>
+      </p:sp>
+      <p:cxnSp>
+        <p:nvCxnSpPr>
+          <p:cNvPr id="88" name="直线箭头连接符 87"/>
+          <p:cNvCxnSpPr>
+            <a:stCxn id="71" idx="0"/>
+            <a:endCxn id="85" idx="4"/>
+          </p:cNvCxnSpPr>
+          <p:nvPr/>
+        </p:nvCxnSpPr>
+        <p:spPr>
+          <a:xfrm flipH="1" flipV="1">
+            <a:off x="3502995" y="3606245"/>
+            <a:ext cx="1" cy="281184"/>
+          </a:xfrm>
+          <a:prstGeom prst="straightConnector1">
+            <a:avLst/>
+          </a:prstGeom>
+          <a:ln>
+            <a:tailEnd type="triangle"/>
+          </a:ln>
+        </p:spPr>
+        <p:style>
+          <a:lnRef idx="1">
+            <a:schemeClr val="accent1"/>
+          </a:lnRef>
+          <a:fillRef idx="0">
+            <a:schemeClr val="accent1"/>
+          </a:fillRef>
+          <a:effectRef idx="0">
+            <a:schemeClr val="accent1"/>
+          </a:effectRef>
+          <a:fontRef idx="minor">
+            <a:schemeClr val="tx1"/>
+          </a:fontRef>
+        </p:style>
+      </p:cxnSp>
+      <p:cxnSp>
+        <p:nvCxnSpPr>
+          <p:cNvPr id="90" name="直线箭头连接符 89"/>
+          <p:cNvCxnSpPr>
+            <a:stCxn id="72" idx="0"/>
+            <a:endCxn id="86" idx="4"/>
+          </p:cNvCxnSpPr>
+          <p:nvPr/>
+        </p:nvCxnSpPr>
+        <p:spPr>
+          <a:xfrm flipH="1" flipV="1">
+            <a:off x="6772873" y="3604062"/>
+            <a:ext cx="13154" cy="290465"/>
+          </a:xfrm>
+          <a:prstGeom prst="straightConnector1">
+            <a:avLst/>
+          </a:prstGeom>
+          <a:ln>
+            <a:tailEnd type="triangle"/>
+          </a:ln>
+        </p:spPr>
+        <p:style>
+          <a:lnRef idx="1">
+            <a:schemeClr val="accent1"/>
+          </a:lnRef>
+          <a:fillRef idx="0">
+            <a:schemeClr val="accent1"/>
+          </a:fillRef>
+          <a:effectRef idx="0">
+            <a:schemeClr val="accent1"/>
+          </a:effectRef>
+          <a:fontRef idx="minor">
+            <a:schemeClr val="tx1"/>
+          </a:fontRef>
+        </p:style>
+      </p:cxnSp>
+      <p:sp>
+        <p:nvSpPr>
+          <p:cNvPr id="92" name="圆角矩形 91"/>
+          <p:cNvSpPr/>
+          <p:nvPr/>
+        </p:nvSpPr>
+        <p:spPr>
+          <a:xfrm>
+            <a:off x="4775230" y="2649691"/>
+            <a:ext cx="2440783" cy="221670"/>
+          </a:xfrm>
+          <a:prstGeom prst="roundRect">
+            <a:avLst/>
+          </a:prstGeom>
+        </p:spPr>
+        <p:style>
+          <a:lnRef idx="2">
+            <a:schemeClr val="accent6"/>
+          </a:lnRef>
+          <a:fillRef idx="1">
+            <a:schemeClr val="lt1"/>
+          </a:fillRef>
+          <a:effectRef idx="0">
+            <a:schemeClr val="accent6"/>
+          </a:effectRef>
+          <a:fontRef idx="minor">
+            <a:schemeClr val="dk1"/>
+          </a:fontRef>
+        </p:style>
+        <p:txBody>
+          <a:bodyPr rtlCol="0" anchor="ctr"/>
+          <a:lstStyle/>
+          <a:p>
+            <a:pPr algn="ctr"/>
+            <a:r>
+              <a:rPr kumimoji="1" lang="en-US" altLang="zh-CN" sz="1200" dirty="0" smtClean="0"/>
+              <a:t>Dense</a:t>
+            </a:r>
+            <a:endParaRPr kumimoji="1" lang="zh-CN" altLang="en-US" sz="1200" dirty="0"/>
+          </a:p>
+        </p:txBody>
+      </p:sp>
+      <p:cxnSp>
+        <p:nvCxnSpPr>
+          <p:cNvPr id="94" name="直线箭头连接符 93"/>
+          <p:cNvCxnSpPr>
+            <a:stCxn id="85" idx="0"/>
+            <a:endCxn id="92" idx="2"/>
+          </p:cNvCxnSpPr>
+          <p:nvPr/>
+        </p:nvCxnSpPr>
+        <p:spPr>
+          <a:xfrm flipV="1">
+            <a:off x="3502995" y="2871361"/>
+            <a:ext cx="2492627" cy="393997"/>
+          </a:xfrm>
+          <a:prstGeom prst="straightConnector1">
+            <a:avLst/>
+          </a:prstGeom>
+          <a:ln>
+            <a:solidFill>
+              <a:schemeClr val="accent1"/>
+            </a:solidFill>
+            <a:tailEnd type="triangle"/>
+          </a:ln>
+        </p:spPr>
+        <p:style>
+          <a:lnRef idx="1">
+            <a:schemeClr val="accent1"/>
+          </a:lnRef>
+          <a:fillRef idx="0">
+            <a:schemeClr val="accent1"/>
+          </a:fillRef>
+          <a:effectRef idx="0">
+            <a:schemeClr val="accent1"/>
+          </a:effectRef>
+          <a:fontRef idx="minor">
+            <a:schemeClr val="tx1"/>
+          </a:fontRef>
+        </p:style>
+      </p:cxnSp>
+      <p:cxnSp>
+        <p:nvCxnSpPr>
+          <p:cNvPr id="96" name="直线箭头连接符 95"/>
+          <p:cNvCxnSpPr>
+            <a:stCxn id="86" idx="0"/>
+            <a:endCxn id="92" idx="2"/>
+          </p:cNvCxnSpPr>
+          <p:nvPr/>
+        </p:nvCxnSpPr>
+        <p:spPr>
+          <a:xfrm flipH="1" flipV="1">
+            <a:off x="5995622" y="2871361"/>
+            <a:ext cx="777251" cy="391814"/>
+          </a:xfrm>
+          <a:prstGeom prst="straightConnector1">
+            <a:avLst/>
+          </a:prstGeom>
+          <a:ln>
+            <a:tailEnd type="triangle"/>
+          </a:ln>
+        </p:spPr>
+        <p:style>
+          <a:lnRef idx="1">
+            <a:schemeClr val="accent1"/>
+          </a:lnRef>
+          <a:fillRef idx="0">
+            <a:schemeClr val="accent1"/>
+          </a:fillRef>
+          <a:effectRef idx="0">
+            <a:schemeClr val="accent1"/>
+          </a:effectRef>
+          <a:fontRef idx="minor">
+            <a:schemeClr val="tx1"/>
+          </a:fontRef>
+        </p:style>
+      </p:cxnSp>
+      <p:cxnSp>
+        <p:nvCxnSpPr>
+          <p:cNvPr id="98" name="直线箭头连接符 97"/>
+          <p:cNvCxnSpPr>
+            <a:stCxn id="92" idx="0"/>
+            <a:endCxn id="99" idx="4"/>
+          </p:cNvCxnSpPr>
+          <p:nvPr/>
+        </p:nvCxnSpPr>
+        <p:spPr>
+          <a:xfrm flipV="1">
+            <a:off x="5995622" y="2420295"/>
+            <a:ext cx="1" cy="229396"/>
+          </a:xfrm>
+          <a:prstGeom prst="straightConnector1">
+            <a:avLst/>
+          </a:prstGeom>
+          <a:ln>
+            <a:tailEnd type="triangle"/>
+          </a:ln>
+        </p:spPr>
+        <p:style>
+          <a:lnRef idx="1">
+            <a:schemeClr val="accent1"/>
+          </a:lnRef>
+          <a:fillRef idx="0">
+            <a:schemeClr val="accent1"/>
+          </a:fillRef>
+          <a:effectRef idx="0">
+            <a:schemeClr val="accent1"/>
+          </a:effectRef>
+          <a:fontRef idx="minor">
+            <a:schemeClr val="tx1"/>
+          </a:fontRef>
+        </p:style>
+      </p:cxnSp>
+      <p:sp>
+        <p:nvSpPr>
+          <p:cNvPr id="99" name="椭圆 98"/>
+          <p:cNvSpPr/>
+          <p:nvPr/>
+        </p:nvSpPr>
+        <p:spPr>
+          <a:xfrm>
+            <a:off x="4775231" y="2079408"/>
+            <a:ext cx="2440783" cy="340887"/>
+          </a:xfrm>
+          <a:prstGeom prst="ellipse">
+            <a:avLst/>
+          </a:prstGeom>
+        </p:spPr>
+        <p:style>
+          <a:lnRef idx="2">
+            <a:schemeClr val="accent6"/>
+          </a:lnRef>
+          <a:fillRef idx="1">
+            <a:schemeClr val="lt1"/>
+          </a:fillRef>
+          <a:effectRef idx="0">
+            <a:schemeClr val="accent6"/>
+          </a:effectRef>
+          <a:fontRef idx="minor">
+            <a:schemeClr val="dk1"/>
+          </a:fontRef>
+        </p:style>
+        <p:txBody>
+          <a:bodyPr rtlCol="0" anchor="ctr"/>
+          <a:lstStyle/>
+          <a:p>
+            <a:pPr algn="ctr"/>
+            <a:r>
+              <a:rPr kumimoji="1" lang="en-US" altLang="zh-CN" sz="1200" dirty="0" smtClean="0"/>
+              <a:t>Labe</a:t>
+            </a:r>
+            <a:r>
+              <a:rPr kumimoji="1" lang="en-US" altLang="zh-CN" sz="1200" dirty="0"/>
+              <a:t>l</a:t>
+            </a:r>
+            <a:endParaRPr kumimoji="1" lang="en-US" altLang="zh-CN" sz="1200" dirty="0" smtClean="0"/>
+          </a:p>
+        </p:txBody>
+      </p:sp>
+    </p:spTree>
+    <p:extLst>
+      <p:ext uri="{BB962C8B-B14F-4D97-AF65-F5344CB8AC3E}">
+        <p14:creationId xmlns:p14="http://schemas.microsoft.com/office/powerpoint/2010/main" val="15564371"/>
+      </p:ext>
+    </p:extLst>
+  </p:cSld>
+  <p:clrMapOvr>
+    <a:masterClrMapping/>
+  </p:clrMapOvr>
+</p:sld>
+</file>
+
+<file path=ppt/slides/slide11.xml><?xml version="1.0" encoding="utf-8"?>
+<p:sld xmlns:a="http://schemas.openxmlformats.org/drawingml/2006/main" xmlns:r="http://schemas.openxmlformats.org/officeDocument/2006/relationships" xmlns:p="http://schemas.openxmlformats.org/presentationml/2006/main">
+  <p:cSld>
+    <p:spTree>
+      <p:nvGrpSpPr>
+        <p:cNvPr id="1" name=""/>
+        <p:cNvGrpSpPr/>
+        <p:nvPr/>
+      </p:nvGrpSpPr>
+      <p:grpSpPr>
+        <a:xfrm>
+          <a:off x="0" y="0"/>
+          <a:ext cx="0" cy="0"/>
+          <a:chOff x="0" y="0"/>
+          <a:chExt cx="0" cy="0"/>
+        </a:xfrm>
+      </p:grpSpPr>
+      <p:sp>
+        <p:nvSpPr>
+          <p:cNvPr id="2" name="标题 1"/>
+          <p:cNvSpPr>
+            <a:spLocks noGrp="1"/>
+          </p:cNvSpPr>
+          <p:nvPr>
+            <p:ph type="title"/>
+          </p:nvPr>
+        </p:nvSpPr>
+        <p:spPr/>
+        <p:txBody>
+          <a:bodyPr/>
+          <a:lstStyle/>
+          <a:p>
+            <a:endParaRPr kumimoji="1" lang="zh-CN" altLang="en-US"/>
+          </a:p>
+        </p:txBody>
+      </p:sp>
+      <p:sp>
+        <p:nvSpPr>
+          <p:cNvPr id="7" name="圆角矩形 6"/>
+          <p:cNvSpPr/>
+          <p:nvPr/>
+        </p:nvSpPr>
+        <p:spPr>
+          <a:xfrm>
+            <a:off x="3046601" y="2450303"/>
+            <a:ext cx="835479" cy="289612"/>
+          </a:xfrm>
+          <a:prstGeom prst="roundRect">
+            <a:avLst/>
+          </a:prstGeom>
+        </p:spPr>
+        <p:style>
+          <a:lnRef idx="2">
+            <a:schemeClr val="accent6"/>
+          </a:lnRef>
+          <a:fillRef idx="1">
+            <a:schemeClr val="lt1"/>
+          </a:fillRef>
+          <a:effectRef idx="0">
+            <a:schemeClr val="accent6"/>
+          </a:effectRef>
+          <a:fontRef idx="minor">
+            <a:schemeClr val="dk1"/>
+          </a:fontRef>
+        </p:style>
+        <p:txBody>
+          <a:bodyPr rtlCol="0" anchor="ctr"/>
+          <a:lstStyle/>
+          <a:p>
+            <a:pPr algn="ctr"/>
+            <a:r>
+              <a:rPr kumimoji="1" lang="en-US" altLang="zh-CN" sz="1200" smtClean="0"/>
+              <a:t>RNN</a:t>
+            </a:r>
+            <a:endParaRPr kumimoji="1" lang="zh-CN" altLang="en-US" sz="1200" dirty="0"/>
+          </a:p>
+        </p:txBody>
+      </p:sp>
+      <p:sp>
+        <p:nvSpPr>
+          <p:cNvPr id="8" name="圆角矩形 7"/>
+          <p:cNvSpPr/>
+          <p:nvPr/>
+        </p:nvSpPr>
+        <p:spPr>
+          <a:xfrm>
+            <a:off x="3046601" y="2964988"/>
+            <a:ext cx="835479" cy="289049"/>
+          </a:xfrm>
+          <a:prstGeom prst="roundRect">
+            <a:avLst/>
+          </a:prstGeom>
+        </p:spPr>
+        <p:style>
+          <a:lnRef idx="2">
+            <a:schemeClr val="accent6"/>
+          </a:lnRef>
+          <a:fillRef idx="1">
+            <a:schemeClr val="lt1"/>
+          </a:fillRef>
+          <a:effectRef idx="0">
+            <a:schemeClr val="accent6"/>
+          </a:effectRef>
+          <a:fontRef idx="minor">
+            <a:schemeClr val="dk1"/>
+          </a:fontRef>
+        </p:style>
+        <p:txBody>
+          <a:bodyPr rtlCol="0" anchor="ctr"/>
+          <a:lstStyle/>
+          <a:p>
+            <a:pPr algn="ctr"/>
+            <a:r>
+              <a:rPr kumimoji="1" lang="en-US" altLang="zh-CN" sz="1200" smtClean="0"/>
+              <a:t>RNN</a:t>
+            </a:r>
+            <a:endParaRPr kumimoji="1" lang="zh-CN" altLang="en-US" sz="1200" dirty="0"/>
+          </a:p>
+        </p:txBody>
+      </p:sp>
+      <p:sp>
+        <p:nvSpPr>
+          <p:cNvPr id="12" name="圆角矩形 11"/>
+          <p:cNvSpPr/>
+          <p:nvPr/>
+        </p:nvSpPr>
+        <p:spPr>
+          <a:xfrm>
+            <a:off x="8879910" y="4800616"/>
+            <a:ext cx="835479" cy="221670"/>
+          </a:xfrm>
+          <a:prstGeom prst="roundRect">
+            <a:avLst/>
+          </a:prstGeom>
+        </p:spPr>
+        <p:style>
+          <a:lnRef idx="2">
+            <a:schemeClr val="accent6"/>
+          </a:lnRef>
+          <a:fillRef idx="1">
+            <a:schemeClr val="lt1"/>
+          </a:fillRef>
+          <a:effectRef idx="0">
+            <a:schemeClr val="accent6"/>
+          </a:effectRef>
+          <a:fontRef idx="minor">
+            <a:schemeClr val="dk1"/>
+          </a:fontRef>
+        </p:style>
+        <p:txBody>
+          <a:bodyPr rtlCol="0" anchor="ctr"/>
+          <a:lstStyle/>
+          <a:p>
+            <a:pPr algn="ctr"/>
+            <a:r>
+              <a:rPr kumimoji="1" lang="en-US" altLang="zh-CN" sz="1200" smtClean="0"/>
+              <a:t>RNN</a:t>
+            </a:r>
+            <a:endParaRPr kumimoji="1" lang="zh-CN" altLang="en-US" sz="1200" dirty="0"/>
+          </a:p>
+        </p:txBody>
+      </p:sp>
+      <p:sp>
+        <p:nvSpPr>
+          <p:cNvPr id="23" name="圆角矩形 22"/>
+          <p:cNvSpPr/>
+          <p:nvPr/>
+        </p:nvSpPr>
+        <p:spPr>
+          <a:xfrm rot="5400000">
+            <a:off x="5071025" y="2775612"/>
+            <a:ext cx="1193473" cy="261083"/>
+          </a:xfrm>
+          <a:prstGeom prst="roundRect">
+            <a:avLst/>
+          </a:prstGeom>
+        </p:spPr>
+        <p:style>
+          <a:lnRef idx="2">
+            <a:schemeClr val="accent6"/>
+          </a:lnRef>
+          <a:fillRef idx="1">
+            <a:schemeClr val="lt1"/>
+          </a:fillRef>
+          <a:effectRef idx="0">
+            <a:schemeClr val="accent6"/>
+          </a:effectRef>
+          <a:fontRef idx="minor">
+            <a:schemeClr val="dk1"/>
+          </a:fontRef>
+        </p:style>
+        <p:txBody>
+          <a:bodyPr rtlCol="0" anchor="ctr"/>
+          <a:lstStyle/>
+          <a:p>
+            <a:pPr algn="ctr"/>
+            <a:r>
+              <a:rPr kumimoji="1" lang="en-US" altLang="zh-CN" sz="1200" dirty="0" smtClean="0"/>
+              <a:t>Attention</a:t>
+            </a:r>
+            <a:endParaRPr kumimoji="1" lang="zh-CN" altLang="en-US" sz="1200" dirty="0"/>
+          </a:p>
+        </p:txBody>
+      </p:sp>
+      <p:sp>
+        <p:nvSpPr>
+          <p:cNvPr id="31" name="椭圆 30"/>
+          <p:cNvSpPr/>
+          <p:nvPr/>
+        </p:nvSpPr>
+        <p:spPr>
+          <a:xfrm>
+            <a:off x="7331611" y="2691480"/>
+            <a:ext cx="2440783" cy="340887"/>
+          </a:xfrm>
+          <a:prstGeom prst="ellipse">
+            <a:avLst/>
+          </a:prstGeom>
+        </p:spPr>
+        <p:style>
+          <a:lnRef idx="2">
+            <a:schemeClr val="accent6"/>
+          </a:lnRef>
+          <a:fillRef idx="1">
+            <a:schemeClr val="lt1"/>
+          </a:fillRef>
+          <a:effectRef idx="0">
+            <a:schemeClr val="accent6"/>
+          </a:effectRef>
+          <a:fontRef idx="minor">
+            <a:schemeClr val="dk1"/>
+          </a:fontRef>
+        </p:style>
+        <p:txBody>
+          <a:bodyPr rtlCol="0" anchor="ctr"/>
+          <a:lstStyle/>
+          <a:p>
+            <a:pPr algn="ctr"/>
+            <a:r>
+              <a:rPr kumimoji="1" lang="en-US" altLang="zh-CN" sz="1200" smtClean="0"/>
+              <a:t>Feature of A</a:t>
+            </a:r>
+          </a:p>
+        </p:txBody>
+      </p:sp>
+      <p:sp>
+        <p:nvSpPr>
+          <p:cNvPr id="32" name="椭圆 31"/>
+          <p:cNvSpPr/>
+          <p:nvPr/>
+        </p:nvSpPr>
+        <p:spPr>
+          <a:xfrm>
+            <a:off x="7438431" y="5706705"/>
+            <a:ext cx="2440783" cy="340887"/>
+          </a:xfrm>
+          <a:prstGeom prst="ellipse">
+            <a:avLst/>
+          </a:prstGeom>
+        </p:spPr>
+        <p:style>
+          <a:lnRef idx="2">
+            <a:schemeClr val="accent6"/>
+          </a:lnRef>
+          <a:fillRef idx="1">
+            <a:schemeClr val="lt1"/>
+          </a:fillRef>
+          <a:effectRef idx="0">
+            <a:schemeClr val="accent6"/>
+          </a:effectRef>
+          <a:fontRef idx="minor">
+            <a:schemeClr val="dk1"/>
+          </a:fontRef>
+        </p:style>
+        <p:txBody>
+          <a:bodyPr rtlCol="0" anchor="ctr"/>
+          <a:lstStyle/>
+          <a:p>
+            <a:pPr algn="ctr"/>
+            <a:r>
+              <a:rPr kumimoji="1" lang="en-US" altLang="zh-CN" sz="1200" smtClean="0"/>
+              <a:t>Feature of B</a:t>
+            </a:r>
+          </a:p>
+        </p:txBody>
+      </p:sp>
+      <p:sp>
+        <p:nvSpPr>
+          <p:cNvPr id="35" name="圆角矩形 34"/>
+          <p:cNvSpPr/>
+          <p:nvPr/>
+        </p:nvSpPr>
+        <p:spPr>
+          <a:xfrm rot="5400000">
+            <a:off x="6368288" y="3334110"/>
+            <a:ext cx="2440783" cy="221670"/>
+          </a:xfrm>
+          <a:prstGeom prst="roundRect">
+            <a:avLst/>
+          </a:prstGeom>
+        </p:spPr>
+        <p:style>
+          <a:lnRef idx="2">
+            <a:schemeClr val="accent6"/>
+          </a:lnRef>
+          <a:fillRef idx="1">
+            <a:schemeClr val="lt1"/>
+          </a:fillRef>
+          <a:effectRef idx="0">
+            <a:schemeClr val="accent6"/>
+          </a:effectRef>
+          <a:fontRef idx="minor">
+            <a:schemeClr val="dk1"/>
+          </a:fontRef>
+        </p:style>
+        <p:txBody>
+          <a:bodyPr rtlCol="0" anchor="ctr"/>
+          <a:lstStyle/>
+          <a:p>
+            <a:pPr algn="ctr"/>
+            <a:r>
+              <a:rPr kumimoji="1" lang="en-US" altLang="zh-CN" sz="1200" dirty="0" smtClean="0"/>
+              <a:t>Dense</a:t>
+            </a:r>
+            <a:endParaRPr kumimoji="1" lang="zh-CN" altLang="en-US" sz="1200" dirty="0"/>
+          </a:p>
+        </p:txBody>
+      </p:sp>
+      <p:sp>
+        <p:nvSpPr>
+          <p:cNvPr id="39" name="椭圆 38"/>
+          <p:cNvSpPr/>
+          <p:nvPr/>
+        </p:nvSpPr>
+        <p:spPr>
+          <a:xfrm>
+            <a:off x="10375931" y="3724083"/>
+            <a:ext cx="2440783" cy="340887"/>
+          </a:xfrm>
+          <a:prstGeom prst="ellipse">
+            <a:avLst/>
+          </a:prstGeom>
+        </p:spPr>
+        <p:style>
+          <a:lnRef idx="2">
+            <a:schemeClr val="accent6"/>
+          </a:lnRef>
+          <a:fillRef idx="1">
+            <a:schemeClr val="lt1"/>
+          </a:fillRef>
+          <a:effectRef idx="0">
+            <a:schemeClr val="accent6"/>
+          </a:effectRef>
+          <a:fontRef idx="minor">
+            <a:schemeClr val="dk1"/>
+          </a:fontRef>
+        </p:style>
+        <p:txBody>
+          <a:bodyPr rtlCol="0" anchor="ctr"/>
+          <a:lstStyle/>
+          <a:p>
+            <a:pPr algn="ctr"/>
+            <a:r>
+              <a:rPr kumimoji="1" lang="en-US" altLang="zh-CN" sz="1200" dirty="0" smtClean="0"/>
+              <a:t>Labe</a:t>
+            </a:r>
+            <a:r>
+              <a:rPr kumimoji="1" lang="en-US" altLang="zh-CN" sz="1200" dirty="0"/>
+              <a:t>l</a:t>
+            </a:r>
+            <a:endParaRPr kumimoji="1" lang="en-US" altLang="zh-CN" sz="1200" dirty="0" smtClean="0"/>
+          </a:p>
+        </p:txBody>
+      </p:sp>
+      <p:sp>
+        <p:nvSpPr>
+          <p:cNvPr id="67" name="圆角矩形 66"/>
+          <p:cNvSpPr/>
+          <p:nvPr/>
+        </p:nvSpPr>
+        <p:spPr>
+          <a:xfrm rot="5400000">
+            <a:off x="5071024" y="4115077"/>
+            <a:ext cx="1193473" cy="261083"/>
+          </a:xfrm>
+          <a:prstGeom prst="roundRect">
+            <a:avLst/>
+          </a:prstGeom>
+        </p:spPr>
+        <p:style>
+          <a:lnRef idx="2">
+            <a:schemeClr val="accent6"/>
+          </a:lnRef>
+          <a:fillRef idx="1">
+            <a:schemeClr val="lt1"/>
+          </a:fillRef>
+          <a:effectRef idx="0">
+            <a:schemeClr val="accent6"/>
+          </a:effectRef>
+          <a:fontRef idx="minor">
+            <a:schemeClr val="dk1"/>
+          </a:fontRef>
+        </p:style>
+        <p:txBody>
+          <a:bodyPr rtlCol="0" anchor="ctr"/>
+          <a:lstStyle/>
+          <a:p>
+            <a:pPr algn="ctr"/>
+            <a:r>
+              <a:rPr kumimoji="1" lang="en-US" altLang="zh-CN" sz="1200" dirty="0" smtClean="0"/>
+              <a:t>Attention</a:t>
+            </a:r>
+            <a:endParaRPr kumimoji="1" lang="zh-CN" altLang="en-US" sz="1200" dirty="0"/>
+          </a:p>
+        </p:txBody>
+      </p:sp>
+      <p:sp>
+        <p:nvSpPr>
+          <p:cNvPr id="71" name="圆角矩形 70"/>
+          <p:cNvSpPr/>
+          <p:nvPr/>
+        </p:nvSpPr>
+        <p:spPr>
+          <a:xfrm>
+            <a:off x="1539980" y="3834142"/>
+            <a:ext cx="591118" cy="289612"/>
+          </a:xfrm>
+          <a:prstGeom prst="roundRect">
+            <a:avLst/>
+          </a:prstGeom>
+        </p:spPr>
+        <p:style>
+          <a:lnRef idx="2">
+            <a:schemeClr val="accent6"/>
+          </a:lnRef>
+          <a:fillRef idx="1">
+            <a:schemeClr val="lt1"/>
+          </a:fillRef>
+          <a:effectRef idx="0">
+            <a:schemeClr val="accent6"/>
+          </a:effectRef>
+          <a:fontRef idx="minor">
+            <a:schemeClr val="dk1"/>
+          </a:fontRef>
+        </p:style>
+        <p:txBody>
+          <a:bodyPr rtlCol="0" anchor="ctr"/>
+          <a:lstStyle/>
+          <a:p>
+            <a:pPr algn="ctr"/>
+            <a:r>
+              <a:rPr kumimoji="1" lang="en-US" altLang="zh-CN" sz="1200" dirty="0" smtClean="0"/>
+              <a:t>w1</a:t>
+            </a:r>
+            <a:endParaRPr kumimoji="1" lang="zh-CN" altLang="en-US" sz="1200" dirty="0"/>
+          </a:p>
+        </p:txBody>
+      </p:sp>
+      <p:sp>
+        <p:nvSpPr>
+          <p:cNvPr id="72" name="圆角矩形 71"/>
+          <p:cNvSpPr/>
+          <p:nvPr/>
+        </p:nvSpPr>
+        <p:spPr>
+          <a:xfrm>
+            <a:off x="1539980" y="4348827"/>
+            <a:ext cx="591118" cy="289612"/>
+          </a:xfrm>
+          <a:prstGeom prst="roundRect">
+            <a:avLst/>
+          </a:prstGeom>
+        </p:spPr>
+        <p:style>
+          <a:lnRef idx="2">
+            <a:schemeClr val="accent6"/>
+          </a:lnRef>
+          <a:fillRef idx="1">
+            <a:schemeClr val="lt1"/>
+          </a:fillRef>
+          <a:effectRef idx="0">
+            <a:schemeClr val="accent6"/>
+          </a:effectRef>
+          <a:fontRef idx="minor">
+            <a:schemeClr val="dk1"/>
+          </a:fontRef>
+        </p:style>
+        <p:txBody>
+          <a:bodyPr rtlCol="0" anchor="ctr"/>
+          <a:lstStyle/>
+          <a:p>
+            <a:pPr algn="ctr"/>
+            <a:r>
+              <a:rPr kumimoji="1" lang="en-US" altLang="zh-CN" sz="1200" dirty="0" smtClean="0"/>
+              <a:t>w2</a:t>
+            </a:r>
+            <a:endParaRPr kumimoji="1" lang="zh-CN" altLang="en-US" sz="1200" dirty="0"/>
+          </a:p>
+        </p:txBody>
+      </p:sp>
+      <p:sp>
+        <p:nvSpPr>
+          <p:cNvPr id="75" name="圆角矩形 74"/>
+          <p:cNvSpPr/>
+          <p:nvPr/>
+        </p:nvSpPr>
+        <p:spPr>
+          <a:xfrm>
+            <a:off x="1539980" y="2450303"/>
+            <a:ext cx="591118" cy="289612"/>
+          </a:xfrm>
+          <a:prstGeom prst="roundRect">
+            <a:avLst/>
+          </a:prstGeom>
+        </p:spPr>
+        <p:style>
+          <a:lnRef idx="2">
+            <a:schemeClr val="accent6"/>
+          </a:lnRef>
+          <a:fillRef idx="1">
+            <a:schemeClr val="lt1"/>
+          </a:fillRef>
+          <a:effectRef idx="0">
+            <a:schemeClr val="accent6"/>
+          </a:effectRef>
+          <a:fontRef idx="minor">
+            <a:schemeClr val="dk1"/>
+          </a:fontRef>
+        </p:style>
+        <p:txBody>
+          <a:bodyPr rtlCol="0" anchor="ctr"/>
+          <a:lstStyle/>
+          <a:p>
+            <a:pPr algn="ctr"/>
+            <a:r>
+              <a:rPr kumimoji="1" lang="en-US" altLang="zh-CN" sz="1200" dirty="0" smtClean="0"/>
+              <a:t>w1</a:t>
+            </a:r>
+            <a:endParaRPr kumimoji="1" lang="zh-CN" altLang="en-US" sz="1200" dirty="0"/>
+          </a:p>
+        </p:txBody>
+      </p:sp>
+      <p:sp>
+        <p:nvSpPr>
+          <p:cNvPr id="76" name="圆角矩形 75"/>
+          <p:cNvSpPr/>
+          <p:nvPr/>
+        </p:nvSpPr>
+        <p:spPr>
+          <a:xfrm>
+            <a:off x="1539980" y="2964988"/>
+            <a:ext cx="591118" cy="289612"/>
+          </a:xfrm>
+          <a:prstGeom prst="roundRect">
+            <a:avLst/>
+          </a:prstGeom>
+        </p:spPr>
+        <p:style>
+          <a:lnRef idx="2">
+            <a:schemeClr val="accent6"/>
+          </a:lnRef>
+          <a:fillRef idx="1">
+            <a:schemeClr val="lt1"/>
+          </a:fillRef>
+          <a:effectRef idx="0">
+            <a:schemeClr val="accent6"/>
+          </a:effectRef>
+          <a:fontRef idx="minor">
+            <a:schemeClr val="dk1"/>
+          </a:fontRef>
+        </p:style>
+        <p:txBody>
+          <a:bodyPr rtlCol="0" anchor="ctr"/>
+          <a:lstStyle/>
+          <a:p>
+            <a:pPr algn="ctr"/>
+            <a:r>
+              <a:rPr kumimoji="1" lang="en-US" altLang="zh-CN" sz="1200" dirty="0" smtClean="0"/>
+              <a:t>w2</a:t>
+            </a:r>
+            <a:endParaRPr kumimoji="1" lang="zh-CN" altLang="en-US" sz="1200" dirty="0"/>
+          </a:p>
+        </p:txBody>
+      </p:sp>
+      <p:sp>
+        <p:nvSpPr>
+          <p:cNvPr id="77" name="圆角矩形 76"/>
+          <p:cNvSpPr/>
+          <p:nvPr/>
+        </p:nvSpPr>
+        <p:spPr>
+          <a:xfrm>
+            <a:off x="1539980" y="5152061"/>
+            <a:ext cx="591118" cy="289612"/>
+          </a:xfrm>
+          <a:prstGeom prst="roundRect">
+            <a:avLst/>
+          </a:prstGeom>
+        </p:spPr>
+        <p:style>
+          <a:lnRef idx="2">
+            <a:schemeClr val="accent6"/>
+          </a:lnRef>
+          <a:fillRef idx="1">
+            <a:schemeClr val="lt1"/>
+          </a:fillRef>
+          <a:effectRef idx="0">
+            <a:schemeClr val="accent6"/>
+          </a:effectRef>
+          <a:fontRef idx="minor">
+            <a:schemeClr val="dk1"/>
+          </a:fontRef>
+        </p:style>
+        <p:txBody>
+          <a:bodyPr rtlCol="0" anchor="ctr"/>
+          <a:lstStyle/>
+          <a:p>
+            <a:pPr algn="ctr"/>
+            <a:r>
+              <a:rPr kumimoji="1" lang="en-US" altLang="zh-CN" sz="1200" dirty="0" smtClean="0"/>
+              <a:t>w1</a:t>
+            </a:r>
+            <a:endParaRPr kumimoji="1" lang="zh-CN" altLang="en-US" sz="1200" dirty="0"/>
+          </a:p>
+        </p:txBody>
+      </p:sp>
+      <p:sp>
+        <p:nvSpPr>
+          <p:cNvPr id="78" name="圆角矩形 77"/>
+          <p:cNvSpPr/>
+          <p:nvPr/>
+        </p:nvSpPr>
+        <p:spPr>
+          <a:xfrm>
+            <a:off x="1539980" y="5666746"/>
+            <a:ext cx="591118" cy="289612"/>
+          </a:xfrm>
+          <a:prstGeom prst="roundRect">
+            <a:avLst/>
+          </a:prstGeom>
+        </p:spPr>
+        <p:style>
+          <a:lnRef idx="2">
+            <a:schemeClr val="accent6"/>
+          </a:lnRef>
+          <a:fillRef idx="1">
+            <a:schemeClr val="lt1"/>
+          </a:fillRef>
+          <a:effectRef idx="0">
+            <a:schemeClr val="accent6"/>
+          </a:effectRef>
+          <a:fontRef idx="minor">
+            <a:schemeClr val="dk1"/>
+          </a:fontRef>
+        </p:style>
+        <p:txBody>
+          <a:bodyPr rtlCol="0" anchor="ctr"/>
+          <a:lstStyle/>
+          <a:p>
+            <a:pPr algn="ctr"/>
+            <a:r>
+              <a:rPr kumimoji="1" lang="en-US" altLang="zh-CN" sz="1200" dirty="0" smtClean="0"/>
+              <a:t>w2</a:t>
+            </a:r>
+            <a:endParaRPr kumimoji="1" lang="zh-CN" altLang="en-US" sz="1200" dirty="0"/>
+          </a:p>
+        </p:txBody>
+      </p:sp>
+      <p:sp>
+        <p:nvSpPr>
+          <p:cNvPr id="79" name="圆角矩形 78"/>
+          <p:cNvSpPr/>
+          <p:nvPr/>
+        </p:nvSpPr>
+        <p:spPr>
+          <a:xfrm>
+            <a:off x="4166603" y="3920164"/>
+            <a:ext cx="835479" cy="289612"/>
+          </a:xfrm>
+          <a:prstGeom prst="roundRect">
+            <a:avLst/>
+          </a:prstGeom>
+        </p:spPr>
+        <p:style>
+          <a:lnRef idx="2">
+            <a:schemeClr val="accent6"/>
+          </a:lnRef>
+          <a:fillRef idx="1">
+            <a:schemeClr val="lt1"/>
+          </a:fillRef>
+          <a:effectRef idx="0">
+            <a:schemeClr val="accent6"/>
+          </a:effectRef>
+          <a:fontRef idx="minor">
+            <a:schemeClr val="dk1"/>
+          </a:fontRef>
+        </p:style>
+        <p:txBody>
+          <a:bodyPr rtlCol="0" anchor="ctr"/>
+          <a:lstStyle/>
+          <a:p>
+            <a:pPr algn="ctr"/>
+            <a:r>
+              <a:rPr kumimoji="1" lang="en-US" altLang="zh-CN" sz="1200" smtClean="0"/>
+              <a:t>RNN</a:t>
+            </a:r>
+            <a:endParaRPr kumimoji="1" lang="zh-CN" altLang="en-US" sz="1200" dirty="0"/>
+          </a:p>
+        </p:txBody>
+      </p:sp>
+      <p:sp>
+        <p:nvSpPr>
+          <p:cNvPr id="80" name="圆角矩形 79"/>
+          <p:cNvSpPr/>
+          <p:nvPr/>
+        </p:nvSpPr>
+        <p:spPr>
+          <a:xfrm>
+            <a:off x="4166603" y="4434849"/>
+            <a:ext cx="835479" cy="289049"/>
+          </a:xfrm>
+          <a:prstGeom prst="roundRect">
+            <a:avLst/>
+          </a:prstGeom>
+        </p:spPr>
+        <p:style>
+          <a:lnRef idx="2">
+            <a:schemeClr val="accent6"/>
+          </a:lnRef>
+          <a:fillRef idx="1">
+            <a:schemeClr val="lt1"/>
+          </a:fillRef>
+          <a:effectRef idx="0">
+            <a:schemeClr val="accent6"/>
+          </a:effectRef>
+          <a:fontRef idx="minor">
+            <a:schemeClr val="dk1"/>
+          </a:fontRef>
+        </p:style>
+        <p:txBody>
+          <a:bodyPr rtlCol="0" anchor="ctr"/>
+          <a:lstStyle/>
+          <a:p>
+            <a:pPr algn="ctr"/>
+            <a:r>
+              <a:rPr kumimoji="1" lang="en-US" altLang="zh-CN" sz="1200" smtClean="0"/>
+              <a:t>RNN</a:t>
+            </a:r>
+            <a:endParaRPr kumimoji="1" lang="zh-CN" altLang="en-US" sz="1200" dirty="0"/>
+          </a:p>
+        </p:txBody>
+      </p:sp>
+      <p:sp>
+        <p:nvSpPr>
+          <p:cNvPr id="81" name="圆角矩形 80"/>
+          <p:cNvSpPr/>
+          <p:nvPr/>
+        </p:nvSpPr>
+        <p:spPr>
+          <a:xfrm>
+            <a:off x="3062987" y="5152061"/>
+            <a:ext cx="835479" cy="289612"/>
+          </a:xfrm>
+          <a:prstGeom prst="roundRect">
+            <a:avLst/>
+          </a:prstGeom>
+        </p:spPr>
+        <p:style>
+          <a:lnRef idx="2">
+            <a:schemeClr val="accent6"/>
+          </a:lnRef>
+          <a:fillRef idx="1">
+            <a:schemeClr val="lt1"/>
+          </a:fillRef>
+          <a:effectRef idx="0">
+            <a:schemeClr val="accent6"/>
+          </a:effectRef>
+          <a:fontRef idx="minor">
+            <a:schemeClr val="dk1"/>
+          </a:fontRef>
+        </p:style>
+        <p:txBody>
+          <a:bodyPr rtlCol="0" anchor="ctr"/>
+          <a:lstStyle/>
+          <a:p>
+            <a:pPr algn="ctr"/>
+            <a:r>
+              <a:rPr kumimoji="1" lang="en-US" altLang="zh-CN" sz="1200" smtClean="0"/>
+              <a:t>RNN</a:t>
+            </a:r>
+            <a:endParaRPr kumimoji="1" lang="zh-CN" altLang="en-US" sz="1200" dirty="0"/>
+          </a:p>
+        </p:txBody>
+      </p:sp>
+      <p:sp>
+        <p:nvSpPr>
+          <p:cNvPr id="82" name="圆角矩形 81"/>
+          <p:cNvSpPr/>
+          <p:nvPr/>
+        </p:nvSpPr>
+        <p:spPr>
+          <a:xfrm>
+            <a:off x="3062987" y="5666746"/>
+            <a:ext cx="835479" cy="289049"/>
+          </a:xfrm>
+          <a:prstGeom prst="roundRect">
+            <a:avLst/>
+          </a:prstGeom>
+        </p:spPr>
+        <p:style>
+          <a:lnRef idx="2">
+            <a:schemeClr val="accent6"/>
+          </a:lnRef>
+          <a:fillRef idx="1">
+            <a:schemeClr val="lt1"/>
+          </a:fillRef>
+          <a:effectRef idx="0">
+            <a:schemeClr val="accent6"/>
+          </a:effectRef>
+          <a:fontRef idx="minor">
+            <a:schemeClr val="dk1"/>
+          </a:fontRef>
+        </p:style>
+        <p:txBody>
+          <a:bodyPr rtlCol="0" anchor="ctr"/>
+          <a:lstStyle/>
+          <a:p>
+            <a:pPr algn="ctr"/>
+            <a:r>
+              <a:rPr kumimoji="1" lang="en-US" altLang="zh-CN" sz="1200" smtClean="0"/>
+              <a:t>RNN</a:t>
+            </a:r>
+            <a:endParaRPr kumimoji="1" lang="zh-CN" altLang="en-US" sz="1200" dirty="0"/>
+          </a:p>
+        </p:txBody>
+      </p:sp>
+      <p:cxnSp>
+        <p:nvCxnSpPr>
+          <p:cNvPr id="84" name="直线箭头连接符 83"/>
+          <p:cNvCxnSpPr>
+            <a:stCxn id="75" idx="3"/>
+            <a:endCxn id="7" idx="1"/>
+          </p:cNvCxnSpPr>
+          <p:nvPr/>
+        </p:nvCxnSpPr>
+        <p:spPr>
+          <a:xfrm>
+            <a:off x="2131098" y="2595109"/>
+            <a:ext cx="915503" cy="0"/>
+          </a:xfrm>
+          <a:prstGeom prst="straightConnector1">
+            <a:avLst/>
+          </a:prstGeom>
+          <a:ln>
+            <a:solidFill>
+              <a:schemeClr val="accent1"/>
+            </a:solidFill>
+            <a:tailEnd type="triangle"/>
+          </a:ln>
+        </p:spPr>
+        <p:style>
+          <a:lnRef idx="1">
+            <a:schemeClr val="accent1"/>
+          </a:lnRef>
+          <a:fillRef idx="0">
+            <a:schemeClr val="accent1"/>
+          </a:fillRef>
+          <a:effectRef idx="0">
+            <a:schemeClr val="accent1"/>
+          </a:effectRef>
+          <a:fontRef idx="minor">
+            <a:schemeClr val="tx1"/>
+          </a:fontRef>
+        </p:style>
+      </p:cxnSp>
+      <p:cxnSp>
+        <p:nvCxnSpPr>
+          <p:cNvPr id="86" name="直线箭头连接符 85"/>
+          <p:cNvCxnSpPr>
+            <a:stCxn id="76" idx="3"/>
+            <a:endCxn id="8" idx="1"/>
+          </p:cNvCxnSpPr>
+          <p:nvPr/>
+        </p:nvCxnSpPr>
+        <p:spPr>
+          <a:xfrm flipV="1">
+            <a:off x="2131098" y="3109513"/>
+            <a:ext cx="915503" cy="281"/>
+          </a:xfrm>
+          <a:prstGeom prst="straightConnector1">
+            <a:avLst/>
+          </a:prstGeom>
+          <a:ln>
+            <a:tailEnd type="triangle"/>
+          </a:ln>
+        </p:spPr>
+        <p:style>
+          <a:lnRef idx="1">
+            <a:schemeClr val="accent1"/>
+          </a:lnRef>
+          <a:fillRef idx="0">
+            <a:schemeClr val="accent1"/>
+          </a:fillRef>
+          <a:effectRef idx="0">
+            <a:schemeClr val="accent1"/>
+          </a:effectRef>
+          <a:fontRef idx="minor">
+            <a:schemeClr val="tx1"/>
+          </a:fontRef>
+        </p:style>
+      </p:cxnSp>
+    </p:spTree>
+    <p:extLst>
+      <p:ext uri="{BB962C8B-B14F-4D97-AF65-F5344CB8AC3E}">
+        <p14:creationId xmlns:p14="http://schemas.microsoft.com/office/powerpoint/2010/main" val="1110740273"/>
       </p:ext>
     </p:extLst>
   </p:cSld>
